--- a/4-AcceleratedPython/The pyMIC Python Offload Infrastructure.pptx
+++ b/4-AcceleratedPython/The pyMIC Python Offload Infrastructure.pptx
@@ -15,26 +15,26 @@
   <p:sldIdLst>
     <p:sldId id="257" r:id="rId7"/>
     <p:sldId id="285" r:id="rId8"/>
-    <p:sldId id="286" r:id="rId9"/>
-    <p:sldId id="297" r:id="rId10"/>
-    <p:sldId id="295" r:id="rId11"/>
-    <p:sldId id="318" r:id="rId12"/>
-    <p:sldId id="314" r:id="rId13"/>
-    <p:sldId id="299" r:id="rId14"/>
-    <p:sldId id="309" r:id="rId15"/>
-    <p:sldId id="298" r:id="rId16"/>
-    <p:sldId id="312" r:id="rId17"/>
-    <p:sldId id="296" r:id="rId18"/>
-    <p:sldId id="300" r:id="rId19"/>
-    <p:sldId id="316" r:id="rId20"/>
-    <p:sldId id="317" r:id="rId21"/>
-    <p:sldId id="307" r:id="rId22"/>
-    <p:sldId id="308" r:id="rId23"/>
-    <p:sldId id="305" r:id="rId24"/>
-    <p:sldId id="306" r:id="rId25"/>
-    <p:sldId id="301" r:id="rId26"/>
-    <p:sldId id="310" r:id="rId27"/>
-    <p:sldId id="311" r:id="rId28"/>
+    <p:sldId id="297" r:id="rId9"/>
+    <p:sldId id="295" r:id="rId10"/>
+    <p:sldId id="318" r:id="rId11"/>
+    <p:sldId id="314" r:id="rId12"/>
+    <p:sldId id="299" r:id="rId13"/>
+    <p:sldId id="309" r:id="rId14"/>
+    <p:sldId id="298" r:id="rId15"/>
+    <p:sldId id="312" r:id="rId16"/>
+    <p:sldId id="296" r:id="rId17"/>
+    <p:sldId id="300" r:id="rId18"/>
+    <p:sldId id="316" r:id="rId19"/>
+    <p:sldId id="317" r:id="rId20"/>
+    <p:sldId id="307" r:id="rId21"/>
+    <p:sldId id="308" r:id="rId22"/>
+    <p:sldId id="305" r:id="rId23"/>
+    <p:sldId id="306" r:id="rId24"/>
+    <p:sldId id="301" r:id="rId25"/>
+    <p:sldId id="310" r:id="rId26"/>
+    <p:sldId id="311" r:id="rId27"/>
+    <p:sldId id="319" r:id="rId28"/>
     <p:sldId id="304" r:id="rId29"/>
     <p:sldId id="287" r:id="rId30"/>
     <p:sldId id="275" r:id="rId31"/>
@@ -147,7 +147,6 @@
         <p14:section name="Introduction" id="{5B603857-C623-4A25-91E6-3A707A00C408}">
           <p14:sldIdLst>
             <p14:sldId id="285"/>
-            <p14:sldId id="286"/>
           </p14:sldIdLst>
         </p14:section>
         <p14:section name="Main Content" id="{7C21B51C-501D-4B70-8CCD-8DCB6358BBB6}">
@@ -171,6 +170,7 @@
             <p14:sldId id="301"/>
             <p14:sldId id="310"/>
             <p14:sldId id="311"/>
+            <p14:sldId id="319"/>
             <p14:sldId id="304"/>
           </p14:sldIdLst>
         </p14:section>
@@ -688,11 +688,11 @@
           <c:showBubbleSize val="0"/>
         </c:dLbls>
         <c:smooth val="0"/>
-        <c:axId val="459923552"/>
-        <c:axId val="459923160"/>
+        <c:axId val="313709328"/>
+        <c:axId val="313713640"/>
       </c:lineChart>
       <c:catAx>
-        <c:axId val="459923552"/>
+        <c:axId val="313709328"/>
         <c:scaling>
           <c:orientation val="minMax"/>
         </c:scaling>
@@ -729,6 +729,7 @@
               </a:p>
             </c:rich>
           </c:tx>
+          <c:layout/>
           <c:overlay val="0"/>
           <c:spPr>
             <a:noFill/>
@@ -795,7 +796,7 @@
             <a:endParaRPr lang="en-US"/>
           </a:p>
         </c:txPr>
-        <c:crossAx val="459923160"/>
+        <c:crossAx val="313713640"/>
         <c:crosses val="autoZero"/>
         <c:auto val="1"/>
         <c:lblAlgn val="ctr"/>
@@ -803,7 +804,7 @@
         <c:noMultiLvlLbl val="0"/>
       </c:catAx>
       <c:valAx>
-        <c:axId val="459923160"/>
+        <c:axId val="313713640"/>
         <c:scaling>
           <c:orientation val="minMax"/>
         </c:scaling>
@@ -849,6 +850,7 @@
               </a:p>
             </c:rich>
           </c:tx>
+          <c:layout/>
           <c:overlay val="0"/>
           <c:spPr>
             <a:noFill/>
@@ -909,7 +911,7 @@
             <a:endParaRPr lang="en-US"/>
           </a:p>
         </c:txPr>
-        <c:crossAx val="459923552"/>
+        <c:crossAx val="313709328"/>
         <c:crosses val="autoZero"/>
         <c:crossBetween val="between"/>
       </c:valAx>
@@ -2314,11 +2316,11 @@
           <c:showBubbleSize val="0"/>
         </c:dLbls>
         <c:smooth val="0"/>
-        <c:axId val="371279816"/>
-        <c:axId val="371282952"/>
+        <c:axId val="313709720"/>
+        <c:axId val="313710112"/>
       </c:lineChart>
       <c:catAx>
-        <c:axId val="371279816"/>
+        <c:axId val="313709720"/>
         <c:scaling>
           <c:orientation val="minMax"/>
         </c:scaling>
@@ -2350,6 +2352,7 @@
               </a:p>
             </c:rich>
           </c:tx>
+          <c:layout/>
           <c:overlay val="0"/>
           <c:spPr>
             <a:noFill/>
@@ -2416,7 +2419,7 @@
             <a:endParaRPr lang="en-US"/>
           </a:p>
         </c:txPr>
-        <c:crossAx val="371282952"/>
+        <c:crossAx val="313710112"/>
         <c:crosses val="autoZero"/>
         <c:auto val="1"/>
         <c:lblAlgn val="ctr"/>
@@ -2424,7 +2427,7 @@
         <c:noMultiLvlLbl val="0"/>
       </c:catAx>
       <c:valAx>
-        <c:axId val="371282952"/>
+        <c:axId val="313710112"/>
         <c:scaling>
           <c:orientation val="minMax"/>
         </c:scaling>
@@ -2470,6 +2473,7 @@
               </a:p>
             </c:rich>
           </c:tx>
+          <c:layout/>
           <c:overlay val="0"/>
           <c:spPr>
             <a:noFill/>
@@ -2530,7 +2534,7 @@
             <a:endParaRPr lang="en-US"/>
           </a:p>
         </c:txPr>
-        <c:crossAx val="371279816"/>
+        <c:crossAx val="313709720"/>
         <c:crosses val="autoZero"/>
         <c:crossBetween val="between"/>
       </c:valAx>
@@ -2610,6 +2614,906 @@
 </c:chartSpace>
 </file>
 
+<file path=ppt/charts/chart3.xml><?xml version="1.0" encoding="utf-8"?>
+<c:chartSpace xmlns:c="http://schemas.openxmlformats.org/drawingml/2006/chart" xmlns:a="http://schemas.openxmlformats.org/drawingml/2006/main" xmlns:r="http://schemas.openxmlformats.org/officeDocument/2006/relationships">
+  <c:date1904 val="0"/>
+  <c:lang val="en-US"/>
+  <c:roundedCorners val="0"/>
+  <mc:AlternateContent xmlns:mc="http://schemas.openxmlformats.org/markup-compatibility/2006">
+    <mc:Choice xmlns:c14="http://schemas.microsoft.com/office/drawing/2007/8/2/chart" Requires="c14">
+      <c14:style val="102"/>
+    </mc:Choice>
+    <mc:Fallback>
+      <c:style val="2"/>
+    </mc:Fallback>
+  </mc:AlternateContent>
+  <c:chart>
+    <c:autoTitleDeleted val="1"/>
+    <c:plotArea>
+      <c:layout>
+        <c:manualLayout>
+          <c:layoutTarget val="inner"/>
+          <c:xMode val="edge"/>
+          <c:yMode val="edge"/>
+          <c:x val="0.18294672625381286"/>
+          <c:y val="5.0925925925925923E-2"/>
+          <c:w val="0.76750372419663759"/>
+          <c:h val="0.79500729075532228"/>
+        </c:manualLayout>
+      </c:layout>
+      <c:lineChart>
+        <c:grouping val="standard"/>
+        <c:varyColors val="0"/>
+        <c:ser>
+          <c:idx val="1"/>
+          <c:order val="0"/>
+          <c:tx>
+            <c:strRef>
+              <c:f>Sheet1!$C$22</c:f>
+              <c:strCache>
+                <c:ptCount val="1"/>
+                <c:pt idx="0">
+                  <c:v>Host</c:v>
+                </c:pt>
+              </c:strCache>
+            </c:strRef>
+          </c:tx>
+          <c:spPr>
+            <a:ln w="28575" cap="rnd">
+              <a:solidFill>
+                <a:schemeClr val="accent1"/>
+              </a:solidFill>
+              <a:round/>
+            </a:ln>
+            <a:effectLst/>
+          </c:spPr>
+          <c:marker>
+            <c:symbol val="square"/>
+            <c:size val="5"/>
+            <c:spPr>
+              <a:solidFill>
+                <a:schemeClr val="accent1"/>
+              </a:solidFill>
+              <a:ln w="9525">
+                <a:solidFill>
+                  <a:schemeClr val="accent1"/>
+                </a:solidFill>
+              </a:ln>
+              <a:effectLst/>
+            </c:spPr>
+          </c:marker>
+          <c:cat>
+            <c:numRef>
+              <c:f>Sheet1!$B$23:$B$27</c:f>
+              <c:numCache>
+                <c:formatCode>General</c:formatCode>
+                <c:ptCount val="5"/>
+                <c:pt idx="0">
+                  <c:v>10</c:v>
+                </c:pt>
+                <c:pt idx="1">
+                  <c:v>16</c:v>
+                </c:pt>
+                <c:pt idx="2">
+                  <c:v>20</c:v>
+                </c:pt>
+                <c:pt idx="3">
+                  <c:v>32</c:v>
+                </c:pt>
+                <c:pt idx="4">
+                  <c:v>40</c:v>
+                </c:pt>
+              </c:numCache>
+            </c:numRef>
+          </c:cat>
+          <c:val>
+            <c:numRef>
+              <c:f>Sheet1!$C$23:$C$27</c:f>
+              <c:numCache>
+                <c:formatCode>General</c:formatCode>
+                <c:ptCount val="5"/>
+                <c:pt idx="0">
+                  <c:v>895.22900000000004</c:v>
+                </c:pt>
+                <c:pt idx="1">
+                  <c:v>562.08900000000006</c:v>
+                </c:pt>
+                <c:pt idx="2">
+                  <c:v>458.685</c:v>
+                </c:pt>
+                <c:pt idx="3">
+                  <c:v>295.702</c:v>
+                </c:pt>
+                <c:pt idx="4">
+                  <c:v>245.67</c:v>
+                </c:pt>
+              </c:numCache>
+            </c:numRef>
+          </c:val>
+          <c:smooth val="0"/>
+        </c:ser>
+        <c:ser>
+          <c:idx val="2"/>
+          <c:order val="1"/>
+          <c:tx>
+            <c:strRef>
+              <c:f>Sheet1!$D$22</c:f>
+              <c:strCache>
+                <c:ptCount val="1"/>
+                <c:pt idx="0">
+                  <c:v>Offload</c:v>
+                </c:pt>
+              </c:strCache>
+            </c:strRef>
+          </c:tx>
+          <c:spPr>
+            <a:ln w="28575" cap="rnd">
+              <a:solidFill>
+                <a:srgbClr val="C00000"/>
+              </a:solidFill>
+              <a:round/>
+            </a:ln>
+            <a:effectLst/>
+          </c:spPr>
+          <c:marker>
+            <c:symbol val="circle"/>
+            <c:size val="5"/>
+            <c:spPr>
+              <a:solidFill>
+                <a:srgbClr val="C00000"/>
+              </a:solidFill>
+              <a:ln w="9525">
+                <a:solidFill>
+                  <a:srgbClr val="C00000"/>
+                </a:solidFill>
+              </a:ln>
+              <a:effectLst/>
+            </c:spPr>
+          </c:marker>
+          <c:cat>
+            <c:numRef>
+              <c:f>Sheet1!$B$23:$B$27</c:f>
+              <c:numCache>
+                <c:formatCode>General</c:formatCode>
+                <c:ptCount val="5"/>
+                <c:pt idx="0">
+                  <c:v>10</c:v>
+                </c:pt>
+                <c:pt idx="1">
+                  <c:v>16</c:v>
+                </c:pt>
+                <c:pt idx="2">
+                  <c:v>20</c:v>
+                </c:pt>
+                <c:pt idx="3">
+                  <c:v>32</c:v>
+                </c:pt>
+                <c:pt idx="4">
+                  <c:v>40</c:v>
+                </c:pt>
+              </c:numCache>
+            </c:numRef>
+          </c:cat>
+          <c:val>
+            <c:numRef>
+              <c:f>Sheet1!$D$23:$D$27</c:f>
+              <c:numCache>
+                <c:formatCode>General</c:formatCode>
+                <c:ptCount val="5"/>
+                <c:pt idx="0">
+                  <c:v>454.64699999999999</c:v>
+                </c:pt>
+                <c:pt idx="1">
+                  <c:v>287.22399999999999</c:v>
+                </c:pt>
+                <c:pt idx="2">
+                  <c:v>251.167</c:v>
+                </c:pt>
+                <c:pt idx="3">
+                  <c:v>170.11500000000001</c:v>
+                </c:pt>
+                <c:pt idx="4">
+                  <c:v>145.13800000000001</c:v>
+                </c:pt>
+              </c:numCache>
+            </c:numRef>
+          </c:val>
+          <c:smooth val="0"/>
+        </c:ser>
+        <c:dLbls>
+          <c:showLegendKey val="0"/>
+          <c:showVal val="0"/>
+          <c:showCatName val="0"/>
+          <c:showSerName val="0"/>
+          <c:showPercent val="0"/>
+          <c:showBubbleSize val="0"/>
+        </c:dLbls>
+        <c:marker val="1"/>
+        <c:smooth val="0"/>
+        <c:axId val="362855536"/>
+        <c:axId val="362856712"/>
+      </c:lineChart>
+      <c:catAx>
+        <c:axId val="362855536"/>
+        <c:scaling>
+          <c:orientation val="minMax"/>
+        </c:scaling>
+        <c:delete val="0"/>
+        <c:axPos val="b"/>
+        <c:title>
+          <c:tx>
+            <c:rich>
+              <a:bodyPr rot="0" spcFirstLastPara="1" vertOverflow="ellipsis" vert="horz" wrap="square" anchor="ctr" anchorCtr="1"/>
+              <a:lstStyle/>
+              <a:p>
+                <a:pPr>
+                  <a:defRPr sz="1000" b="0" i="0" u="none" strike="noStrike" kern="1200" baseline="0">
+                    <a:solidFill>
+                      <a:schemeClr val="tx1">
+                        <a:lumMod val="65000"/>
+                        <a:lumOff val="35000"/>
+                      </a:schemeClr>
+                    </a:solidFill>
+                    <a:latin typeface="+mn-lt"/>
+                    <a:ea typeface="+mn-ea"/>
+                    <a:cs typeface="+mn-cs"/>
+                  </a:defRPr>
+                </a:pPr>
+                <a:r>
+                  <a:rPr lang="en-US"/>
+                  <a:t>Nodes</a:t>
+                </a:r>
+              </a:p>
+            </c:rich>
+          </c:tx>
+          <c:layout/>
+          <c:overlay val="0"/>
+          <c:spPr>
+            <a:noFill/>
+            <a:ln>
+              <a:noFill/>
+            </a:ln>
+            <a:effectLst/>
+          </c:spPr>
+          <c:txPr>
+            <a:bodyPr rot="0" spcFirstLastPara="1" vertOverflow="ellipsis" vert="horz" wrap="square" anchor="ctr" anchorCtr="1"/>
+            <a:lstStyle/>
+            <a:p>
+              <a:pPr>
+                <a:defRPr sz="1000" b="0" i="0" u="none" strike="noStrike" kern="1200" baseline="0">
+                  <a:solidFill>
+                    <a:schemeClr val="tx1">
+                      <a:lumMod val="65000"/>
+                      <a:lumOff val="35000"/>
+                    </a:schemeClr>
+                  </a:solidFill>
+                  <a:latin typeface="+mn-lt"/>
+                  <a:ea typeface="+mn-ea"/>
+                  <a:cs typeface="+mn-cs"/>
+                </a:defRPr>
+              </a:pPr>
+              <a:endParaRPr lang="en-US"/>
+            </a:p>
+          </c:txPr>
+        </c:title>
+        <c:numFmt formatCode="General" sourceLinked="1"/>
+        <c:majorTickMark val="none"/>
+        <c:minorTickMark val="none"/>
+        <c:tickLblPos val="nextTo"/>
+        <c:spPr>
+          <a:noFill/>
+          <a:ln w="9525" cap="flat" cmpd="sng" algn="ctr">
+            <a:solidFill>
+              <a:schemeClr val="tx1">
+                <a:lumMod val="15000"/>
+                <a:lumOff val="85000"/>
+              </a:schemeClr>
+            </a:solidFill>
+            <a:round/>
+          </a:ln>
+          <a:effectLst/>
+        </c:spPr>
+        <c:txPr>
+          <a:bodyPr rot="-60000000" spcFirstLastPara="1" vertOverflow="ellipsis" vert="horz" wrap="square" anchor="ctr" anchorCtr="1"/>
+          <a:lstStyle/>
+          <a:p>
+            <a:pPr>
+              <a:defRPr sz="900" b="0" i="0" u="none" strike="noStrike" kern="1200" baseline="0">
+                <a:solidFill>
+                  <a:schemeClr val="tx1">
+                    <a:lumMod val="65000"/>
+                    <a:lumOff val="35000"/>
+                  </a:schemeClr>
+                </a:solidFill>
+                <a:latin typeface="+mn-lt"/>
+                <a:ea typeface="+mn-ea"/>
+                <a:cs typeface="+mn-cs"/>
+              </a:defRPr>
+            </a:pPr>
+            <a:endParaRPr lang="en-US"/>
+          </a:p>
+        </c:txPr>
+        <c:crossAx val="362856712"/>
+        <c:crosses val="autoZero"/>
+        <c:auto val="1"/>
+        <c:lblAlgn val="ctr"/>
+        <c:lblOffset val="100"/>
+        <c:noMultiLvlLbl val="0"/>
+      </c:catAx>
+      <c:valAx>
+        <c:axId val="362856712"/>
+        <c:scaling>
+          <c:orientation val="minMax"/>
+        </c:scaling>
+        <c:delete val="0"/>
+        <c:axPos val="l"/>
+        <c:majorGridlines>
+          <c:spPr>
+            <a:ln w="9525" cap="flat" cmpd="sng" algn="ctr">
+              <a:solidFill>
+                <a:schemeClr val="tx1">
+                  <a:lumMod val="15000"/>
+                  <a:lumOff val="85000"/>
+                </a:schemeClr>
+              </a:solidFill>
+              <a:round/>
+            </a:ln>
+            <a:effectLst/>
+          </c:spPr>
+        </c:majorGridlines>
+        <c:title>
+          <c:tx>
+            <c:rich>
+              <a:bodyPr rot="-5400000" spcFirstLastPara="1" vertOverflow="ellipsis" vert="horz" wrap="square" anchor="ctr" anchorCtr="1"/>
+              <a:lstStyle/>
+              <a:p>
+                <a:pPr>
+                  <a:defRPr sz="1000" b="0" i="0" u="none" strike="noStrike" kern="1200" baseline="0">
+                    <a:solidFill>
+                      <a:schemeClr val="tx1">
+                        <a:lumMod val="65000"/>
+                        <a:lumOff val="35000"/>
+                      </a:schemeClr>
+                    </a:solidFill>
+                    <a:latin typeface="+mn-lt"/>
+                    <a:ea typeface="+mn-ea"/>
+                    <a:cs typeface="+mn-cs"/>
+                  </a:defRPr>
+                </a:pPr>
+                <a:r>
+                  <a:rPr lang="en-US"/>
+                  <a:t>Time [sec]</a:t>
+                </a:r>
+              </a:p>
+            </c:rich>
+          </c:tx>
+          <c:layout/>
+          <c:overlay val="0"/>
+          <c:spPr>
+            <a:noFill/>
+            <a:ln>
+              <a:noFill/>
+            </a:ln>
+            <a:effectLst/>
+          </c:spPr>
+          <c:txPr>
+            <a:bodyPr rot="-5400000" spcFirstLastPara="1" vertOverflow="ellipsis" vert="horz" wrap="square" anchor="ctr" anchorCtr="1"/>
+            <a:lstStyle/>
+            <a:p>
+              <a:pPr>
+                <a:defRPr sz="1000" b="0" i="0" u="none" strike="noStrike" kern="1200" baseline="0">
+                  <a:solidFill>
+                    <a:schemeClr val="tx1">
+                      <a:lumMod val="65000"/>
+                      <a:lumOff val="35000"/>
+                    </a:schemeClr>
+                  </a:solidFill>
+                  <a:latin typeface="+mn-lt"/>
+                  <a:ea typeface="+mn-ea"/>
+                  <a:cs typeface="+mn-cs"/>
+                </a:defRPr>
+              </a:pPr>
+              <a:endParaRPr lang="en-US"/>
+            </a:p>
+          </c:txPr>
+        </c:title>
+        <c:numFmt formatCode="General" sourceLinked="1"/>
+        <c:majorTickMark val="none"/>
+        <c:minorTickMark val="none"/>
+        <c:tickLblPos val="nextTo"/>
+        <c:spPr>
+          <a:noFill/>
+          <a:ln>
+            <a:noFill/>
+          </a:ln>
+          <a:effectLst/>
+        </c:spPr>
+        <c:txPr>
+          <a:bodyPr rot="-60000000" spcFirstLastPara="1" vertOverflow="ellipsis" vert="horz" wrap="square" anchor="ctr" anchorCtr="1"/>
+          <a:lstStyle/>
+          <a:p>
+            <a:pPr>
+              <a:defRPr sz="900" b="0" i="0" u="none" strike="noStrike" kern="1200" baseline="0">
+                <a:solidFill>
+                  <a:schemeClr val="tx1">
+                    <a:lumMod val="65000"/>
+                    <a:lumOff val="35000"/>
+                  </a:schemeClr>
+                </a:solidFill>
+                <a:latin typeface="+mn-lt"/>
+                <a:ea typeface="+mn-ea"/>
+                <a:cs typeface="+mn-cs"/>
+              </a:defRPr>
+            </a:pPr>
+            <a:endParaRPr lang="en-US"/>
+          </a:p>
+        </c:txPr>
+        <c:crossAx val="362855536"/>
+        <c:crosses val="autoZero"/>
+        <c:crossBetween val="between"/>
+      </c:valAx>
+      <c:spPr>
+        <a:noFill/>
+        <a:ln>
+          <a:noFill/>
+        </a:ln>
+        <a:effectLst/>
+      </c:spPr>
+    </c:plotArea>
+    <c:legend>
+      <c:legendPos val="b"/>
+      <c:layout>
+        <c:manualLayout>
+          <c:xMode val="edge"/>
+          <c:yMode val="edge"/>
+          <c:x val="0.64302121018656455"/>
+          <c:y val="5.6133712452610091E-2"/>
+          <c:w val="0.30930304320068097"/>
+          <c:h val="0.16145888013998252"/>
+        </c:manualLayout>
+      </c:layout>
+      <c:overlay val="0"/>
+      <c:spPr>
+        <a:noFill/>
+        <a:ln>
+          <a:noFill/>
+        </a:ln>
+        <a:effectLst/>
+      </c:spPr>
+      <c:txPr>
+        <a:bodyPr rot="0" spcFirstLastPara="1" vertOverflow="ellipsis" vert="horz" wrap="square" anchor="ctr" anchorCtr="1"/>
+        <a:lstStyle/>
+        <a:p>
+          <a:pPr>
+            <a:defRPr sz="900" b="0" i="0" u="none" strike="noStrike" kern="1200" baseline="0">
+              <a:solidFill>
+                <a:schemeClr val="tx1">
+                  <a:lumMod val="65000"/>
+                  <a:lumOff val="35000"/>
+                </a:schemeClr>
+              </a:solidFill>
+              <a:latin typeface="+mn-lt"/>
+              <a:ea typeface="+mn-ea"/>
+              <a:cs typeface="+mn-cs"/>
+            </a:defRPr>
+          </a:pPr>
+          <a:endParaRPr lang="en-US"/>
+        </a:p>
+      </c:txPr>
+    </c:legend>
+    <c:plotVisOnly val="1"/>
+    <c:dispBlanksAs val="gap"/>
+    <c:showDLblsOverMax val="0"/>
+  </c:chart>
+  <c:spPr>
+    <a:noFill/>
+    <a:ln>
+      <a:noFill/>
+    </a:ln>
+    <a:effectLst/>
+  </c:spPr>
+  <c:txPr>
+    <a:bodyPr/>
+    <a:lstStyle/>
+    <a:p>
+      <a:pPr>
+        <a:defRPr/>
+      </a:pPr>
+      <a:endParaRPr lang="en-US"/>
+    </a:p>
+  </c:txPr>
+  <c:externalData r:id="rId3">
+    <c:autoUpdate val="0"/>
+  </c:externalData>
+</c:chartSpace>
+</file>
+
+<file path=ppt/charts/chart4.xml><?xml version="1.0" encoding="utf-8"?>
+<c:chartSpace xmlns:c="http://schemas.openxmlformats.org/drawingml/2006/chart" xmlns:a="http://schemas.openxmlformats.org/drawingml/2006/main" xmlns:r="http://schemas.openxmlformats.org/officeDocument/2006/relationships">
+  <c:date1904 val="0"/>
+  <c:lang val="en-US"/>
+  <c:roundedCorners val="0"/>
+  <mc:AlternateContent xmlns:mc="http://schemas.openxmlformats.org/markup-compatibility/2006">
+    <mc:Choice xmlns:c14="http://schemas.microsoft.com/office/drawing/2007/8/2/chart" Requires="c14">
+      <c14:style val="102"/>
+    </mc:Choice>
+    <mc:Fallback>
+      <c:style val="2"/>
+    </mc:Fallback>
+  </mc:AlternateContent>
+  <c:chart>
+    <c:autoTitleDeleted val="1"/>
+    <c:plotArea>
+      <c:layout>
+        <c:manualLayout>
+          <c:layoutTarget val="inner"/>
+          <c:xMode val="edge"/>
+          <c:yMode val="edge"/>
+          <c:x val="0.18294672625381286"/>
+          <c:y val="5.0925925925925923E-2"/>
+          <c:w val="0.76750372419663759"/>
+          <c:h val="0.79500729075532228"/>
+        </c:manualLayout>
+      </c:layout>
+      <c:lineChart>
+        <c:grouping val="standard"/>
+        <c:varyColors val="0"/>
+        <c:ser>
+          <c:idx val="1"/>
+          <c:order val="0"/>
+          <c:tx>
+            <c:strRef>
+              <c:f>Sheet1!$C$31</c:f>
+              <c:strCache>
+                <c:ptCount val="1"/>
+                <c:pt idx="0">
+                  <c:v>Speed-up</c:v>
+                </c:pt>
+              </c:strCache>
+            </c:strRef>
+          </c:tx>
+          <c:spPr>
+            <a:ln w="28575" cap="rnd">
+              <a:solidFill>
+                <a:srgbClr val="C00000"/>
+              </a:solidFill>
+              <a:round/>
+            </a:ln>
+            <a:effectLst/>
+          </c:spPr>
+          <c:marker>
+            <c:symbol val="square"/>
+            <c:size val="5"/>
+            <c:spPr>
+              <a:solidFill>
+                <a:srgbClr val="C00000"/>
+              </a:solidFill>
+              <a:ln w="9525">
+                <a:solidFill>
+                  <a:srgbClr val="C00000"/>
+                </a:solidFill>
+              </a:ln>
+              <a:effectLst/>
+            </c:spPr>
+          </c:marker>
+          <c:cat>
+            <c:numRef>
+              <c:f>Sheet1!$B$32:$B$36</c:f>
+              <c:numCache>
+                <c:formatCode>General</c:formatCode>
+                <c:ptCount val="5"/>
+                <c:pt idx="0">
+                  <c:v>10</c:v>
+                </c:pt>
+                <c:pt idx="1">
+                  <c:v>16</c:v>
+                </c:pt>
+                <c:pt idx="2">
+                  <c:v>20</c:v>
+                </c:pt>
+                <c:pt idx="3">
+                  <c:v>32</c:v>
+                </c:pt>
+                <c:pt idx="4">
+                  <c:v>40</c:v>
+                </c:pt>
+              </c:numCache>
+            </c:numRef>
+          </c:cat>
+          <c:val>
+            <c:numRef>
+              <c:f>Sheet1!$C$32:$C$36</c:f>
+              <c:numCache>
+                <c:formatCode>0.00</c:formatCode>
+                <c:ptCount val="5"/>
+                <c:pt idx="0">
+                  <c:v>1.9690639111222554</c:v>
+                </c:pt>
+                <c:pt idx="1">
+                  <c:v>1.9569708659443503</c:v>
+                </c:pt>
+                <c:pt idx="2">
+                  <c:v>1.8262152273188754</c:v>
+                </c:pt>
+                <c:pt idx="3">
+                  <c:v>1.7382476559974134</c:v>
+                </c:pt>
+                <c:pt idx="4">
+                  <c:v>1.6926649120147721</c:v>
+                </c:pt>
+              </c:numCache>
+            </c:numRef>
+          </c:val>
+          <c:smooth val="0"/>
+        </c:ser>
+        <c:dLbls>
+          <c:showLegendKey val="0"/>
+          <c:showVal val="0"/>
+          <c:showCatName val="0"/>
+          <c:showSerName val="0"/>
+          <c:showPercent val="0"/>
+          <c:showBubbleSize val="0"/>
+        </c:dLbls>
+        <c:marker val="1"/>
+        <c:smooth val="0"/>
+        <c:axId val="464903232"/>
+        <c:axId val="464900880"/>
+      </c:lineChart>
+      <c:catAx>
+        <c:axId val="464903232"/>
+        <c:scaling>
+          <c:orientation val="minMax"/>
+        </c:scaling>
+        <c:delete val="0"/>
+        <c:axPos val="b"/>
+        <c:title>
+          <c:tx>
+            <c:rich>
+              <a:bodyPr rot="0" spcFirstLastPara="1" vertOverflow="ellipsis" vert="horz" wrap="square" anchor="ctr" anchorCtr="1"/>
+              <a:lstStyle/>
+              <a:p>
+                <a:pPr>
+                  <a:defRPr sz="1000" b="0" i="0" u="none" strike="noStrike" kern="1200" baseline="0">
+                    <a:solidFill>
+                      <a:schemeClr val="tx1">
+                        <a:lumMod val="65000"/>
+                        <a:lumOff val="35000"/>
+                      </a:schemeClr>
+                    </a:solidFill>
+                    <a:latin typeface="+mn-lt"/>
+                    <a:ea typeface="+mn-ea"/>
+                    <a:cs typeface="+mn-cs"/>
+                  </a:defRPr>
+                </a:pPr>
+                <a:r>
+                  <a:rPr lang="en-US"/>
+                  <a:t>Nodes</a:t>
+                </a:r>
+              </a:p>
+            </c:rich>
+          </c:tx>
+          <c:layout/>
+          <c:overlay val="0"/>
+          <c:spPr>
+            <a:noFill/>
+            <a:ln>
+              <a:noFill/>
+            </a:ln>
+            <a:effectLst/>
+          </c:spPr>
+          <c:txPr>
+            <a:bodyPr rot="0" spcFirstLastPara="1" vertOverflow="ellipsis" vert="horz" wrap="square" anchor="ctr" anchorCtr="1"/>
+            <a:lstStyle/>
+            <a:p>
+              <a:pPr>
+                <a:defRPr sz="1000" b="0" i="0" u="none" strike="noStrike" kern="1200" baseline="0">
+                  <a:solidFill>
+                    <a:schemeClr val="tx1">
+                      <a:lumMod val="65000"/>
+                      <a:lumOff val="35000"/>
+                    </a:schemeClr>
+                  </a:solidFill>
+                  <a:latin typeface="+mn-lt"/>
+                  <a:ea typeface="+mn-ea"/>
+                  <a:cs typeface="+mn-cs"/>
+                </a:defRPr>
+              </a:pPr>
+              <a:endParaRPr lang="en-US"/>
+            </a:p>
+          </c:txPr>
+        </c:title>
+        <c:numFmt formatCode="General" sourceLinked="1"/>
+        <c:majorTickMark val="none"/>
+        <c:minorTickMark val="none"/>
+        <c:tickLblPos val="nextTo"/>
+        <c:spPr>
+          <a:noFill/>
+          <a:ln w="9525" cap="flat" cmpd="sng" algn="ctr">
+            <a:solidFill>
+              <a:schemeClr val="tx1">
+                <a:lumMod val="15000"/>
+                <a:lumOff val="85000"/>
+              </a:schemeClr>
+            </a:solidFill>
+            <a:round/>
+          </a:ln>
+          <a:effectLst/>
+        </c:spPr>
+        <c:txPr>
+          <a:bodyPr rot="-60000000" spcFirstLastPara="1" vertOverflow="ellipsis" vert="horz" wrap="square" anchor="ctr" anchorCtr="1"/>
+          <a:lstStyle/>
+          <a:p>
+            <a:pPr>
+              <a:defRPr sz="900" b="0" i="0" u="none" strike="noStrike" kern="1200" baseline="0">
+                <a:solidFill>
+                  <a:schemeClr val="tx1">
+                    <a:lumMod val="65000"/>
+                    <a:lumOff val="35000"/>
+                  </a:schemeClr>
+                </a:solidFill>
+                <a:latin typeface="+mn-lt"/>
+                <a:ea typeface="+mn-ea"/>
+                <a:cs typeface="+mn-cs"/>
+              </a:defRPr>
+            </a:pPr>
+            <a:endParaRPr lang="en-US"/>
+          </a:p>
+        </c:txPr>
+        <c:crossAx val="464900880"/>
+        <c:crosses val="autoZero"/>
+        <c:auto val="1"/>
+        <c:lblAlgn val="ctr"/>
+        <c:lblOffset val="100"/>
+        <c:noMultiLvlLbl val="0"/>
+      </c:catAx>
+      <c:valAx>
+        <c:axId val="464900880"/>
+        <c:scaling>
+          <c:orientation val="minMax"/>
+          <c:min val="0"/>
+        </c:scaling>
+        <c:delete val="0"/>
+        <c:axPos val="l"/>
+        <c:majorGridlines>
+          <c:spPr>
+            <a:ln w="9525" cap="flat" cmpd="sng" algn="ctr">
+              <a:solidFill>
+                <a:schemeClr val="tx1">
+                  <a:lumMod val="15000"/>
+                  <a:lumOff val="85000"/>
+                </a:schemeClr>
+              </a:solidFill>
+              <a:round/>
+            </a:ln>
+            <a:effectLst/>
+          </c:spPr>
+        </c:majorGridlines>
+        <c:title>
+          <c:tx>
+            <c:rich>
+              <a:bodyPr rot="-5400000" spcFirstLastPara="1" vertOverflow="ellipsis" vert="horz" wrap="square" anchor="ctr" anchorCtr="1"/>
+              <a:lstStyle/>
+              <a:p>
+                <a:pPr>
+                  <a:defRPr sz="1000" b="0" i="0" u="none" strike="noStrike" kern="1200" baseline="0">
+                    <a:solidFill>
+                      <a:schemeClr val="tx1">
+                        <a:lumMod val="65000"/>
+                        <a:lumOff val="35000"/>
+                      </a:schemeClr>
+                    </a:solidFill>
+                    <a:latin typeface="+mn-lt"/>
+                    <a:ea typeface="+mn-ea"/>
+                    <a:cs typeface="+mn-cs"/>
+                  </a:defRPr>
+                </a:pPr>
+                <a:r>
+                  <a:rPr lang="en-US"/>
+                  <a:t>Speedup</a:t>
+                </a:r>
+              </a:p>
+            </c:rich>
+          </c:tx>
+          <c:layout/>
+          <c:overlay val="0"/>
+          <c:spPr>
+            <a:noFill/>
+            <a:ln>
+              <a:noFill/>
+            </a:ln>
+            <a:effectLst/>
+          </c:spPr>
+          <c:txPr>
+            <a:bodyPr rot="-5400000" spcFirstLastPara="1" vertOverflow="ellipsis" vert="horz" wrap="square" anchor="ctr" anchorCtr="1"/>
+            <a:lstStyle/>
+            <a:p>
+              <a:pPr>
+                <a:defRPr sz="1000" b="0" i="0" u="none" strike="noStrike" kern="1200" baseline="0">
+                  <a:solidFill>
+                    <a:schemeClr val="tx1">
+                      <a:lumMod val="65000"/>
+                      <a:lumOff val="35000"/>
+                    </a:schemeClr>
+                  </a:solidFill>
+                  <a:latin typeface="+mn-lt"/>
+                  <a:ea typeface="+mn-ea"/>
+                  <a:cs typeface="+mn-cs"/>
+                </a:defRPr>
+              </a:pPr>
+              <a:endParaRPr lang="en-US"/>
+            </a:p>
+          </c:txPr>
+        </c:title>
+        <c:numFmt formatCode="0.00" sourceLinked="1"/>
+        <c:majorTickMark val="none"/>
+        <c:minorTickMark val="none"/>
+        <c:tickLblPos val="nextTo"/>
+        <c:spPr>
+          <a:noFill/>
+          <a:ln>
+            <a:noFill/>
+          </a:ln>
+          <a:effectLst/>
+        </c:spPr>
+        <c:txPr>
+          <a:bodyPr rot="-60000000" spcFirstLastPara="1" vertOverflow="ellipsis" vert="horz" wrap="square" anchor="ctr" anchorCtr="1"/>
+          <a:lstStyle/>
+          <a:p>
+            <a:pPr>
+              <a:defRPr sz="900" b="0" i="0" u="none" strike="noStrike" kern="1200" baseline="0">
+                <a:solidFill>
+                  <a:schemeClr val="tx1">
+                    <a:lumMod val="65000"/>
+                    <a:lumOff val="35000"/>
+                  </a:schemeClr>
+                </a:solidFill>
+                <a:latin typeface="+mn-lt"/>
+                <a:ea typeface="+mn-ea"/>
+                <a:cs typeface="+mn-cs"/>
+              </a:defRPr>
+            </a:pPr>
+            <a:endParaRPr lang="en-US"/>
+          </a:p>
+        </c:txPr>
+        <c:crossAx val="464903232"/>
+        <c:crosses val="autoZero"/>
+        <c:crossBetween val="between"/>
+      </c:valAx>
+      <c:spPr>
+        <a:noFill/>
+        <a:ln>
+          <a:noFill/>
+        </a:ln>
+        <a:effectLst/>
+      </c:spPr>
+    </c:plotArea>
+    <c:plotVisOnly val="1"/>
+    <c:dispBlanksAs val="gap"/>
+    <c:showDLblsOverMax val="0"/>
+  </c:chart>
+  <c:spPr>
+    <a:noFill/>
+    <a:ln>
+      <a:noFill/>
+    </a:ln>
+    <a:effectLst/>
+  </c:spPr>
+  <c:txPr>
+    <a:bodyPr/>
+    <a:lstStyle/>
+    <a:p>
+      <a:pPr>
+        <a:defRPr/>
+      </a:pPr>
+      <a:endParaRPr lang="en-US"/>
+    </a:p>
+  </c:txPr>
+  <c:externalData r:id="rId3">
+    <c:autoUpdate val="0"/>
+  </c:externalData>
+</c:chartSpace>
+</file>
+
 <file path=ppt/charts/colors1.xml><?xml version="1.0" encoding="utf-8"?>
 <cs:colorStyle xmlns:cs="http://schemas.microsoft.com/office/drawing/2012/chartStyle" xmlns:a="http://schemas.openxmlformats.org/drawingml/2006/main" meth="cycle" id="10">
   <a:schemeClr val="accent1"/>
@@ -2651,6 +3555,86 @@
 </file>
 
 <file path=ppt/charts/colors2.xml><?xml version="1.0" encoding="utf-8"?>
+<cs:colorStyle xmlns:cs="http://schemas.microsoft.com/office/drawing/2012/chartStyle" xmlns:a="http://schemas.openxmlformats.org/drawingml/2006/main" meth="cycle" id="10">
+  <a:schemeClr val="accent1"/>
+  <a:schemeClr val="accent2"/>
+  <a:schemeClr val="accent3"/>
+  <a:schemeClr val="accent4"/>
+  <a:schemeClr val="accent5"/>
+  <a:schemeClr val="accent6"/>
+  <cs:variation/>
+  <cs:variation>
+    <a:lumMod val="60000"/>
+  </cs:variation>
+  <cs:variation>
+    <a:lumMod val="80000"/>
+    <a:lumOff val="20000"/>
+  </cs:variation>
+  <cs:variation>
+    <a:lumMod val="80000"/>
+  </cs:variation>
+  <cs:variation>
+    <a:lumMod val="60000"/>
+    <a:lumOff val="40000"/>
+  </cs:variation>
+  <cs:variation>
+    <a:lumMod val="50000"/>
+  </cs:variation>
+  <cs:variation>
+    <a:lumMod val="70000"/>
+    <a:lumOff val="30000"/>
+  </cs:variation>
+  <cs:variation>
+    <a:lumMod val="70000"/>
+  </cs:variation>
+  <cs:variation>
+    <a:lumMod val="50000"/>
+    <a:lumOff val="50000"/>
+  </cs:variation>
+</cs:colorStyle>
+</file>
+
+<file path=ppt/charts/colors3.xml><?xml version="1.0" encoding="utf-8"?>
+<cs:colorStyle xmlns:cs="http://schemas.microsoft.com/office/drawing/2012/chartStyle" xmlns:a="http://schemas.openxmlformats.org/drawingml/2006/main" meth="cycle" id="10">
+  <a:schemeClr val="accent1"/>
+  <a:schemeClr val="accent2"/>
+  <a:schemeClr val="accent3"/>
+  <a:schemeClr val="accent4"/>
+  <a:schemeClr val="accent5"/>
+  <a:schemeClr val="accent6"/>
+  <cs:variation/>
+  <cs:variation>
+    <a:lumMod val="60000"/>
+  </cs:variation>
+  <cs:variation>
+    <a:lumMod val="80000"/>
+    <a:lumOff val="20000"/>
+  </cs:variation>
+  <cs:variation>
+    <a:lumMod val="80000"/>
+  </cs:variation>
+  <cs:variation>
+    <a:lumMod val="60000"/>
+    <a:lumOff val="40000"/>
+  </cs:variation>
+  <cs:variation>
+    <a:lumMod val="50000"/>
+  </cs:variation>
+  <cs:variation>
+    <a:lumMod val="70000"/>
+    <a:lumOff val="30000"/>
+  </cs:variation>
+  <cs:variation>
+    <a:lumMod val="70000"/>
+  </cs:variation>
+  <cs:variation>
+    <a:lumMod val="50000"/>
+    <a:lumOff val="50000"/>
+  </cs:variation>
+</cs:colorStyle>
+</file>
+
+<file path=ppt/charts/colors4.xml><?xml version="1.0" encoding="utf-8"?>
 <cs:colorStyle xmlns:cs="http://schemas.microsoft.com/office/drawing/2012/chartStyle" xmlns:a="http://schemas.openxmlformats.org/drawingml/2006/main" meth="cycle" id="10">
   <a:schemeClr val="accent1"/>
   <a:schemeClr val="accent2"/>
@@ -3722,6 +4706,1038 @@
 </cs:chartStyle>
 </file>
 
+<file path=ppt/charts/style3.xml><?xml version="1.0" encoding="utf-8"?>
+<cs:chartStyle xmlns:cs="http://schemas.microsoft.com/office/drawing/2012/chartStyle" xmlns:a="http://schemas.openxmlformats.org/drawingml/2006/main" id="227">
+  <cs:axisTitle>
+    <cs:lnRef idx="0"/>
+    <cs:fillRef idx="0"/>
+    <cs:effectRef idx="0"/>
+    <cs:fontRef idx="minor">
+      <a:schemeClr val="tx1">
+        <a:lumMod val="65000"/>
+        <a:lumOff val="35000"/>
+      </a:schemeClr>
+    </cs:fontRef>
+    <cs:defRPr sz="1000" kern="1200"/>
+  </cs:axisTitle>
+  <cs:categoryAxis>
+    <cs:lnRef idx="0"/>
+    <cs:fillRef idx="0"/>
+    <cs:effectRef idx="0"/>
+    <cs:fontRef idx="minor">
+      <a:schemeClr val="tx1">
+        <a:lumMod val="65000"/>
+        <a:lumOff val="35000"/>
+      </a:schemeClr>
+    </cs:fontRef>
+    <cs:spPr>
+      <a:ln w="9525" cap="flat" cmpd="sng" algn="ctr">
+        <a:solidFill>
+          <a:schemeClr val="tx1">
+            <a:lumMod val="15000"/>
+            <a:lumOff val="85000"/>
+          </a:schemeClr>
+        </a:solidFill>
+        <a:round/>
+      </a:ln>
+    </cs:spPr>
+    <cs:defRPr sz="900" kern="1200"/>
+  </cs:categoryAxis>
+  <cs:chartArea mods="allowNoFillOverride allowNoLineOverride">
+    <cs:lnRef idx="0"/>
+    <cs:fillRef idx="0"/>
+    <cs:effectRef idx="0"/>
+    <cs:fontRef idx="minor">
+      <a:schemeClr val="tx1"/>
+    </cs:fontRef>
+    <cs:spPr>
+      <a:solidFill>
+        <a:schemeClr val="bg1"/>
+      </a:solidFill>
+      <a:ln w="9525" cap="flat" cmpd="sng" algn="ctr">
+        <a:solidFill>
+          <a:schemeClr val="tx1">
+            <a:lumMod val="15000"/>
+            <a:lumOff val="85000"/>
+          </a:schemeClr>
+        </a:solidFill>
+        <a:round/>
+      </a:ln>
+    </cs:spPr>
+    <cs:defRPr sz="1000" kern="1200"/>
+  </cs:chartArea>
+  <cs:dataLabel>
+    <cs:lnRef idx="0"/>
+    <cs:fillRef idx="0"/>
+    <cs:effectRef idx="0"/>
+    <cs:fontRef idx="minor">
+      <a:schemeClr val="tx1">
+        <a:lumMod val="75000"/>
+        <a:lumOff val="25000"/>
+      </a:schemeClr>
+    </cs:fontRef>
+    <cs:defRPr sz="900" kern="1200"/>
+  </cs:dataLabel>
+  <cs:dataLabelCallout>
+    <cs:lnRef idx="0"/>
+    <cs:fillRef idx="0"/>
+    <cs:effectRef idx="0"/>
+    <cs:fontRef idx="minor">
+      <a:schemeClr val="dk1">
+        <a:lumMod val="65000"/>
+        <a:lumOff val="35000"/>
+      </a:schemeClr>
+    </cs:fontRef>
+    <cs:spPr>
+      <a:solidFill>
+        <a:schemeClr val="lt1"/>
+      </a:solidFill>
+      <a:ln>
+        <a:solidFill>
+          <a:schemeClr val="dk1">
+            <a:lumMod val="25000"/>
+            <a:lumOff val="75000"/>
+          </a:schemeClr>
+        </a:solidFill>
+      </a:ln>
+    </cs:spPr>
+    <cs:defRPr sz="900" kern="1200"/>
+    <cs:bodyPr rot="0" spcFirstLastPara="1" vertOverflow="clip" horzOverflow="clip" vert="horz" wrap="square" lIns="36576" tIns="18288" rIns="36576" bIns="18288" anchor="ctr" anchorCtr="1">
+      <a:spAutoFit/>
+    </cs:bodyPr>
+  </cs:dataLabelCallout>
+  <cs:dataPoint>
+    <cs:lnRef idx="0"/>
+    <cs:fillRef idx="1">
+      <cs:styleClr val="auto"/>
+    </cs:fillRef>
+    <cs:effectRef idx="0"/>
+    <cs:fontRef idx="minor">
+      <a:schemeClr val="tx1"/>
+    </cs:fontRef>
+    <cs:spPr>
+      <a:solidFill>
+        <a:schemeClr val="phClr"/>
+      </a:solidFill>
+    </cs:spPr>
+  </cs:dataPoint>
+  <cs:dataPoint3D>
+    <cs:lnRef idx="0"/>
+    <cs:fillRef idx="1">
+      <cs:styleClr val="auto"/>
+    </cs:fillRef>
+    <cs:effectRef idx="0"/>
+    <cs:fontRef idx="minor">
+      <a:schemeClr val="tx1"/>
+    </cs:fontRef>
+    <cs:spPr>
+      <a:solidFill>
+        <a:schemeClr val="phClr"/>
+      </a:solidFill>
+    </cs:spPr>
+  </cs:dataPoint3D>
+  <cs:dataPointLine>
+    <cs:lnRef idx="0">
+      <cs:styleClr val="auto"/>
+    </cs:lnRef>
+    <cs:fillRef idx="1"/>
+    <cs:effectRef idx="0"/>
+    <cs:fontRef idx="minor">
+      <a:schemeClr val="tx1"/>
+    </cs:fontRef>
+    <cs:spPr>
+      <a:ln w="28575" cap="rnd">
+        <a:solidFill>
+          <a:schemeClr val="phClr"/>
+        </a:solidFill>
+        <a:round/>
+      </a:ln>
+    </cs:spPr>
+  </cs:dataPointLine>
+  <cs:dataPointMarker>
+    <cs:lnRef idx="0">
+      <cs:styleClr val="auto"/>
+    </cs:lnRef>
+    <cs:fillRef idx="1">
+      <cs:styleClr val="auto"/>
+    </cs:fillRef>
+    <cs:effectRef idx="0"/>
+    <cs:fontRef idx="minor">
+      <a:schemeClr val="tx1"/>
+    </cs:fontRef>
+    <cs:spPr>
+      <a:solidFill>
+        <a:schemeClr val="phClr"/>
+      </a:solidFill>
+      <a:ln w="9525">
+        <a:solidFill>
+          <a:schemeClr val="phClr"/>
+        </a:solidFill>
+      </a:ln>
+    </cs:spPr>
+  </cs:dataPointMarker>
+  <cs:dataPointMarkerLayout symbol="circle" size="5"/>
+  <cs:dataPointWireframe>
+    <cs:lnRef idx="0">
+      <cs:styleClr val="auto"/>
+    </cs:lnRef>
+    <cs:fillRef idx="1"/>
+    <cs:effectRef idx="0"/>
+    <cs:fontRef idx="minor">
+      <a:schemeClr val="tx1"/>
+    </cs:fontRef>
+    <cs:spPr>
+      <a:ln w="9525" cap="rnd">
+        <a:solidFill>
+          <a:schemeClr val="phClr"/>
+        </a:solidFill>
+        <a:round/>
+      </a:ln>
+    </cs:spPr>
+  </cs:dataPointWireframe>
+  <cs:dataTable>
+    <cs:lnRef idx="0"/>
+    <cs:fillRef idx="0"/>
+    <cs:effectRef idx="0"/>
+    <cs:fontRef idx="minor">
+      <a:schemeClr val="tx1">
+        <a:lumMod val="65000"/>
+        <a:lumOff val="35000"/>
+      </a:schemeClr>
+    </cs:fontRef>
+    <cs:spPr>
+      <a:noFill/>
+      <a:ln w="9525" cap="flat" cmpd="sng" algn="ctr">
+        <a:solidFill>
+          <a:schemeClr val="tx1">
+            <a:lumMod val="15000"/>
+            <a:lumOff val="85000"/>
+          </a:schemeClr>
+        </a:solidFill>
+        <a:round/>
+      </a:ln>
+    </cs:spPr>
+    <cs:defRPr sz="900" kern="1200"/>
+  </cs:dataTable>
+  <cs:downBar>
+    <cs:lnRef idx="0"/>
+    <cs:fillRef idx="0"/>
+    <cs:effectRef idx="0"/>
+    <cs:fontRef idx="minor">
+      <a:schemeClr val="dk1"/>
+    </cs:fontRef>
+    <cs:spPr>
+      <a:solidFill>
+        <a:schemeClr val="dk1">
+          <a:lumMod val="65000"/>
+          <a:lumOff val="35000"/>
+        </a:schemeClr>
+      </a:solidFill>
+      <a:ln w="9525">
+        <a:solidFill>
+          <a:schemeClr val="tx1">
+            <a:lumMod val="65000"/>
+            <a:lumOff val="35000"/>
+          </a:schemeClr>
+        </a:solidFill>
+      </a:ln>
+    </cs:spPr>
+  </cs:downBar>
+  <cs:dropLine>
+    <cs:lnRef idx="0"/>
+    <cs:fillRef idx="0"/>
+    <cs:effectRef idx="0"/>
+    <cs:fontRef idx="minor">
+      <a:schemeClr val="tx1"/>
+    </cs:fontRef>
+    <cs:spPr>
+      <a:ln w="9525" cap="flat" cmpd="sng" algn="ctr">
+        <a:solidFill>
+          <a:schemeClr val="tx1">
+            <a:lumMod val="35000"/>
+            <a:lumOff val="65000"/>
+          </a:schemeClr>
+        </a:solidFill>
+        <a:round/>
+      </a:ln>
+    </cs:spPr>
+  </cs:dropLine>
+  <cs:errorBar>
+    <cs:lnRef idx="0"/>
+    <cs:fillRef idx="0"/>
+    <cs:effectRef idx="0"/>
+    <cs:fontRef idx="minor">
+      <a:schemeClr val="tx1"/>
+    </cs:fontRef>
+    <cs:spPr>
+      <a:ln w="9525" cap="flat" cmpd="sng" algn="ctr">
+        <a:solidFill>
+          <a:schemeClr val="tx1">
+            <a:lumMod val="65000"/>
+            <a:lumOff val="35000"/>
+          </a:schemeClr>
+        </a:solidFill>
+        <a:round/>
+      </a:ln>
+    </cs:spPr>
+  </cs:errorBar>
+  <cs:floor>
+    <cs:lnRef idx="0"/>
+    <cs:fillRef idx="0"/>
+    <cs:effectRef idx="0"/>
+    <cs:fontRef idx="minor">
+      <a:schemeClr val="tx1"/>
+    </cs:fontRef>
+    <cs:spPr>
+      <a:noFill/>
+      <a:ln>
+        <a:noFill/>
+      </a:ln>
+    </cs:spPr>
+  </cs:floor>
+  <cs:gridlineMajor>
+    <cs:lnRef idx="0"/>
+    <cs:fillRef idx="0"/>
+    <cs:effectRef idx="0"/>
+    <cs:fontRef idx="minor">
+      <a:schemeClr val="tx1"/>
+    </cs:fontRef>
+    <cs:spPr>
+      <a:ln w="9525" cap="flat" cmpd="sng" algn="ctr">
+        <a:solidFill>
+          <a:schemeClr val="tx1">
+            <a:lumMod val="15000"/>
+            <a:lumOff val="85000"/>
+          </a:schemeClr>
+        </a:solidFill>
+        <a:round/>
+      </a:ln>
+    </cs:spPr>
+  </cs:gridlineMajor>
+  <cs:gridlineMinor>
+    <cs:lnRef idx="0"/>
+    <cs:fillRef idx="0"/>
+    <cs:effectRef idx="0"/>
+    <cs:fontRef idx="minor">
+      <a:schemeClr val="tx1"/>
+    </cs:fontRef>
+    <cs:spPr>
+      <a:ln w="9525" cap="flat" cmpd="sng" algn="ctr">
+        <a:solidFill>
+          <a:schemeClr val="tx1">
+            <a:lumMod val="5000"/>
+            <a:lumOff val="95000"/>
+          </a:schemeClr>
+        </a:solidFill>
+        <a:round/>
+      </a:ln>
+    </cs:spPr>
+  </cs:gridlineMinor>
+  <cs:hiLoLine>
+    <cs:lnRef idx="0"/>
+    <cs:fillRef idx="0"/>
+    <cs:effectRef idx="0"/>
+    <cs:fontRef idx="minor">
+      <a:schemeClr val="tx1"/>
+    </cs:fontRef>
+    <cs:spPr>
+      <a:ln w="9525" cap="flat" cmpd="sng" algn="ctr">
+        <a:solidFill>
+          <a:schemeClr val="tx1">
+            <a:lumMod val="75000"/>
+            <a:lumOff val="25000"/>
+          </a:schemeClr>
+        </a:solidFill>
+        <a:round/>
+      </a:ln>
+    </cs:spPr>
+  </cs:hiLoLine>
+  <cs:leaderLine>
+    <cs:lnRef idx="0"/>
+    <cs:fillRef idx="0"/>
+    <cs:effectRef idx="0"/>
+    <cs:fontRef idx="minor">
+      <a:schemeClr val="tx1"/>
+    </cs:fontRef>
+    <cs:spPr>
+      <a:ln w="9525" cap="flat" cmpd="sng" algn="ctr">
+        <a:solidFill>
+          <a:schemeClr val="tx1">
+            <a:lumMod val="35000"/>
+            <a:lumOff val="65000"/>
+          </a:schemeClr>
+        </a:solidFill>
+        <a:round/>
+      </a:ln>
+    </cs:spPr>
+  </cs:leaderLine>
+  <cs:legend>
+    <cs:lnRef idx="0"/>
+    <cs:fillRef idx="0"/>
+    <cs:effectRef idx="0"/>
+    <cs:fontRef idx="minor">
+      <a:schemeClr val="tx1">
+        <a:lumMod val="65000"/>
+        <a:lumOff val="35000"/>
+      </a:schemeClr>
+    </cs:fontRef>
+    <cs:defRPr sz="900" kern="1200"/>
+  </cs:legend>
+  <cs:plotArea mods="allowNoFillOverride allowNoLineOverride">
+    <cs:lnRef idx="0"/>
+    <cs:fillRef idx="0"/>
+    <cs:effectRef idx="0"/>
+    <cs:fontRef idx="minor">
+      <a:schemeClr val="tx1"/>
+    </cs:fontRef>
+  </cs:plotArea>
+  <cs:plotArea3D mods="allowNoFillOverride allowNoLineOverride">
+    <cs:lnRef idx="0"/>
+    <cs:fillRef idx="0"/>
+    <cs:effectRef idx="0"/>
+    <cs:fontRef idx="minor">
+      <a:schemeClr val="tx1"/>
+    </cs:fontRef>
+  </cs:plotArea3D>
+  <cs:seriesAxis>
+    <cs:lnRef idx="0"/>
+    <cs:fillRef idx="0"/>
+    <cs:effectRef idx="0"/>
+    <cs:fontRef idx="minor">
+      <a:schemeClr val="tx1">
+        <a:lumMod val="65000"/>
+        <a:lumOff val="35000"/>
+      </a:schemeClr>
+    </cs:fontRef>
+    <cs:defRPr sz="900" kern="1200"/>
+  </cs:seriesAxis>
+  <cs:seriesLine>
+    <cs:lnRef idx="0"/>
+    <cs:fillRef idx="0"/>
+    <cs:effectRef idx="0"/>
+    <cs:fontRef idx="minor">
+      <a:schemeClr val="tx1"/>
+    </cs:fontRef>
+    <cs:spPr>
+      <a:ln w="9525" cap="flat" cmpd="sng" algn="ctr">
+        <a:solidFill>
+          <a:schemeClr val="tx1">
+            <a:lumMod val="35000"/>
+            <a:lumOff val="65000"/>
+          </a:schemeClr>
+        </a:solidFill>
+        <a:round/>
+      </a:ln>
+    </cs:spPr>
+  </cs:seriesLine>
+  <cs:title>
+    <cs:lnRef idx="0"/>
+    <cs:fillRef idx="0"/>
+    <cs:effectRef idx="0"/>
+    <cs:fontRef idx="minor">
+      <a:schemeClr val="tx1">
+        <a:lumMod val="65000"/>
+        <a:lumOff val="35000"/>
+      </a:schemeClr>
+    </cs:fontRef>
+    <cs:defRPr sz="1400" b="0" kern="1200" spc="0" baseline="0"/>
+  </cs:title>
+  <cs:trendline>
+    <cs:lnRef idx="0">
+      <cs:styleClr val="auto"/>
+    </cs:lnRef>
+    <cs:fillRef idx="0"/>
+    <cs:effectRef idx="0"/>
+    <cs:fontRef idx="minor">
+      <a:schemeClr val="tx1"/>
+    </cs:fontRef>
+    <cs:spPr>
+      <a:ln w="19050" cap="rnd">
+        <a:solidFill>
+          <a:schemeClr val="phClr"/>
+        </a:solidFill>
+        <a:prstDash val="sysDot"/>
+      </a:ln>
+    </cs:spPr>
+  </cs:trendline>
+  <cs:trendlineLabel>
+    <cs:lnRef idx="0"/>
+    <cs:fillRef idx="0"/>
+    <cs:effectRef idx="0"/>
+    <cs:fontRef idx="minor">
+      <a:schemeClr val="tx1">
+        <a:lumMod val="65000"/>
+        <a:lumOff val="35000"/>
+      </a:schemeClr>
+    </cs:fontRef>
+    <cs:defRPr sz="900" kern="1200"/>
+  </cs:trendlineLabel>
+  <cs:upBar>
+    <cs:lnRef idx="0"/>
+    <cs:fillRef idx="0"/>
+    <cs:effectRef idx="0"/>
+    <cs:fontRef idx="minor">
+      <a:schemeClr val="dk1"/>
+    </cs:fontRef>
+    <cs:spPr>
+      <a:solidFill>
+        <a:schemeClr val="lt1"/>
+      </a:solidFill>
+      <a:ln w="9525">
+        <a:solidFill>
+          <a:schemeClr val="tx1">
+            <a:lumMod val="15000"/>
+            <a:lumOff val="85000"/>
+          </a:schemeClr>
+        </a:solidFill>
+      </a:ln>
+    </cs:spPr>
+  </cs:upBar>
+  <cs:valueAxis>
+    <cs:lnRef idx="0"/>
+    <cs:fillRef idx="0"/>
+    <cs:effectRef idx="0"/>
+    <cs:fontRef idx="minor">
+      <a:schemeClr val="tx1">
+        <a:lumMod val="65000"/>
+        <a:lumOff val="35000"/>
+      </a:schemeClr>
+    </cs:fontRef>
+    <cs:defRPr sz="900" kern="1200"/>
+  </cs:valueAxis>
+  <cs:wall>
+    <cs:lnRef idx="0"/>
+    <cs:fillRef idx="0"/>
+    <cs:effectRef idx="0"/>
+    <cs:fontRef idx="minor">
+      <a:schemeClr val="tx1"/>
+    </cs:fontRef>
+    <cs:spPr>
+      <a:noFill/>
+      <a:ln>
+        <a:noFill/>
+      </a:ln>
+    </cs:spPr>
+  </cs:wall>
+</cs:chartStyle>
+</file>
+
+<file path=ppt/charts/style4.xml><?xml version="1.0" encoding="utf-8"?>
+<cs:chartStyle xmlns:cs="http://schemas.microsoft.com/office/drawing/2012/chartStyle" xmlns:a="http://schemas.openxmlformats.org/drawingml/2006/main" id="227">
+  <cs:axisTitle>
+    <cs:lnRef idx="0"/>
+    <cs:fillRef idx="0"/>
+    <cs:effectRef idx="0"/>
+    <cs:fontRef idx="minor">
+      <a:schemeClr val="tx1">
+        <a:lumMod val="65000"/>
+        <a:lumOff val="35000"/>
+      </a:schemeClr>
+    </cs:fontRef>
+    <cs:defRPr sz="1000" kern="1200"/>
+  </cs:axisTitle>
+  <cs:categoryAxis>
+    <cs:lnRef idx="0"/>
+    <cs:fillRef idx="0"/>
+    <cs:effectRef idx="0"/>
+    <cs:fontRef idx="minor">
+      <a:schemeClr val="tx1">
+        <a:lumMod val="65000"/>
+        <a:lumOff val="35000"/>
+      </a:schemeClr>
+    </cs:fontRef>
+    <cs:spPr>
+      <a:ln w="9525" cap="flat" cmpd="sng" algn="ctr">
+        <a:solidFill>
+          <a:schemeClr val="tx1">
+            <a:lumMod val="15000"/>
+            <a:lumOff val="85000"/>
+          </a:schemeClr>
+        </a:solidFill>
+        <a:round/>
+      </a:ln>
+    </cs:spPr>
+    <cs:defRPr sz="900" kern="1200"/>
+  </cs:categoryAxis>
+  <cs:chartArea mods="allowNoFillOverride allowNoLineOverride">
+    <cs:lnRef idx="0"/>
+    <cs:fillRef idx="0"/>
+    <cs:effectRef idx="0"/>
+    <cs:fontRef idx="minor">
+      <a:schemeClr val="tx1"/>
+    </cs:fontRef>
+    <cs:spPr>
+      <a:solidFill>
+        <a:schemeClr val="bg1"/>
+      </a:solidFill>
+      <a:ln w="9525" cap="flat" cmpd="sng" algn="ctr">
+        <a:solidFill>
+          <a:schemeClr val="tx1">
+            <a:lumMod val="15000"/>
+            <a:lumOff val="85000"/>
+          </a:schemeClr>
+        </a:solidFill>
+        <a:round/>
+      </a:ln>
+    </cs:spPr>
+    <cs:defRPr sz="1000" kern="1200"/>
+  </cs:chartArea>
+  <cs:dataLabel>
+    <cs:lnRef idx="0"/>
+    <cs:fillRef idx="0"/>
+    <cs:effectRef idx="0"/>
+    <cs:fontRef idx="minor">
+      <a:schemeClr val="tx1">
+        <a:lumMod val="75000"/>
+        <a:lumOff val="25000"/>
+      </a:schemeClr>
+    </cs:fontRef>
+    <cs:defRPr sz="900" kern="1200"/>
+  </cs:dataLabel>
+  <cs:dataLabelCallout>
+    <cs:lnRef idx="0"/>
+    <cs:fillRef idx="0"/>
+    <cs:effectRef idx="0"/>
+    <cs:fontRef idx="minor">
+      <a:schemeClr val="dk1">
+        <a:lumMod val="65000"/>
+        <a:lumOff val="35000"/>
+      </a:schemeClr>
+    </cs:fontRef>
+    <cs:spPr>
+      <a:solidFill>
+        <a:schemeClr val="lt1"/>
+      </a:solidFill>
+      <a:ln>
+        <a:solidFill>
+          <a:schemeClr val="dk1">
+            <a:lumMod val="25000"/>
+            <a:lumOff val="75000"/>
+          </a:schemeClr>
+        </a:solidFill>
+      </a:ln>
+    </cs:spPr>
+    <cs:defRPr sz="900" kern="1200"/>
+    <cs:bodyPr rot="0" spcFirstLastPara="1" vertOverflow="clip" horzOverflow="clip" vert="horz" wrap="square" lIns="36576" tIns="18288" rIns="36576" bIns="18288" anchor="ctr" anchorCtr="1">
+      <a:spAutoFit/>
+    </cs:bodyPr>
+  </cs:dataLabelCallout>
+  <cs:dataPoint>
+    <cs:lnRef idx="0"/>
+    <cs:fillRef idx="1">
+      <cs:styleClr val="auto"/>
+    </cs:fillRef>
+    <cs:effectRef idx="0"/>
+    <cs:fontRef idx="minor">
+      <a:schemeClr val="tx1"/>
+    </cs:fontRef>
+    <cs:spPr>
+      <a:solidFill>
+        <a:schemeClr val="phClr"/>
+      </a:solidFill>
+    </cs:spPr>
+  </cs:dataPoint>
+  <cs:dataPoint3D>
+    <cs:lnRef idx="0"/>
+    <cs:fillRef idx="1">
+      <cs:styleClr val="auto"/>
+    </cs:fillRef>
+    <cs:effectRef idx="0"/>
+    <cs:fontRef idx="minor">
+      <a:schemeClr val="tx1"/>
+    </cs:fontRef>
+    <cs:spPr>
+      <a:solidFill>
+        <a:schemeClr val="phClr"/>
+      </a:solidFill>
+    </cs:spPr>
+  </cs:dataPoint3D>
+  <cs:dataPointLine>
+    <cs:lnRef idx="0">
+      <cs:styleClr val="auto"/>
+    </cs:lnRef>
+    <cs:fillRef idx="1"/>
+    <cs:effectRef idx="0"/>
+    <cs:fontRef idx="minor">
+      <a:schemeClr val="tx1"/>
+    </cs:fontRef>
+    <cs:spPr>
+      <a:ln w="28575" cap="rnd">
+        <a:solidFill>
+          <a:schemeClr val="phClr"/>
+        </a:solidFill>
+        <a:round/>
+      </a:ln>
+    </cs:spPr>
+  </cs:dataPointLine>
+  <cs:dataPointMarker>
+    <cs:lnRef idx="0">
+      <cs:styleClr val="auto"/>
+    </cs:lnRef>
+    <cs:fillRef idx="1">
+      <cs:styleClr val="auto"/>
+    </cs:fillRef>
+    <cs:effectRef idx="0"/>
+    <cs:fontRef idx="minor">
+      <a:schemeClr val="tx1"/>
+    </cs:fontRef>
+    <cs:spPr>
+      <a:solidFill>
+        <a:schemeClr val="phClr"/>
+      </a:solidFill>
+      <a:ln w="9525">
+        <a:solidFill>
+          <a:schemeClr val="phClr"/>
+        </a:solidFill>
+      </a:ln>
+    </cs:spPr>
+  </cs:dataPointMarker>
+  <cs:dataPointMarkerLayout symbol="circle" size="5"/>
+  <cs:dataPointWireframe>
+    <cs:lnRef idx="0">
+      <cs:styleClr val="auto"/>
+    </cs:lnRef>
+    <cs:fillRef idx="1"/>
+    <cs:effectRef idx="0"/>
+    <cs:fontRef idx="minor">
+      <a:schemeClr val="tx1"/>
+    </cs:fontRef>
+    <cs:spPr>
+      <a:ln w="9525" cap="rnd">
+        <a:solidFill>
+          <a:schemeClr val="phClr"/>
+        </a:solidFill>
+        <a:round/>
+      </a:ln>
+    </cs:spPr>
+  </cs:dataPointWireframe>
+  <cs:dataTable>
+    <cs:lnRef idx="0"/>
+    <cs:fillRef idx="0"/>
+    <cs:effectRef idx="0"/>
+    <cs:fontRef idx="minor">
+      <a:schemeClr val="tx1">
+        <a:lumMod val="65000"/>
+        <a:lumOff val="35000"/>
+      </a:schemeClr>
+    </cs:fontRef>
+    <cs:spPr>
+      <a:noFill/>
+      <a:ln w="9525" cap="flat" cmpd="sng" algn="ctr">
+        <a:solidFill>
+          <a:schemeClr val="tx1">
+            <a:lumMod val="15000"/>
+            <a:lumOff val="85000"/>
+          </a:schemeClr>
+        </a:solidFill>
+        <a:round/>
+      </a:ln>
+    </cs:spPr>
+    <cs:defRPr sz="900" kern="1200"/>
+  </cs:dataTable>
+  <cs:downBar>
+    <cs:lnRef idx="0"/>
+    <cs:fillRef idx="0"/>
+    <cs:effectRef idx="0"/>
+    <cs:fontRef idx="minor">
+      <a:schemeClr val="dk1"/>
+    </cs:fontRef>
+    <cs:spPr>
+      <a:solidFill>
+        <a:schemeClr val="dk1">
+          <a:lumMod val="65000"/>
+          <a:lumOff val="35000"/>
+        </a:schemeClr>
+      </a:solidFill>
+      <a:ln w="9525">
+        <a:solidFill>
+          <a:schemeClr val="tx1">
+            <a:lumMod val="65000"/>
+            <a:lumOff val="35000"/>
+          </a:schemeClr>
+        </a:solidFill>
+      </a:ln>
+    </cs:spPr>
+  </cs:downBar>
+  <cs:dropLine>
+    <cs:lnRef idx="0"/>
+    <cs:fillRef idx="0"/>
+    <cs:effectRef idx="0"/>
+    <cs:fontRef idx="minor">
+      <a:schemeClr val="tx1"/>
+    </cs:fontRef>
+    <cs:spPr>
+      <a:ln w="9525" cap="flat" cmpd="sng" algn="ctr">
+        <a:solidFill>
+          <a:schemeClr val="tx1">
+            <a:lumMod val="35000"/>
+            <a:lumOff val="65000"/>
+          </a:schemeClr>
+        </a:solidFill>
+        <a:round/>
+      </a:ln>
+    </cs:spPr>
+  </cs:dropLine>
+  <cs:errorBar>
+    <cs:lnRef idx="0"/>
+    <cs:fillRef idx="0"/>
+    <cs:effectRef idx="0"/>
+    <cs:fontRef idx="minor">
+      <a:schemeClr val="tx1"/>
+    </cs:fontRef>
+    <cs:spPr>
+      <a:ln w="9525" cap="flat" cmpd="sng" algn="ctr">
+        <a:solidFill>
+          <a:schemeClr val="tx1">
+            <a:lumMod val="65000"/>
+            <a:lumOff val="35000"/>
+          </a:schemeClr>
+        </a:solidFill>
+        <a:round/>
+      </a:ln>
+    </cs:spPr>
+  </cs:errorBar>
+  <cs:floor>
+    <cs:lnRef idx="0"/>
+    <cs:fillRef idx="0"/>
+    <cs:effectRef idx="0"/>
+    <cs:fontRef idx="minor">
+      <a:schemeClr val="tx1"/>
+    </cs:fontRef>
+    <cs:spPr>
+      <a:noFill/>
+      <a:ln>
+        <a:noFill/>
+      </a:ln>
+    </cs:spPr>
+  </cs:floor>
+  <cs:gridlineMajor>
+    <cs:lnRef idx="0"/>
+    <cs:fillRef idx="0"/>
+    <cs:effectRef idx="0"/>
+    <cs:fontRef idx="minor">
+      <a:schemeClr val="tx1"/>
+    </cs:fontRef>
+    <cs:spPr>
+      <a:ln w="9525" cap="flat" cmpd="sng" algn="ctr">
+        <a:solidFill>
+          <a:schemeClr val="tx1">
+            <a:lumMod val="15000"/>
+            <a:lumOff val="85000"/>
+          </a:schemeClr>
+        </a:solidFill>
+        <a:round/>
+      </a:ln>
+    </cs:spPr>
+  </cs:gridlineMajor>
+  <cs:gridlineMinor>
+    <cs:lnRef idx="0"/>
+    <cs:fillRef idx="0"/>
+    <cs:effectRef idx="0"/>
+    <cs:fontRef idx="minor">
+      <a:schemeClr val="tx1"/>
+    </cs:fontRef>
+    <cs:spPr>
+      <a:ln w="9525" cap="flat" cmpd="sng" algn="ctr">
+        <a:solidFill>
+          <a:schemeClr val="tx1">
+            <a:lumMod val="5000"/>
+            <a:lumOff val="95000"/>
+          </a:schemeClr>
+        </a:solidFill>
+        <a:round/>
+      </a:ln>
+    </cs:spPr>
+  </cs:gridlineMinor>
+  <cs:hiLoLine>
+    <cs:lnRef idx="0"/>
+    <cs:fillRef idx="0"/>
+    <cs:effectRef idx="0"/>
+    <cs:fontRef idx="minor">
+      <a:schemeClr val="tx1"/>
+    </cs:fontRef>
+    <cs:spPr>
+      <a:ln w="9525" cap="flat" cmpd="sng" algn="ctr">
+        <a:solidFill>
+          <a:schemeClr val="tx1">
+            <a:lumMod val="75000"/>
+            <a:lumOff val="25000"/>
+          </a:schemeClr>
+        </a:solidFill>
+        <a:round/>
+      </a:ln>
+    </cs:spPr>
+  </cs:hiLoLine>
+  <cs:leaderLine>
+    <cs:lnRef idx="0"/>
+    <cs:fillRef idx="0"/>
+    <cs:effectRef idx="0"/>
+    <cs:fontRef idx="minor">
+      <a:schemeClr val="tx1"/>
+    </cs:fontRef>
+    <cs:spPr>
+      <a:ln w="9525" cap="flat" cmpd="sng" algn="ctr">
+        <a:solidFill>
+          <a:schemeClr val="tx1">
+            <a:lumMod val="35000"/>
+            <a:lumOff val="65000"/>
+          </a:schemeClr>
+        </a:solidFill>
+        <a:round/>
+      </a:ln>
+    </cs:spPr>
+  </cs:leaderLine>
+  <cs:legend>
+    <cs:lnRef idx="0"/>
+    <cs:fillRef idx="0"/>
+    <cs:effectRef idx="0"/>
+    <cs:fontRef idx="minor">
+      <a:schemeClr val="tx1">
+        <a:lumMod val="65000"/>
+        <a:lumOff val="35000"/>
+      </a:schemeClr>
+    </cs:fontRef>
+    <cs:defRPr sz="900" kern="1200"/>
+  </cs:legend>
+  <cs:plotArea mods="allowNoFillOverride allowNoLineOverride">
+    <cs:lnRef idx="0"/>
+    <cs:fillRef idx="0"/>
+    <cs:effectRef idx="0"/>
+    <cs:fontRef idx="minor">
+      <a:schemeClr val="tx1"/>
+    </cs:fontRef>
+  </cs:plotArea>
+  <cs:plotArea3D mods="allowNoFillOverride allowNoLineOverride">
+    <cs:lnRef idx="0"/>
+    <cs:fillRef idx="0"/>
+    <cs:effectRef idx="0"/>
+    <cs:fontRef idx="minor">
+      <a:schemeClr val="tx1"/>
+    </cs:fontRef>
+  </cs:plotArea3D>
+  <cs:seriesAxis>
+    <cs:lnRef idx="0"/>
+    <cs:fillRef idx="0"/>
+    <cs:effectRef idx="0"/>
+    <cs:fontRef idx="minor">
+      <a:schemeClr val="tx1">
+        <a:lumMod val="65000"/>
+        <a:lumOff val="35000"/>
+      </a:schemeClr>
+    </cs:fontRef>
+    <cs:defRPr sz="900" kern="1200"/>
+  </cs:seriesAxis>
+  <cs:seriesLine>
+    <cs:lnRef idx="0"/>
+    <cs:fillRef idx="0"/>
+    <cs:effectRef idx="0"/>
+    <cs:fontRef idx="minor">
+      <a:schemeClr val="tx1"/>
+    </cs:fontRef>
+    <cs:spPr>
+      <a:ln w="9525" cap="flat" cmpd="sng" algn="ctr">
+        <a:solidFill>
+          <a:schemeClr val="tx1">
+            <a:lumMod val="35000"/>
+            <a:lumOff val="65000"/>
+          </a:schemeClr>
+        </a:solidFill>
+        <a:round/>
+      </a:ln>
+    </cs:spPr>
+  </cs:seriesLine>
+  <cs:title>
+    <cs:lnRef idx="0"/>
+    <cs:fillRef idx="0"/>
+    <cs:effectRef idx="0"/>
+    <cs:fontRef idx="minor">
+      <a:schemeClr val="tx1">
+        <a:lumMod val="65000"/>
+        <a:lumOff val="35000"/>
+      </a:schemeClr>
+    </cs:fontRef>
+    <cs:defRPr sz="1400" b="0" kern="1200" spc="0" baseline="0"/>
+  </cs:title>
+  <cs:trendline>
+    <cs:lnRef idx="0">
+      <cs:styleClr val="auto"/>
+    </cs:lnRef>
+    <cs:fillRef idx="0"/>
+    <cs:effectRef idx="0"/>
+    <cs:fontRef idx="minor">
+      <a:schemeClr val="tx1"/>
+    </cs:fontRef>
+    <cs:spPr>
+      <a:ln w="19050" cap="rnd">
+        <a:solidFill>
+          <a:schemeClr val="phClr"/>
+        </a:solidFill>
+        <a:prstDash val="sysDot"/>
+      </a:ln>
+    </cs:spPr>
+  </cs:trendline>
+  <cs:trendlineLabel>
+    <cs:lnRef idx="0"/>
+    <cs:fillRef idx="0"/>
+    <cs:effectRef idx="0"/>
+    <cs:fontRef idx="minor">
+      <a:schemeClr val="tx1">
+        <a:lumMod val="65000"/>
+        <a:lumOff val="35000"/>
+      </a:schemeClr>
+    </cs:fontRef>
+    <cs:defRPr sz="900" kern="1200"/>
+  </cs:trendlineLabel>
+  <cs:upBar>
+    <cs:lnRef idx="0"/>
+    <cs:fillRef idx="0"/>
+    <cs:effectRef idx="0"/>
+    <cs:fontRef idx="minor">
+      <a:schemeClr val="dk1"/>
+    </cs:fontRef>
+    <cs:spPr>
+      <a:solidFill>
+        <a:schemeClr val="lt1"/>
+      </a:solidFill>
+      <a:ln w="9525">
+        <a:solidFill>
+          <a:schemeClr val="tx1">
+            <a:lumMod val="15000"/>
+            <a:lumOff val="85000"/>
+          </a:schemeClr>
+        </a:solidFill>
+      </a:ln>
+    </cs:spPr>
+  </cs:upBar>
+  <cs:valueAxis>
+    <cs:lnRef idx="0"/>
+    <cs:fillRef idx="0"/>
+    <cs:effectRef idx="0"/>
+    <cs:fontRef idx="minor">
+      <a:schemeClr val="tx1">
+        <a:lumMod val="65000"/>
+        <a:lumOff val="35000"/>
+      </a:schemeClr>
+    </cs:fontRef>
+    <cs:defRPr sz="900" kern="1200"/>
+  </cs:valueAxis>
+  <cs:wall>
+    <cs:lnRef idx="0"/>
+    <cs:fillRef idx="0"/>
+    <cs:effectRef idx="0"/>
+    <cs:fontRef idx="minor">
+      <a:schemeClr val="tx1"/>
+    </cs:fontRef>
+    <cs:spPr>
+      <a:noFill/>
+      <a:ln>
+        <a:noFill/>
+      </a:ln>
+    </cs:spPr>
+  </cs:wall>
+</cs:chartStyle>
+</file>
+
 <file path=ppt/handoutMasters/handoutMaster1.xml><?xml version="1.0" encoding="utf-8"?>
 <p:handoutMaster xmlns:a="http://schemas.openxmlformats.org/drawingml/2006/main" xmlns:r="http://schemas.openxmlformats.org/officeDocument/2006/relationships" xmlns:p="http://schemas.openxmlformats.org/presentationml/2006/main">
   <p:cSld>
@@ -3803,7 +5819,7 @@
           </a:lstStyle>
           <a:p>
             <a:fld id="{AEE6057C-8CEC-4446-98D8-2A07D60C60EB}" type="datetimeFigureOut">
-              <a:t>10/24/2015</a:t>
+              <a:t>8/29/2016</a:t>
             </a:fld>
             <a:endParaRPr lang="en-US"/>
           </a:p>
@@ -3967,7 +5983,7 @@
           </a:lstStyle>
           <a:p>
             <a:fld id="{7198F82C-5BD3-2E40-BD4B-8257262AA71E}" type="datetimeFigureOut">
-              <a:t>10/24/2015</a:t>
+              <a:t>8/29/2016</a:t>
             </a:fld>
             <a:endParaRPr lang="en-US"/>
           </a:p>
@@ -4309,90 +6325,6 @@
     <p:extLst>
       <p:ext uri="{BB962C8B-B14F-4D97-AF65-F5344CB8AC3E}">
         <p14:creationId xmlns:p14="http://schemas.microsoft.com/office/powerpoint/2010/main" val="1157135095"/>
-      </p:ext>
-    </p:extLst>
-  </p:cSld>
-  <p:clrMapOvr>
-    <a:masterClrMapping/>
-  </p:clrMapOvr>
-</p:notes>
-</file>
-
-<file path=ppt/notesSlides/notesSlide2.xml><?xml version="1.0" encoding="utf-8"?>
-<p:notes xmlns:a="http://schemas.openxmlformats.org/drawingml/2006/main" xmlns:r="http://schemas.openxmlformats.org/officeDocument/2006/relationships" xmlns:p="http://schemas.openxmlformats.org/presentationml/2006/main">
-  <p:cSld>
-    <p:spTree>
-      <p:nvGrpSpPr>
-        <p:cNvPr id="1" name=""/>
-        <p:cNvGrpSpPr/>
-        <p:nvPr/>
-      </p:nvGrpSpPr>
-      <p:grpSpPr>
-        <a:xfrm>
-          <a:off x="0" y="0"/>
-          <a:ext cx="0" cy="0"/>
-          <a:chOff x="0" y="0"/>
-          <a:chExt cx="0" cy="0"/>
-        </a:xfrm>
-      </p:grpSpPr>
-      <p:sp>
-        <p:nvSpPr>
-          <p:cNvPr id="2" name="Slide Image Placeholder 1"/>
-          <p:cNvSpPr>
-            <a:spLocks noGrp="1" noRot="1" noChangeAspect="1"/>
-          </p:cNvSpPr>
-          <p:nvPr>
-            <p:ph type="sldImg"/>
-          </p:nvPr>
-        </p:nvSpPr>
-        <p:spPr/>
-      </p:sp>
-      <p:sp>
-        <p:nvSpPr>
-          <p:cNvPr id="3" name="Notes Placeholder 2"/>
-          <p:cNvSpPr>
-            <a:spLocks noGrp="1"/>
-          </p:cNvSpPr>
-          <p:nvPr>
-            <p:ph type="body" idx="1"/>
-          </p:nvPr>
-        </p:nvSpPr>
-        <p:spPr/>
-        <p:txBody>
-          <a:bodyPr/>
-          <a:lstStyle/>
-          <a:p>
-            <a:endParaRPr lang="en-US"/>
-          </a:p>
-        </p:txBody>
-      </p:sp>
-      <p:sp>
-        <p:nvSpPr>
-          <p:cNvPr id="4" name="Slide Number Placeholder 3"/>
-          <p:cNvSpPr>
-            <a:spLocks noGrp="1"/>
-          </p:cNvSpPr>
-          <p:nvPr>
-            <p:ph type="sldNum" sz="quarter" idx="10"/>
-          </p:nvPr>
-        </p:nvSpPr>
-        <p:spPr/>
-        <p:txBody>
-          <a:bodyPr/>
-          <a:lstStyle/>
-          <a:p>
-            <a:fld id="{43C4EEF9-8B0F-D542-A06D-2E8CBED689D6}" type="slidenum">
-              <a:rPr lang="en-US" smtClean="0"/>
-              <a:t>3</a:t>
-            </a:fld>
-            <a:endParaRPr lang="en-US"/>
-          </a:p>
-        </p:txBody>
-      </p:sp>
-    </p:spTree>
-    <p:extLst>
-      <p:ext uri="{BB962C8B-B14F-4D97-AF65-F5344CB8AC3E}">
-        <p14:creationId xmlns:p14="http://schemas.microsoft.com/office/powerpoint/2010/main" val="718464660"/>
       </p:ext>
     </p:extLst>
   </p:cSld>
@@ -7653,35 +9585,15 @@
           <a:lstStyle/>
           <a:p>
             <a:r>
-              <a:rPr lang="en-US" sz="2000" dirty="0"/>
-              <a:t>pyMIC: A </a:t>
-            </a:r>
-            <a:r>
               <a:rPr lang="en-US" sz="2000" dirty="0" smtClean="0"/>
-              <a:t>Python* </a:t>
-            </a:r>
-            <a:r>
-              <a:rPr lang="en-US" sz="2000" dirty="0"/>
-              <a:t>Offload Module for </a:t>
-            </a:r>
-            <a:r>
-              <a:rPr lang="en-US" sz="2000" dirty="0" smtClean="0"/>
-              <a:t>the</a:t>
+              <a:t>Accelerating Python: Offloading to </a:t>
             </a:r>
             <a:br>
               <a:rPr lang="en-US" sz="2000" dirty="0" smtClean="0"/>
             </a:br>
             <a:r>
               <a:rPr lang="en-US" sz="2000" dirty="0" smtClean="0"/>
-              <a:t>Intel®</a:t>
-            </a:r>
-            <a:r>
-              <a:rPr lang="en-US" sz="2000" dirty="0"/>
-              <a:t> </a:t>
-            </a:r>
-            <a:r>
-              <a:rPr lang="en-US" sz="2000" dirty="0" smtClean="0"/>
-              <a:t>Xeon Phi™ Coprocessor</a:t>
+              <a:t>Intel® Xeon Phi™ Co(processors)</a:t>
             </a:r>
             <a:endParaRPr lang="en-US" sz="2000" dirty="0"/>
           </a:p>
@@ -7815,1938 +9727,6 @@
 </file>
 
 <file path=ppt/slides/slide10.xml><?xml version="1.0" encoding="utf-8"?>
-<p:sld xmlns:a="http://schemas.openxmlformats.org/drawingml/2006/main" xmlns:r="http://schemas.openxmlformats.org/officeDocument/2006/relationships" xmlns:p="http://schemas.openxmlformats.org/presentationml/2006/main">
-  <p:cSld>
-    <p:spTree>
-      <p:nvGrpSpPr>
-        <p:cNvPr id="1" name=""/>
-        <p:cNvGrpSpPr/>
-        <p:nvPr/>
-      </p:nvGrpSpPr>
-      <p:grpSpPr>
-        <a:xfrm>
-          <a:off x="0" y="0"/>
-          <a:ext cx="0" cy="0"/>
-          <a:chOff x="0" y="0"/>
-          <a:chExt cx="0" cy="0"/>
-        </a:xfrm>
-      </p:grpSpPr>
-      <p:sp>
-        <p:nvSpPr>
-          <p:cNvPr id="13" name="Title 12"/>
-          <p:cNvSpPr>
-            <a:spLocks noGrp="1"/>
-          </p:cNvSpPr>
-          <p:nvPr>
-            <p:ph type="title"/>
-          </p:nvPr>
-        </p:nvSpPr>
-        <p:spPr/>
-        <p:txBody>
-          <a:bodyPr/>
-          <a:lstStyle/>
-          <a:p>
-            <a:r>
-              <a:rPr lang="en-US" dirty="0"/>
-              <a:t>Optimize Offloads </a:t>
-            </a:r>
-            <a:r>
-              <a:rPr lang="en-US" dirty="0" smtClean="0"/>
-              <a:t>with High-level Containers</a:t>
-            </a:r>
-            <a:endParaRPr lang="en-US" dirty="0"/>
-          </a:p>
-        </p:txBody>
-      </p:sp>
-      <p:sp>
-        <p:nvSpPr>
-          <p:cNvPr id="3" name="TextBox 2"/>
-          <p:cNvSpPr txBox="1"/>
-          <p:nvPr/>
-        </p:nvSpPr>
-        <p:spPr>
-          <a:xfrm>
-            <a:off x="3483385" y="671791"/>
-            <a:ext cx="3024457" cy="2785378"/>
-          </a:xfrm>
-          <a:prstGeom prst="rect">
-            <a:avLst/>
-          </a:prstGeom>
-          <a:noFill/>
-        </p:spPr>
-        <p:txBody>
-          <a:bodyPr wrap="square" rtlCol="0">
-            <a:spAutoFit/>
-          </a:bodyPr>
-          <a:lstStyle/>
-          <a:p>
-            <a:pPr>
-              <a:spcAft>
-                <a:spcPts val="0"/>
-              </a:spcAft>
-            </a:pPr>
-            <a:r>
-              <a:rPr lang="en-US" sz="700" dirty="0">
-                <a:solidFill>
-                  <a:srgbClr val="0000FF"/>
-                </a:solidFill>
-                <a:latin typeface="Consolas" panose="020B0609020204030204" pitchFamily="49" charset="0"/>
-                <a:ea typeface="Times New Roman" panose="02020603050405020304" pitchFamily="18" charset="0"/>
-                <a:cs typeface="Consolas" panose="020B0609020204030204" pitchFamily="49" charset="0"/>
-              </a:rPr>
-              <a:t>import</a:t>
-            </a:r>
-            <a:r>
-              <a:rPr lang="en-US" sz="700" dirty="0">
-                <a:solidFill>
-                  <a:srgbClr val="000000"/>
-                </a:solidFill>
-                <a:latin typeface="Consolas" panose="020B0609020204030204" pitchFamily="49" charset="0"/>
-                <a:ea typeface="Times New Roman" panose="02020603050405020304" pitchFamily="18" charset="0"/>
-                <a:cs typeface="Consolas" panose="020B0609020204030204" pitchFamily="49" charset="0"/>
-              </a:rPr>
-              <a:t> </a:t>
-            </a:r>
-            <a:r>
-              <a:rPr lang="en-US" sz="700" dirty="0" smtClean="0">
-                <a:solidFill>
-                  <a:srgbClr val="000000"/>
-                </a:solidFill>
-                <a:latin typeface="Consolas" panose="020B0609020204030204" pitchFamily="49" charset="0"/>
-                <a:ea typeface="Times New Roman" panose="02020603050405020304" pitchFamily="18" charset="0"/>
-                <a:cs typeface="Consolas" panose="020B0609020204030204" pitchFamily="49" charset="0"/>
-              </a:rPr>
-              <a:t>pymic </a:t>
-            </a:r>
-            <a:r>
-              <a:rPr lang="en-US" sz="700" dirty="0" smtClean="0">
-                <a:solidFill>
-                  <a:srgbClr val="0000FF"/>
-                </a:solidFill>
-                <a:latin typeface="Consolas" panose="020B0609020204030204" pitchFamily="49" charset="0"/>
-                <a:ea typeface="Times New Roman" panose="02020603050405020304" pitchFamily="18" charset="0"/>
-                <a:cs typeface="Consolas" panose="020B0609020204030204" pitchFamily="49" charset="0"/>
-              </a:rPr>
-              <a:t>as</a:t>
-            </a:r>
-            <a:r>
-              <a:rPr lang="en-US" sz="700" dirty="0" smtClean="0">
-                <a:solidFill>
-                  <a:srgbClr val="000000"/>
-                </a:solidFill>
-                <a:latin typeface="Consolas" panose="020B0609020204030204" pitchFamily="49" charset="0"/>
-                <a:ea typeface="Times New Roman" panose="02020603050405020304" pitchFamily="18" charset="0"/>
-                <a:cs typeface="Consolas" panose="020B0609020204030204" pitchFamily="49" charset="0"/>
-              </a:rPr>
-              <a:t> </a:t>
-            </a:r>
-            <a:r>
-              <a:rPr lang="en-US" sz="700" dirty="0" err="1">
-                <a:solidFill>
-                  <a:srgbClr val="000000"/>
-                </a:solidFill>
-                <a:latin typeface="Consolas" panose="020B0609020204030204" pitchFamily="49" charset="0"/>
-                <a:ea typeface="Times New Roman" panose="02020603050405020304" pitchFamily="18" charset="0"/>
-                <a:cs typeface="Consolas" panose="020B0609020204030204" pitchFamily="49" charset="0"/>
-              </a:rPr>
-              <a:t>mic</a:t>
-            </a:r>
-            <a:endParaRPr lang="en-US" sz="1200" dirty="0">
-              <a:latin typeface="Consolas" panose="020B0609020204030204" pitchFamily="49" charset="0"/>
-              <a:ea typeface="Times New Roman" panose="02020603050405020304" pitchFamily="18" charset="0"/>
-              <a:cs typeface="Consolas" panose="020B0609020204030204" pitchFamily="49" charset="0"/>
-            </a:endParaRPr>
-          </a:p>
-          <a:p>
-            <a:pPr>
-              <a:spcAft>
-                <a:spcPts val="0"/>
-              </a:spcAft>
-            </a:pPr>
-            <a:r>
-              <a:rPr lang="en-US" sz="700" dirty="0">
-                <a:solidFill>
-                  <a:srgbClr val="0000FF"/>
-                </a:solidFill>
-                <a:latin typeface="Consolas" panose="020B0609020204030204" pitchFamily="49" charset="0"/>
-                <a:ea typeface="Times New Roman" panose="02020603050405020304" pitchFamily="18" charset="0"/>
-                <a:cs typeface="Consolas" panose="020B0609020204030204" pitchFamily="49" charset="0"/>
-              </a:rPr>
-              <a:t>import</a:t>
-            </a:r>
-            <a:r>
-              <a:rPr lang="en-US" sz="700" dirty="0">
-                <a:solidFill>
-                  <a:srgbClr val="000000"/>
-                </a:solidFill>
-                <a:latin typeface="Consolas" panose="020B0609020204030204" pitchFamily="49" charset="0"/>
-                <a:ea typeface="Times New Roman" panose="02020603050405020304" pitchFamily="18" charset="0"/>
-                <a:cs typeface="Consolas" panose="020B0609020204030204" pitchFamily="49" charset="0"/>
-              </a:rPr>
-              <a:t> numpy </a:t>
-            </a:r>
-            <a:r>
-              <a:rPr lang="en-US" sz="700" dirty="0">
-                <a:solidFill>
-                  <a:srgbClr val="0000FF"/>
-                </a:solidFill>
-                <a:latin typeface="Consolas" panose="020B0609020204030204" pitchFamily="49" charset="0"/>
-                <a:ea typeface="Times New Roman" panose="02020603050405020304" pitchFamily="18" charset="0"/>
-                <a:cs typeface="Consolas" panose="020B0609020204030204" pitchFamily="49" charset="0"/>
-              </a:rPr>
-              <a:t>as</a:t>
-            </a:r>
-            <a:r>
-              <a:rPr lang="en-US" sz="700" dirty="0">
-                <a:solidFill>
-                  <a:srgbClr val="000000"/>
-                </a:solidFill>
-                <a:latin typeface="Consolas" panose="020B0609020204030204" pitchFamily="49" charset="0"/>
-                <a:ea typeface="Times New Roman" panose="02020603050405020304" pitchFamily="18" charset="0"/>
-                <a:cs typeface="Consolas" panose="020B0609020204030204" pitchFamily="49" charset="0"/>
-              </a:rPr>
-              <a:t> np</a:t>
-            </a:r>
-            <a:endParaRPr lang="en-US" sz="1200" dirty="0">
-              <a:latin typeface="Consolas" panose="020B0609020204030204" pitchFamily="49" charset="0"/>
-              <a:ea typeface="Times New Roman" panose="02020603050405020304" pitchFamily="18" charset="0"/>
-              <a:cs typeface="Consolas" panose="020B0609020204030204" pitchFamily="49" charset="0"/>
-            </a:endParaRPr>
-          </a:p>
-          <a:p>
-            <a:pPr>
-              <a:spcAft>
-                <a:spcPts val="0"/>
-              </a:spcAft>
-            </a:pPr>
-            <a:endParaRPr lang="en-US" sz="700" dirty="0" smtClean="0">
-              <a:solidFill>
-                <a:srgbClr val="008000"/>
-              </a:solidFill>
-              <a:latin typeface="Consolas" panose="020B0609020204030204" pitchFamily="49" charset="0"/>
-              <a:ea typeface="Times New Roman" panose="02020603050405020304" pitchFamily="18" charset="0"/>
-              <a:cs typeface="Consolas" panose="020B0609020204030204" pitchFamily="49" charset="0"/>
-            </a:endParaRPr>
-          </a:p>
-          <a:p>
-            <a:pPr>
-              <a:spcAft>
-                <a:spcPts val="0"/>
-              </a:spcAft>
-            </a:pPr>
-            <a:r>
-              <a:rPr lang="en-US" sz="700" dirty="0">
-                <a:solidFill>
-                  <a:srgbClr val="000000"/>
-                </a:solidFill>
-                <a:latin typeface="Consolas" panose="020B0609020204030204" pitchFamily="49" charset="0"/>
-                <a:ea typeface="Times New Roman" panose="02020603050405020304" pitchFamily="18" charset="0"/>
-                <a:cs typeface="Consolas" panose="020B0609020204030204" pitchFamily="49" charset="0"/>
-              </a:rPr>
-              <a:t>device = </a:t>
-            </a:r>
-            <a:r>
-              <a:rPr lang="en-US" sz="700" dirty="0" err="1">
-                <a:solidFill>
-                  <a:srgbClr val="000000"/>
-                </a:solidFill>
-                <a:latin typeface="Consolas" panose="020B0609020204030204" pitchFamily="49" charset="0"/>
-                <a:ea typeface="Times New Roman" panose="02020603050405020304" pitchFamily="18" charset="0"/>
-                <a:cs typeface="Consolas" panose="020B0609020204030204" pitchFamily="49" charset="0"/>
-              </a:rPr>
-              <a:t>mic.devices</a:t>
-            </a:r>
-            <a:r>
-              <a:rPr lang="en-US" sz="700" dirty="0">
-                <a:solidFill>
-                  <a:srgbClr val="000000"/>
-                </a:solidFill>
-                <a:latin typeface="Consolas" panose="020B0609020204030204" pitchFamily="49" charset="0"/>
-                <a:ea typeface="Times New Roman" panose="02020603050405020304" pitchFamily="18" charset="0"/>
-                <a:cs typeface="Consolas" panose="020B0609020204030204" pitchFamily="49" charset="0"/>
-              </a:rPr>
-              <a:t>[0]</a:t>
-            </a:r>
-          </a:p>
-          <a:p>
-            <a:pPr>
-              <a:spcAft>
-                <a:spcPts val="0"/>
-              </a:spcAft>
-            </a:pPr>
-            <a:r>
-              <a:rPr lang="en-US" sz="700" dirty="0">
-                <a:solidFill>
-                  <a:srgbClr val="000000"/>
-                </a:solidFill>
-                <a:latin typeface="Consolas" panose="020B0609020204030204" pitchFamily="49" charset="0"/>
-                <a:ea typeface="Times New Roman" panose="02020603050405020304" pitchFamily="18" charset="0"/>
-                <a:cs typeface="Consolas" panose="020B0609020204030204" pitchFamily="49" charset="0"/>
-              </a:rPr>
-              <a:t>stream = </a:t>
-            </a:r>
-            <a:r>
-              <a:rPr lang="en-US" sz="700" dirty="0" err="1">
-                <a:solidFill>
-                  <a:srgbClr val="000000"/>
-                </a:solidFill>
-                <a:latin typeface="Consolas" panose="020B0609020204030204" pitchFamily="49" charset="0"/>
-                <a:ea typeface="Times New Roman" panose="02020603050405020304" pitchFamily="18" charset="0"/>
-                <a:cs typeface="Consolas" panose="020B0609020204030204" pitchFamily="49" charset="0"/>
-              </a:rPr>
-              <a:t>device.get_default_stream</a:t>
-            </a:r>
-            <a:r>
-              <a:rPr lang="en-US" sz="700" dirty="0">
-                <a:solidFill>
-                  <a:srgbClr val="000000"/>
-                </a:solidFill>
-                <a:latin typeface="Consolas" panose="020B0609020204030204" pitchFamily="49" charset="0"/>
-                <a:ea typeface="Times New Roman" panose="02020603050405020304" pitchFamily="18" charset="0"/>
-                <a:cs typeface="Consolas" panose="020B0609020204030204" pitchFamily="49" charset="0"/>
-              </a:rPr>
-              <a:t>()</a:t>
-            </a:r>
-            <a:endParaRPr lang="en-US" sz="1200" dirty="0">
-              <a:latin typeface="Consolas" panose="020B0609020204030204" pitchFamily="49" charset="0"/>
-              <a:ea typeface="Times New Roman" panose="02020603050405020304" pitchFamily="18" charset="0"/>
-              <a:cs typeface="Consolas" panose="020B0609020204030204" pitchFamily="49" charset="0"/>
-            </a:endParaRPr>
-          </a:p>
-          <a:p>
-            <a:pPr>
-              <a:spcAft>
-                <a:spcPts val="0"/>
-              </a:spcAft>
-            </a:pPr>
-            <a:r>
-              <a:rPr lang="en-US" sz="700" dirty="0">
-                <a:solidFill>
-                  <a:srgbClr val="000000"/>
-                </a:solidFill>
-                <a:latin typeface="Consolas" panose="020B0609020204030204" pitchFamily="49" charset="0"/>
-                <a:ea typeface="Times New Roman" panose="02020603050405020304" pitchFamily="18" charset="0"/>
-                <a:cs typeface="Consolas" panose="020B0609020204030204" pitchFamily="49" charset="0"/>
-              </a:rPr>
-              <a:t>library = </a:t>
-            </a:r>
-            <a:r>
-              <a:rPr lang="en-US" sz="700" dirty="0" err="1">
-                <a:solidFill>
-                  <a:srgbClr val="000000"/>
-                </a:solidFill>
-                <a:latin typeface="Consolas" panose="020B0609020204030204" pitchFamily="49" charset="0"/>
-                <a:ea typeface="Times New Roman" panose="02020603050405020304" pitchFamily="18" charset="0"/>
-                <a:cs typeface="Consolas" panose="020B0609020204030204" pitchFamily="49" charset="0"/>
-              </a:rPr>
-              <a:t>device.load_library</a:t>
-            </a:r>
-            <a:r>
-              <a:rPr lang="en-US" sz="700" dirty="0">
-                <a:solidFill>
-                  <a:srgbClr val="000000"/>
-                </a:solidFill>
-                <a:latin typeface="Consolas" panose="020B0609020204030204" pitchFamily="49" charset="0"/>
-                <a:ea typeface="Times New Roman" panose="02020603050405020304" pitchFamily="18" charset="0"/>
-                <a:cs typeface="Consolas" panose="020B0609020204030204" pitchFamily="49" charset="0"/>
-              </a:rPr>
-              <a:t>(</a:t>
-            </a:r>
-            <a:r>
-              <a:rPr lang="en-US" sz="700" dirty="0">
-                <a:solidFill>
-                  <a:srgbClr val="A31515"/>
-                </a:solidFill>
-                <a:latin typeface="Consolas" panose="020B0609020204030204" pitchFamily="49" charset="0"/>
-                <a:ea typeface="Times New Roman" panose="02020603050405020304" pitchFamily="18" charset="0"/>
-                <a:cs typeface="Consolas" panose="020B0609020204030204" pitchFamily="49" charset="0"/>
-              </a:rPr>
-              <a:t>"libdgemm.so"</a:t>
-            </a:r>
-            <a:r>
-              <a:rPr lang="en-US" sz="700" dirty="0">
-                <a:solidFill>
-                  <a:srgbClr val="000000"/>
-                </a:solidFill>
-                <a:latin typeface="Consolas" panose="020B0609020204030204" pitchFamily="49" charset="0"/>
-                <a:ea typeface="Times New Roman" panose="02020603050405020304" pitchFamily="18" charset="0"/>
-                <a:cs typeface="Consolas" panose="020B0609020204030204" pitchFamily="49" charset="0"/>
-              </a:rPr>
-              <a:t>)</a:t>
-            </a:r>
-            <a:endParaRPr lang="en-US" sz="1200" dirty="0">
-              <a:latin typeface="Consolas" panose="020B0609020204030204" pitchFamily="49" charset="0"/>
-              <a:ea typeface="Times New Roman" panose="02020603050405020304" pitchFamily="18" charset="0"/>
-              <a:cs typeface="Consolas" panose="020B0609020204030204" pitchFamily="49" charset="0"/>
-            </a:endParaRPr>
-          </a:p>
-          <a:p>
-            <a:pPr>
-              <a:spcAft>
-                <a:spcPts val="0"/>
-              </a:spcAft>
-            </a:pPr>
-            <a:endParaRPr lang="en-US" sz="700" dirty="0" smtClean="0">
-              <a:solidFill>
-                <a:srgbClr val="008000"/>
-              </a:solidFill>
-              <a:latin typeface="Consolas" panose="020B0609020204030204" pitchFamily="49" charset="0"/>
-              <a:ea typeface="Times New Roman" panose="02020603050405020304" pitchFamily="18" charset="0"/>
-              <a:cs typeface="Consolas" panose="020B0609020204030204" pitchFamily="49" charset="0"/>
-            </a:endParaRPr>
-          </a:p>
-          <a:p>
-            <a:pPr>
-              <a:spcAft>
-                <a:spcPts val="0"/>
-              </a:spcAft>
-            </a:pPr>
-            <a:r>
-              <a:rPr lang="en-US" sz="700" dirty="0" err="1" smtClean="0">
-                <a:solidFill>
-                  <a:srgbClr val="000000"/>
-                </a:solidFill>
-                <a:latin typeface="Consolas" panose="020B0609020204030204" pitchFamily="49" charset="0"/>
-                <a:ea typeface="Times New Roman" panose="02020603050405020304" pitchFamily="18" charset="0"/>
-                <a:cs typeface="Consolas" panose="020B0609020204030204" pitchFamily="49" charset="0"/>
-              </a:rPr>
-              <a:t>m,n,k</a:t>
-            </a:r>
-            <a:r>
-              <a:rPr lang="en-US" sz="700" dirty="0" smtClean="0">
-                <a:solidFill>
-                  <a:srgbClr val="000000"/>
-                </a:solidFill>
-                <a:latin typeface="Consolas" panose="020B0609020204030204" pitchFamily="49" charset="0"/>
-                <a:ea typeface="Times New Roman" panose="02020603050405020304" pitchFamily="18" charset="0"/>
-                <a:cs typeface="Consolas" panose="020B0609020204030204" pitchFamily="49" charset="0"/>
-              </a:rPr>
-              <a:t> </a:t>
-            </a:r>
-            <a:r>
-              <a:rPr lang="en-US" sz="700" dirty="0">
-                <a:solidFill>
-                  <a:srgbClr val="000000"/>
-                </a:solidFill>
-                <a:latin typeface="Consolas" panose="020B0609020204030204" pitchFamily="49" charset="0"/>
-                <a:ea typeface="Times New Roman" panose="02020603050405020304" pitchFamily="18" charset="0"/>
-                <a:cs typeface="Consolas" panose="020B0609020204030204" pitchFamily="49" charset="0"/>
-              </a:rPr>
-              <a:t>= 4096,4096,4096</a:t>
-            </a:r>
-            <a:endParaRPr lang="en-US" sz="1200" dirty="0">
-              <a:latin typeface="Consolas" panose="020B0609020204030204" pitchFamily="49" charset="0"/>
-              <a:ea typeface="Times New Roman" panose="02020603050405020304" pitchFamily="18" charset="0"/>
-              <a:cs typeface="Consolas" panose="020B0609020204030204" pitchFamily="49" charset="0"/>
-            </a:endParaRPr>
-          </a:p>
-          <a:p>
-            <a:pPr>
-              <a:spcAft>
-                <a:spcPts val="0"/>
-              </a:spcAft>
-            </a:pPr>
-            <a:r>
-              <a:rPr lang="en-US" sz="700" dirty="0">
-                <a:solidFill>
-                  <a:srgbClr val="000000"/>
-                </a:solidFill>
-                <a:latin typeface="Consolas" panose="020B0609020204030204" pitchFamily="49" charset="0"/>
-                <a:ea typeface="Times New Roman" panose="02020603050405020304" pitchFamily="18" charset="0"/>
-                <a:cs typeface="Consolas" panose="020B0609020204030204" pitchFamily="49" charset="0"/>
-              </a:rPr>
-              <a:t>alpha = 1.0</a:t>
-            </a:r>
-            <a:endParaRPr lang="en-US" sz="1200" dirty="0">
-              <a:latin typeface="Consolas" panose="020B0609020204030204" pitchFamily="49" charset="0"/>
-              <a:ea typeface="Times New Roman" panose="02020603050405020304" pitchFamily="18" charset="0"/>
-              <a:cs typeface="Consolas" panose="020B0609020204030204" pitchFamily="49" charset="0"/>
-            </a:endParaRPr>
-          </a:p>
-          <a:p>
-            <a:pPr>
-              <a:spcAft>
-                <a:spcPts val="0"/>
-              </a:spcAft>
-            </a:pPr>
-            <a:r>
-              <a:rPr lang="en-US" sz="700" dirty="0">
-                <a:solidFill>
-                  <a:srgbClr val="000000"/>
-                </a:solidFill>
-                <a:latin typeface="Consolas" panose="020B0609020204030204" pitchFamily="49" charset="0"/>
-                <a:ea typeface="Times New Roman" panose="02020603050405020304" pitchFamily="18" charset="0"/>
-                <a:cs typeface="Consolas" panose="020B0609020204030204" pitchFamily="49" charset="0"/>
-              </a:rPr>
-              <a:t>beta = 0.0</a:t>
-            </a:r>
-            <a:endParaRPr lang="en-US" sz="1200" dirty="0">
-              <a:latin typeface="Consolas" panose="020B0609020204030204" pitchFamily="49" charset="0"/>
-              <a:ea typeface="Times New Roman" panose="02020603050405020304" pitchFamily="18" charset="0"/>
-              <a:cs typeface="Consolas" panose="020B0609020204030204" pitchFamily="49" charset="0"/>
-            </a:endParaRPr>
-          </a:p>
-          <a:p>
-            <a:pPr>
-              <a:spcAft>
-                <a:spcPts val="0"/>
-              </a:spcAft>
-            </a:pPr>
-            <a:r>
-              <a:rPr lang="en-US" sz="700" dirty="0" err="1" smtClean="0">
-                <a:solidFill>
-                  <a:srgbClr val="000000"/>
-                </a:solidFill>
-                <a:latin typeface="Consolas" panose="020B0609020204030204" pitchFamily="49" charset="0"/>
-                <a:ea typeface="Times New Roman" panose="02020603050405020304" pitchFamily="18" charset="0"/>
-                <a:cs typeface="Consolas" panose="020B0609020204030204" pitchFamily="49" charset="0"/>
-              </a:rPr>
-              <a:t>np.random.seed</a:t>
-            </a:r>
-            <a:r>
-              <a:rPr lang="en-US" sz="700" dirty="0" smtClean="0">
-                <a:solidFill>
-                  <a:srgbClr val="000000"/>
-                </a:solidFill>
-                <a:latin typeface="Consolas" panose="020B0609020204030204" pitchFamily="49" charset="0"/>
-                <a:ea typeface="Times New Roman" panose="02020603050405020304" pitchFamily="18" charset="0"/>
-                <a:cs typeface="Consolas" panose="020B0609020204030204" pitchFamily="49" charset="0"/>
-              </a:rPr>
-              <a:t>(10</a:t>
-            </a:r>
-            <a:r>
-              <a:rPr lang="en-US" sz="700" dirty="0">
-                <a:solidFill>
-                  <a:srgbClr val="000000"/>
-                </a:solidFill>
-                <a:latin typeface="Consolas" panose="020B0609020204030204" pitchFamily="49" charset="0"/>
-                <a:ea typeface="Times New Roman" panose="02020603050405020304" pitchFamily="18" charset="0"/>
-                <a:cs typeface="Consolas" panose="020B0609020204030204" pitchFamily="49" charset="0"/>
-              </a:rPr>
-              <a:t>)</a:t>
-            </a:r>
-            <a:endParaRPr lang="en-US" sz="1200" dirty="0">
-              <a:latin typeface="Consolas" panose="020B0609020204030204" pitchFamily="49" charset="0"/>
-              <a:ea typeface="Times New Roman" panose="02020603050405020304" pitchFamily="18" charset="0"/>
-              <a:cs typeface="Consolas" panose="020B0609020204030204" pitchFamily="49" charset="0"/>
-            </a:endParaRPr>
-          </a:p>
-          <a:p>
-            <a:pPr>
-              <a:spcAft>
-                <a:spcPts val="0"/>
-              </a:spcAft>
-            </a:pPr>
-            <a:r>
-              <a:rPr lang="en-US" sz="700" dirty="0">
-                <a:solidFill>
-                  <a:srgbClr val="000000"/>
-                </a:solidFill>
-                <a:latin typeface="Consolas" panose="020B0609020204030204" pitchFamily="49" charset="0"/>
-                <a:ea typeface="Times New Roman" panose="02020603050405020304" pitchFamily="18" charset="0"/>
-                <a:cs typeface="Consolas" panose="020B0609020204030204" pitchFamily="49" charset="0"/>
-              </a:rPr>
-              <a:t>a = </a:t>
-            </a:r>
-            <a:r>
-              <a:rPr lang="en-US" sz="700" dirty="0" err="1">
-                <a:solidFill>
-                  <a:srgbClr val="000000"/>
-                </a:solidFill>
-                <a:latin typeface="Consolas" panose="020B0609020204030204" pitchFamily="49" charset="0"/>
-                <a:ea typeface="Times New Roman" panose="02020603050405020304" pitchFamily="18" charset="0"/>
-                <a:cs typeface="Consolas" panose="020B0609020204030204" pitchFamily="49" charset="0"/>
-              </a:rPr>
-              <a:t>np.random.random</a:t>
-            </a:r>
-            <a:r>
-              <a:rPr lang="en-US" sz="700" dirty="0">
-                <a:solidFill>
-                  <a:srgbClr val="000000"/>
-                </a:solidFill>
-                <a:latin typeface="Consolas" panose="020B0609020204030204" pitchFamily="49" charset="0"/>
-                <a:ea typeface="Times New Roman" panose="02020603050405020304" pitchFamily="18" charset="0"/>
-                <a:cs typeface="Consolas" panose="020B0609020204030204" pitchFamily="49" charset="0"/>
-              </a:rPr>
-              <a:t>(m*k).reshape((m, k))</a:t>
-            </a:r>
-            <a:endParaRPr lang="en-US" sz="1200" dirty="0">
-              <a:latin typeface="Consolas" panose="020B0609020204030204" pitchFamily="49" charset="0"/>
-              <a:ea typeface="Times New Roman" panose="02020603050405020304" pitchFamily="18" charset="0"/>
-              <a:cs typeface="Consolas" panose="020B0609020204030204" pitchFamily="49" charset="0"/>
-            </a:endParaRPr>
-          </a:p>
-          <a:p>
-            <a:pPr>
-              <a:spcAft>
-                <a:spcPts val="0"/>
-              </a:spcAft>
-            </a:pPr>
-            <a:r>
-              <a:rPr lang="en-US" sz="700" dirty="0">
-                <a:solidFill>
-                  <a:srgbClr val="000000"/>
-                </a:solidFill>
-                <a:latin typeface="Consolas" panose="020B0609020204030204" pitchFamily="49" charset="0"/>
-                <a:ea typeface="Times New Roman" panose="02020603050405020304" pitchFamily="18" charset="0"/>
-                <a:cs typeface="Consolas" panose="020B0609020204030204" pitchFamily="49" charset="0"/>
-              </a:rPr>
-              <a:t>b = </a:t>
-            </a:r>
-            <a:r>
-              <a:rPr lang="en-US" sz="700" dirty="0" err="1">
-                <a:solidFill>
-                  <a:srgbClr val="000000"/>
-                </a:solidFill>
-                <a:latin typeface="Consolas" panose="020B0609020204030204" pitchFamily="49" charset="0"/>
-                <a:ea typeface="Times New Roman" panose="02020603050405020304" pitchFamily="18" charset="0"/>
-                <a:cs typeface="Consolas" panose="020B0609020204030204" pitchFamily="49" charset="0"/>
-              </a:rPr>
-              <a:t>np.random.random</a:t>
-            </a:r>
-            <a:r>
-              <a:rPr lang="en-US" sz="700" dirty="0">
-                <a:solidFill>
-                  <a:srgbClr val="000000"/>
-                </a:solidFill>
-                <a:latin typeface="Consolas" panose="020B0609020204030204" pitchFamily="49" charset="0"/>
-                <a:ea typeface="Times New Roman" panose="02020603050405020304" pitchFamily="18" charset="0"/>
-                <a:cs typeface="Consolas" panose="020B0609020204030204" pitchFamily="49" charset="0"/>
-              </a:rPr>
-              <a:t>(k*n).reshape((k, n))</a:t>
-            </a:r>
-            <a:endParaRPr lang="en-US" sz="1200" dirty="0">
-              <a:latin typeface="Consolas" panose="020B0609020204030204" pitchFamily="49" charset="0"/>
-              <a:ea typeface="Times New Roman" panose="02020603050405020304" pitchFamily="18" charset="0"/>
-              <a:cs typeface="Consolas" panose="020B0609020204030204" pitchFamily="49" charset="0"/>
-            </a:endParaRPr>
-          </a:p>
-          <a:p>
-            <a:pPr>
-              <a:spcAft>
-                <a:spcPts val="0"/>
-              </a:spcAft>
-            </a:pPr>
-            <a:r>
-              <a:rPr lang="en-US" sz="700" dirty="0" smtClean="0">
-                <a:solidFill>
-                  <a:srgbClr val="000000"/>
-                </a:solidFill>
-                <a:latin typeface="Consolas" panose="020B0609020204030204" pitchFamily="49" charset="0"/>
-                <a:ea typeface="Times New Roman" panose="02020603050405020304" pitchFamily="18" charset="0"/>
-                <a:cs typeface="Consolas" panose="020B0609020204030204" pitchFamily="49" charset="0"/>
-              </a:rPr>
-              <a:t>c = </a:t>
-            </a:r>
-            <a:r>
-              <a:rPr lang="en-US" sz="700" dirty="0" err="1" smtClean="0">
-                <a:solidFill>
-                  <a:srgbClr val="000000"/>
-                </a:solidFill>
-                <a:latin typeface="Consolas" panose="020B0609020204030204" pitchFamily="49" charset="0"/>
-                <a:ea typeface="Times New Roman" panose="02020603050405020304" pitchFamily="18" charset="0"/>
-                <a:cs typeface="Consolas" panose="020B0609020204030204" pitchFamily="49" charset="0"/>
-              </a:rPr>
-              <a:t>np.zeros</a:t>
-            </a:r>
-            <a:r>
-              <a:rPr lang="en-US" sz="700" dirty="0" smtClean="0">
-                <a:solidFill>
-                  <a:srgbClr val="000000"/>
-                </a:solidFill>
-                <a:latin typeface="Consolas" panose="020B0609020204030204" pitchFamily="49" charset="0"/>
-                <a:ea typeface="Times New Roman" panose="02020603050405020304" pitchFamily="18" charset="0"/>
-                <a:cs typeface="Consolas" panose="020B0609020204030204" pitchFamily="49" charset="0"/>
-              </a:rPr>
-              <a:t>((m, n))</a:t>
-            </a:r>
-            <a:endParaRPr lang="en-US" sz="1200" dirty="0" smtClean="0">
-              <a:latin typeface="Consolas" panose="020B0609020204030204" pitchFamily="49" charset="0"/>
-              <a:ea typeface="Times New Roman" panose="02020603050405020304" pitchFamily="18" charset="0"/>
-              <a:cs typeface="Consolas" panose="020B0609020204030204" pitchFamily="49" charset="0"/>
-            </a:endParaRPr>
-          </a:p>
-          <a:p>
-            <a:pPr>
-              <a:spcAft>
-                <a:spcPts val="0"/>
-              </a:spcAft>
-            </a:pPr>
-            <a:endParaRPr lang="en-US" sz="700" dirty="0" smtClean="0">
-              <a:solidFill>
-                <a:srgbClr val="008000"/>
-              </a:solidFill>
-              <a:latin typeface="Consolas" panose="020B0609020204030204" pitchFamily="49" charset="0"/>
-              <a:ea typeface="Times New Roman" panose="02020603050405020304" pitchFamily="18" charset="0"/>
-              <a:cs typeface="Consolas" panose="020B0609020204030204" pitchFamily="49" charset="0"/>
-            </a:endParaRPr>
-          </a:p>
-          <a:p>
-            <a:pPr>
-              <a:spcAft>
-                <a:spcPts val="0"/>
-              </a:spcAft>
-            </a:pPr>
-            <a:r>
-              <a:rPr lang="en-US" sz="700" dirty="0" err="1" smtClean="0">
-                <a:solidFill>
-                  <a:srgbClr val="C00000"/>
-                </a:solidFill>
-                <a:latin typeface="Consolas" panose="020B0609020204030204" pitchFamily="49" charset="0"/>
-                <a:ea typeface="Times New Roman" panose="02020603050405020304" pitchFamily="18" charset="0"/>
-                <a:cs typeface="Consolas" panose="020B0609020204030204" pitchFamily="49" charset="0"/>
-              </a:rPr>
-              <a:t>offl_a</a:t>
-            </a:r>
-            <a:r>
-              <a:rPr lang="en-US" sz="700" dirty="0" smtClean="0">
-                <a:solidFill>
-                  <a:srgbClr val="C00000"/>
-                </a:solidFill>
-                <a:latin typeface="Consolas" panose="020B0609020204030204" pitchFamily="49" charset="0"/>
-                <a:ea typeface="Times New Roman" panose="02020603050405020304" pitchFamily="18" charset="0"/>
-                <a:cs typeface="Consolas" panose="020B0609020204030204" pitchFamily="49" charset="0"/>
-              </a:rPr>
-              <a:t> </a:t>
-            </a:r>
-            <a:r>
-              <a:rPr lang="en-US" sz="700" dirty="0">
-                <a:solidFill>
-                  <a:srgbClr val="C00000"/>
-                </a:solidFill>
-                <a:latin typeface="Consolas" panose="020B0609020204030204" pitchFamily="49" charset="0"/>
-                <a:ea typeface="Times New Roman" panose="02020603050405020304" pitchFamily="18" charset="0"/>
-                <a:cs typeface="Consolas" panose="020B0609020204030204" pitchFamily="49" charset="0"/>
-              </a:rPr>
-              <a:t>= </a:t>
-            </a:r>
-            <a:r>
-              <a:rPr lang="en-US" sz="700" dirty="0" err="1" smtClean="0">
-                <a:solidFill>
-                  <a:srgbClr val="C00000"/>
-                </a:solidFill>
-                <a:latin typeface="Consolas" panose="020B0609020204030204" pitchFamily="49" charset="0"/>
-                <a:ea typeface="Times New Roman" panose="02020603050405020304" pitchFamily="18" charset="0"/>
-                <a:cs typeface="Consolas" panose="020B0609020204030204" pitchFamily="49" charset="0"/>
-              </a:rPr>
-              <a:t>stream.bind</a:t>
-            </a:r>
-            <a:r>
-              <a:rPr lang="en-US" sz="700" dirty="0" smtClean="0">
-                <a:solidFill>
-                  <a:srgbClr val="C00000"/>
-                </a:solidFill>
-                <a:latin typeface="Consolas" panose="020B0609020204030204" pitchFamily="49" charset="0"/>
-                <a:ea typeface="Times New Roman" panose="02020603050405020304" pitchFamily="18" charset="0"/>
-                <a:cs typeface="Consolas" panose="020B0609020204030204" pitchFamily="49" charset="0"/>
-              </a:rPr>
-              <a:t>(a</a:t>
-            </a:r>
-            <a:r>
-              <a:rPr lang="en-US" sz="700" dirty="0">
-                <a:solidFill>
-                  <a:srgbClr val="C00000"/>
-                </a:solidFill>
-                <a:latin typeface="Consolas" panose="020B0609020204030204" pitchFamily="49" charset="0"/>
-                <a:ea typeface="Times New Roman" panose="02020603050405020304" pitchFamily="18" charset="0"/>
-                <a:cs typeface="Consolas" panose="020B0609020204030204" pitchFamily="49" charset="0"/>
-              </a:rPr>
-              <a:t>)</a:t>
-            </a:r>
-            <a:endParaRPr lang="en-US" sz="1200" dirty="0">
-              <a:solidFill>
-                <a:srgbClr val="C00000"/>
-              </a:solidFill>
-              <a:latin typeface="Consolas" panose="020B0609020204030204" pitchFamily="49" charset="0"/>
-              <a:ea typeface="Times New Roman" panose="02020603050405020304" pitchFamily="18" charset="0"/>
-              <a:cs typeface="Consolas" panose="020B0609020204030204" pitchFamily="49" charset="0"/>
-            </a:endParaRPr>
-          </a:p>
-          <a:p>
-            <a:pPr>
-              <a:spcAft>
-                <a:spcPts val="0"/>
-              </a:spcAft>
-            </a:pPr>
-            <a:r>
-              <a:rPr lang="en-US" sz="700" dirty="0" err="1">
-                <a:solidFill>
-                  <a:srgbClr val="C00000"/>
-                </a:solidFill>
-                <a:latin typeface="Consolas" panose="020B0609020204030204" pitchFamily="49" charset="0"/>
-                <a:ea typeface="Times New Roman" panose="02020603050405020304" pitchFamily="18" charset="0"/>
-                <a:cs typeface="Consolas" panose="020B0609020204030204" pitchFamily="49" charset="0"/>
-              </a:rPr>
-              <a:t>offl_b</a:t>
-            </a:r>
-            <a:r>
-              <a:rPr lang="en-US" sz="700" dirty="0">
-                <a:solidFill>
-                  <a:srgbClr val="C00000"/>
-                </a:solidFill>
-                <a:latin typeface="Consolas" panose="020B0609020204030204" pitchFamily="49" charset="0"/>
-                <a:ea typeface="Times New Roman" panose="02020603050405020304" pitchFamily="18" charset="0"/>
-                <a:cs typeface="Consolas" panose="020B0609020204030204" pitchFamily="49" charset="0"/>
-              </a:rPr>
-              <a:t> = </a:t>
-            </a:r>
-            <a:r>
-              <a:rPr lang="en-US" sz="700" dirty="0" err="1" smtClean="0">
-                <a:solidFill>
-                  <a:srgbClr val="C00000"/>
-                </a:solidFill>
-                <a:latin typeface="Consolas" panose="020B0609020204030204" pitchFamily="49" charset="0"/>
-                <a:ea typeface="Times New Roman" panose="02020603050405020304" pitchFamily="18" charset="0"/>
-                <a:cs typeface="Consolas" panose="020B0609020204030204" pitchFamily="49" charset="0"/>
-              </a:rPr>
-              <a:t>stream.bind</a:t>
-            </a:r>
-            <a:r>
-              <a:rPr lang="en-US" sz="700" dirty="0" smtClean="0">
-                <a:solidFill>
-                  <a:srgbClr val="C00000"/>
-                </a:solidFill>
-                <a:latin typeface="Consolas" panose="020B0609020204030204" pitchFamily="49" charset="0"/>
-                <a:ea typeface="Times New Roman" panose="02020603050405020304" pitchFamily="18" charset="0"/>
-                <a:cs typeface="Consolas" panose="020B0609020204030204" pitchFamily="49" charset="0"/>
-              </a:rPr>
-              <a:t>(b</a:t>
-            </a:r>
-            <a:r>
-              <a:rPr lang="en-US" sz="700" dirty="0">
-                <a:solidFill>
-                  <a:srgbClr val="C00000"/>
-                </a:solidFill>
-                <a:latin typeface="Consolas" panose="020B0609020204030204" pitchFamily="49" charset="0"/>
-                <a:ea typeface="Times New Roman" panose="02020603050405020304" pitchFamily="18" charset="0"/>
-                <a:cs typeface="Consolas" panose="020B0609020204030204" pitchFamily="49" charset="0"/>
-              </a:rPr>
-              <a:t>)</a:t>
-            </a:r>
-            <a:endParaRPr lang="en-US" sz="1200" dirty="0">
-              <a:solidFill>
-                <a:srgbClr val="C00000"/>
-              </a:solidFill>
-              <a:latin typeface="Consolas" panose="020B0609020204030204" pitchFamily="49" charset="0"/>
-              <a:ea typeface="Times New Roman" panose="02020603050405020304" pitchFamily="18" charset="0"/>
-              <a:cs typeface="Consolas" panose="020B0609020204030204" pitchFamily="49" charset="0"/>
-            </a:endParaRPr>
-          </a:p>
-          <a:p>
-            <a:pPr>
-              <a:spcAft>
-                <a:spcPts val="0"/>
-              </a:spcAft>
-            </a:pPr>
-            <a:r>
-              <a:rPr lang="en-US" sz="700" dirty="0" err="1">
-                <a:solidFill>
-                  <a:srgbClr val="C00000"/>
-                </a:solidFill>
-                <a:latin typeface="Consolas" panose="020B0609020204030204" pitchFamily="49" charset="0"/>
-                <a:ea typeface="Times New Roman" panose="02020603050405020304" pitchFamily="18" charset="0"/>
-                <a:cs typeface="Consolas" panose="020B0609020204030204" pitchFamily="49" charset="0"/>
-              </a:rPr>
-              <a:t>offl_c</a:t>
-            </a:r>
-            <a:r>
-              <a:rPr lang="en-US" sz="700" dirty="0">
-                <a:solidFill>
-                  <a:srgbClr val="C00000"/>
-                </a:solidFill>
-                <a:latin typeface="Consolas" panose="020B0609020204030204" pitchFamily="49" charset="0"/>
-                <a:ea typeface="Times New Roman" panose="02020603050405020304" pitchFamily="18" charset="0"/>
-                <a:cs typeface="Consolas" panose="020B0609020204030204" pitchFamily="49" charset="0"/>
-              </a:rPr>
-              <a:t> = </a:t>
-            </a:r>
-            <a:r>
-              <a:rPr lang="en-US" sz="700" smtClean="0">
-                <a:solidFill>
-                  <a:srgbClr val="C00000"/>
-                </a:solidFill>
-                <a:latin typeface="Consolas" panose="020B0609020204030204" pitchFamily="49" charset="0"/>
-                <a:ea typeface="Times New Roman" panose="02020603050405020304" pitchFamily="18" charset="0"/>
-                <a:cs typeface="Consolas" panose="020B0609020204030204" pitchFamily="49" charset="0"/>
-              </a:rPr>
-              <a:t>stream.bind(c</a:t>
-            </a:r>
-            <a:r>
-              <a:rPr lang="en-US" sz="700" dirty="0" smtClean="0">
-                <a:solidFill>
-                  <a:srgbClr val="C00000"/>
-                </a:solidFill>
-                <a:latin typeface="Consolas" panose="020B0609020204030204" pitchFamily="49" charset="0"/>
-                <a:ea typeface="Times New Roman" panose="02020603050405020304" pitchFamily="18" charset="0"/>
-                <a:cs typeface="Consolas" panose="020B0609020204030204" pitchFamily="49" charset="0"/>
-              </a:rPr>
-              <a:t>)</a:t>
-            </a:r>
-            <a:endParaRPr lang="en-US" sz="1200" dirty="0">
-              <a:solidFill>
-                <a:srgbClr val="C00000"/>
-              </a:solidFill>
-              <a:latin typeface="Consolas" panose="020B0609020204030204" pitchFamily="49" charset="0"/>
-              <a:ea typeface="Times New Roman" panose="02020603050405020304" pitchFamily="18" charset="0"/>
-              <a:cs typeface="Consolas" panose="020B0609020204030204" pitchFamily="49" charset="0"/>
-            </a:endParaRPr>
-          </a:p>
-          <a:p>
-            <a:pPr>
-              <a:spcAft>
-                <a:spcPts val="0"/>
-              </a:spcAft>
-            </a:pPr>
-            <a:endParaRPr lang="en-US" sz="700" dirty="0" smtClean="0">
-              <a:solidFill>
-                <a:srgbClr val="008000"/>
-              </a:solidFill>
-              <a:latin typeface="Consolas" panose="020B0609020204030204" pitchFamily="49" charset="0"/>
-              <a:ea typeface="Times New Roman" panose="02020603050405020304" pitchFamily="18" charset="0"/>
-              <a:cs typeface="Consolas" panose="020B0609020204030204" pitchFamily="49" charset="0"/>
-            </a:endParaRPr>
-          </a:p>
-          <a:p>
-            <a:pPr>
-              <a:spcAft>
-                <a:spcPts val="0"/>
-              </a:spcAft>
-            </a:pPr>
-            <a:r>
-              <a:rPr lang="en-US" sz="700" dirty="0" err="1" smtClean="0">
-                <a:solidFill>
-                  <a:srgbClr val="000000"/>
-                </a:solidFill>
-                <a:latin typeface="Consolas" panose="020B0609020204030204" pitchFamily="49" charset="0"/>
-                <a:ea typeface="Times New Roman" panose="02020603050405020304" pitchFamily="18" charset="0"/>
-                <a:cs typeface="Consolas" panose="020B0609020204030204" pitchFamily="49" charset="0"/>
-              </a:rPr>
-              <a:t>stream.invoke</a:t>
-            </a:r>
-            <a:r>
-              <a:rPr lang="en-US" sz="700" dirty="0" smtClean="0">
-                <a:solidFill>
-                  <a:srgbClr val="000000"/>
-                </a:solidFill>
-                <a:latin typeface="Consolas" panose="020B0609020204030204" pitchFamily="49" charset="0"/>
-                <a:ea typeface="Times New Roman" panose="02020603050405020304" pitchFamily="18" charset="0"/>
-                <a:cs typeface="Consolas" panose="020B0609020204030204" pitchFamily="49" charset="0"/>
-              </a:rPr>
-              <a:t>(</a:t>
-            </a:r>
-            <a:r>
-              <a:rPr lang="en-US" sz="700" dirty="0" err="1" smtClean="0">
-                <a:latin typeface="Consolas" panose="020B0609020204030204" pitchFamily="49" charset="0"/>
-                <a:ea typeface="Times New Roman" panose="02020603050405020304" pitchFamily="18" charset="0"/>
-                <a:cs typeface="Consolas" panose="020B0609020204030204" pitchFamily="49" charset="0"/>
-              </a:rPr>
-              <a:t>library.dgemm_kernel</a:t>
-            </a:r>
-            <a:r>
-              <a:rPr lang="en-US" sz="700" dirty="0" smtClean="0">
-                <a:solidFill>
-                  <a:srgbClr val="000000"/>
-                </a:solidFill>
-                <a:latin typeface="Consolas" panose="020B0609020204030204" pitchFamily="49" charset="0"/>
-                <a:ea typeface="Times New Roman" panose="02020603050405020304" pitchFamily="18" charset="0"/>
-                <a:cs typeface="Consolas" panose="020B0609020204030204" pitchFamily="49" charset="0"/>
-              </a:rPr>
-              <a:t>, </a:t>
-            </a:r>
-            <a:r>
-              <a:rPr lang="en-US" sz="700" dirty="0">
-                <a:solidFill>
-                  <a:srgbClr val="000000"/>
-                </a:solidFill>
-                <a:latin typeface="Consolas" panose="020B0609020204030204" pitchFamily="49" charset="0"/>
-                <a:ea typeface="Times New Roman" panose="02020603050405020304" pitchFamily="18" charset="0"/>
-                <a:cs typeface="Consolas" panose="020B0609020204030204" pitchFamily="49" charset="0"/>
-              </a:rPr>
-              <a:t/>
-            </a:r>
-            <a:br>
-              <a:rPr lang="en-US" sz="700" dirty="0">
-                <a:solidFill>
-                  <a:srgbClr val="000000"/>
-                </a:solidFill>
-                <a:latin typeface="Consolas" panose="020B0609020204030204" pitchFamily="49" charset="0"/>
-                <a:ea typeface="Times New Roman" panose="02020603050405020304" pitchFamily="18" charset="0"/>
-                <a:cs typeface="Consolas" panose="020B0609020204030204" pitchFamily="49" charset="0"/>
-              </a:rPr>
-            </a:br>
-            <a:r>
-              <a:rPr lang="en-US" sz="700" dirty="0">
-                <a:solidFill>
-                  <a:srgbClr val="000000"/>
-                </a:solidFill>
-                <a:latin typeface="Consolas" panose="020B0609020204030204" pitchFamily="49" charset="0"/>
-                <a:ea typeface="Times New Roman" panose="02020603050405020304" pitchFamily="18" charset="0"/>
-                <a:cs typeface="Consolas" panose="020B0609020204030204" pitchFamily="49" charset="0"/>
-              </a:rPr>
-              <a:t>              </a:t>
-            </a:r>
-            <a:r>
-              <a:rPr lang="en-US" sz="700" dirty="0" err="1" smtClean="0">
-                <a:solidFill>
-                  <a:srgbClr val="C00000"/>
-                </a:solidFill>
-                <a:latin typeface="Consolas" panose="020B0609020204030204" pitchFamily="49" charset="0"/>
-                <a:ea typeface="Times New Roman" panose="02020603050405020304" pitchFamily="18" charset="0"/>
-                <a:cs typeface="Consolas" panose="020B0609020204030204" pitchFamily="49" charset="0"/>
-              </a:rPr>
-              <a:t>offl_a</a:t>
-            </a:r>
-            <a:r>
-              <a:rPr lang="en-US" sz="700" dirty="0">
-                <a:solidFill>
-                  <a:srgbClr val="000000"/>
-                </a:solidFill>
-                <a:latin typeface="Consolas" panose="020B0609020204030204" pitchFamily="49" charset="0"/>
-                <a:ea typeface="Times New Roman" panose="02020603050405020304" pitchFamily="18" charset="0"/>
-                <a:cs typeface="Consolas" panose="020B0609020204030204" pitchFamily="49" charset="0"/>
-              </a:rPr>
-              <a:t>, </a:t>
-            </a:r>
-            <a:r>
-              <a:rPr lang="en-US" sz="700" dirty="0" err="1" smtClean="0">
-                <a:solidFill>
-                  <a:srgbClr val="C00000"/>
-                </a:solidFill>
-                <a:latin typeface="Consolas" panose="020B0609020204030204" pitchFamily="49" charset="0"/>
-                <a:ea typeface="Times New Roman" panose="02020603050405020304" pitchFamily="18" charset="0"/>
-                <a:cs typeface="Consolas" panose="020B0609020204030204" pitchFamily="49" charset="0"/>
-              </a:rPr>
-              <a:t>offl</a:t>
-            </a:r>
-            <a:r>
-              <a:rPr lang="en-US" sz="700" dirty="0" err="1">
-                <a:solidFill>
-                  <a:srgbClr val="C00000"/>
-                </a:solidFill>
-                <a:latin typeface="Consolas" panose="020B0609020204030204" pitchFamily="49" charset="0"/>
-                <a:ea typeface="Times New Roman" panose="02020603050405020304" pitchFamily="18" charset="0"/>
-                <a:cs typeface="Consolas" panose="020B0609020204030204" pitchFamily="49" charset="0"/>
-              </a:rPr>
-              <a:t>_</a:t>
-            </a:r>
-            <a:r>
-              <a:rPr lang="en-US" sz="700" dirty="0" err="1" smtClean="0">
-                <a:solidFill>
-                  <a:srgbClr val="C00000"/>
-                </a:solidFill>
-                <a:latin typeface="Consolas" panose="020B0609020204030204" pitchFamily="49" charset="0"/>
-                <a:ea typeface="Times New Roman" panose="02020603050405020304" pitchFamily="18" charset="0"/>
-                <a:cs typeface="Consolas" panose="020B0609020204030204" pitchFamily="49" charset="0"/>
-              </a:rPr>
-              <a:t>b</a:t>
-            </a:r>
-            <a:r>
-              <a:rPr lang="en-US" sz="700" dirty="0">
-                <a:solidFill>
-                  <a:srgbClr val="000000"/>
-                </a:solidFill>
-                <a:latin typeface="Consolas" panose="020B0609020204030204" pitchFamily="49" charset="0"/>
-                <a:ea typeface="Times New Roman" panose="02020603050405020304" pitchFamily="18" charset="0"/>
-                <a:cs typeface="Consolas" panose="020B0609020204030204" pitchFamily="49" charset="0"/>
-              </a:rPr>
-              <a:t>, </a:t>
-            </a:r>
-            <a:r>
-              <a:rPr lang="en-US" sz="700" dirty="0" err="1" smtClean="0">
-                <a:solidFill>
-                  <a:srgbClr val="C00000"/>
-                </a:solidFill>
-                <a:latin typeface="Consolas" panose="020B0609020204030204" pitchFamily="49" charset="0"/>
-                <a:ea typeface="Times New Roman" panose="02020603050405020304" pitchFamily="18" charset="0"/>
-                <a:cs typeface="Consolas" panose="020B0609020204030204" pitchFamily="49" charset="0"/>
-              </a:rPr>
-              <a:t>offl_c</a:t>
-            </a:r>
-            <a:r>
-              <a:rPr lang="en-US" sz="700" dirty="0">
-                <a:solidFill>
-                  <a:srgbClr val="000000"/>
-                </a:solidFill>
-                <a:latin typeface="Consolas" panose="020B0609020204030204" pitchFamily="49" charset="0"/>
-                <a:ea typeface="Times New Roman" panose="02020603050405020304" pitchFamily="18" charset="0"/>
-                <a:cs typeface="Consolas" panose="020B0609020204030204" pitchFamily="49" charset="0"/>
-              </a:rPr>
-              <a:t>, </a:t>
-            </a:r>
-            <a:br>
-              <a:rPr lang="en-US" sz="700" dirty="0">
-                <a:solidFill>
-                  <a:srgbClr val="000000"/>
-                </a:solidFill>
-                <a:latin typeface="Consolas" panose="020B0609020204030204" pitchFamily="49" charset="0"/>
-                <a:ea typeface="Times New Roman" panose="02020603050405020304" pitchFamily="18" charset="0"/>
-                <a:cs typeface="Consolas" panose="020B0609020204030204" pitchFamily="49" charset="0"/>
-              </a:rPr>
-            </a:br>
-            <a:r>
-              <a:rPr lang="en-US" sz="700" dirty="0">
-                <a:solidFill>
-                  <a:srgbClr val="000000"/>
-                </a:solidFill>
-                <a:latin typeface="Consolas" panose="020B0609020204030204" pitchFamily="49" charset="0"/>
-                <a:ea typeface="Times New Roman" panose="02020603050405020304" pitchFamily="18" charset="0"/>
-                <a:cs typeface="Consolas" panose="020B0609020204030204" pitchFamily="49" charset="0"/>
-              </a:rPr>
-              <a:t>              m, n, k, alpha, beta</a:t>
-            </a:r>
-            <a:r>
-              <a:rPr lang="en-US" sz="700" dirty="0" smtClean="0">
-                <a:solidFill>
-                  <a:srgbClr val="000000"/>
-                </a:solidFill>
-                <a:latin typeface="Consolas" panose="020B0609020204030204" pitchFamily="49" charset="0"/>
-                <a:ea typeface="Times New Roman" panose="02020603050405020304" pitchFamily="18" charset="0"/>
-                <a:cs typeface="Consolas" panose="020B0609020204030204" pitchFamily="49" charset="0"/>
-              </a:rPr>
-              <a:t>)</a:t>
-            </a:r>
-          </a:p>
-          <a:p>
-            <a:pPr>
-              <a:spcAft>
-                <a:spcPts val="0"/>
-              </a:spcAft>
-            </a:pPr>
-            <a:endParaRPr lang="en-US" sz="700" dirty="0" smtClean="0">
-              <a:solidFill>
-                <a:srgbClr val="000000"/>
-              </a:solidFill>
-              <a:latin typeface="Consolas" panose="020B0609020204030204" pitchFamily="49" charset="0"/>
-              <a:ea typeface="Times New Roman" panose="02020603050405020304" pitchFamily="18" charset="0"/>
-              <a:cs typeface="Consolas" panose="020B0609020204030204" pitchFamily="49" charset="0"/>
-            </a:endParaRPr>
-          </a:p>
-          <a:p>
-            <a:pPr>
-              <a:spcAft>
-                <a:spcPts val="0"/>
-              </a:spcAft>
-            </a:pPr>
-            <a:r>
-              <a:rPr lang="en-US" sz="700" dirty="0" err="1" smtClean="0">
-                <a:solidFill>
-                  <a:srgbClr val="C00000"/>
-                </a:solidFill>
-                <a:latin typeface="Consolas" panose="020B0609020204030204" pitchFamily="49" charset="0"/>
-                <a:ea typeface="Times New Roman" panose="02020603050405020304" pitchFamily="18" charset="0"/>
-                <a:cs typeface="Consolas" panose="020B0609020204030204" pitchFamily="49" charset="0"/>
-              </a:rPr>
-              <a:t>offl_c.update_host</a:t>
-            </a:r>
-            <a:r>
-              <a:rPr lang="en-US" sz="700" dirty="0" smtClean="0">
-                <a:solidFill>
-                  <a:srgbClr val="C00000"/>
-                </a:solidFill>
-                <a:latin typeface="Consolas" panose="020B0609020204030204" pitchFamily="49" charset="0"/>
-                <a:ea typeface="Times New Roman" panose="02020603050405020304" pitchFamily="18" charset="0"/>
-                <a:cs typeface="Consolas" panose="020B0609020204030204" pitchFamily="49" charset="0"/>
-              </a:rPr>
-              <a:t>()</a:t>
-            </a:r>
-            <a:endParaRPr lang="en-US" sz="700" dirty="0">
-              <a:solidFill>
-                <a:srgbClr val="C00000"/>
-              </a:solidFill>
-              <a:latin typeface="Consolas" panose="020B0609020204030204" pitchFamily="49" charset="0"/>
-              <a:ea typeface="Times New Roman" panose="02020603050405020304" pitchFamily="18" charset="0"/>
-              <a:cs typeface="Consolas" panose="020B0609020204030204" pitchFamily="49" charset="0"/>
-            </a:endParaRPr>
-          </a:p>
-          <a:p>
-            <a:pPr>
-              <a:spcAft>
-                <a:spcPts val="0"/>
-              </a:spcAft>
-            </a:pPr>
-            <a:r>
-              <a:rPr lang="en-US" sz="700" dirty="0" err="1">
-                <a:solidFill>
-                  <a:srgbClr val="000000"/>
-                </a:solidFill>
-                <a:latin typeface="Consolas" panose="020B0609020204030204" pitchFamily="49" charset="0"/>
-                <a:ea typeface="Times New Roman" panose="02020603050405020304" pitchFamily="18" charset="0"/>
-                <a:cs typeface="Consolas" panose="020B0609020204030204" pitchFamily="49" charset="0"/>
-              </a:rPr>
-              <a:t>stream.sync</a:t>
-            </a:r>
-            <a:r>
-              <a:rPr lang="en-US" sz="700" dirty="0">
-                <a:solidFill>
-                  <a:srgbClr val="000000"/>
-                </a:solidFill>
-                <a:latin typeface="Consolas" panose="020B0609020204030204" pitchFamily="49" charset="0"/>
-                <a:ea typeface="Times New Roman" panose="02020603050405020304" pitchFamily="18" charset="0"/>
-                <a:cs typeface="Consolas" panose="020B0609020204030204" pitchFamily="49" charset="0"/>
-              </a:rPr>
-              <a:t>()</a:t>
-            </a:r>
-            <a:endParaRPr lang="en-US" sz="1200" dirty="0">
-              <a:latin typeface="Consolas" panose="020B0609020204030204" pitchFamily="49" charset="0"/>
-              <a:ea typeface="Times New Roman" panose="02020603050405020304" pitchFamily="18" charset="0"/>
-              <a:cs typeface="Consolas" panose="020B0609020204030204" pitchFamily="49" charset="0"/>
-            </a:endParaRPr>
-          </a:p>
-        </p:txBody>
-      </p:sp>
-      <p:grpSp>
-        <p:nvGrpSpPr>
-          <p:cNvPr id="4" name="Group 3"/>
-          <p:cNvGrpSpPr/>
-          <p:nvPr/>
-        </p:nvGrpSpPr>
-        <p:grpSpPr>
-          <a:xfrm>
-            <a:off x="311065" y="1818916"/>
-            <a:ext cx="3172320" cy="829191"/>
-            <a:chOff x="311065" y="1818916"/>
-            <a:chExt cx="3172320" cy="829191"/>
-          </a:xfrm>
-          <a:effectLst/>
-        </p:grpSpPr>
-        <p:sp>
-          <p:nvSpPr>
-            <p:cNvPr id="8" name="Left Brace 7"/>
-            <p:cNvSpPr/>
-            <p:nvPr/>
-          </p:nvSpPr>
-          <p:spPr>
-            <a:xfrm>
-              <a:off x="3386346" y="2325994"/>
-              <a:ext cx="97039" cy="322113"/>
-            </a:xfrm>
-            <a:prstGeom prst="leftBrace">
-              <a:avLst>
-                <a:gd name="adj1" fmla="val 123717"/>
-                <a:gd name="adj2" fmla="val 50000"/>
-              </a:avLst>
-            </a:prstGeom>
-          </p:spPr>
-          <p:style>
-            <a:lnRef idx="2">
-              <a:schemeClr val="accent1"/>
-            </a:lnRef>
-            <a:fillRef idx="0">
-              <a:schemeClr val="accent1"/>
-            </a:fillRef>
-            <a:effectRef idx="1">
-              <a:schemeClr val="accent1"/>
-            </a:effectRef>
-            <a:fontRef idx="minor">
-              <a:schemeClr val="tx1"/>
-            </a:fontRef>
-          </p:style>
-          <p:txBody>
-            <a:bodyPr rtlCol="0" anchor="ctr"/>
-            <a:lstStyle/>
-            <a:p>
-              <a:pPr algn="ctr"/>
-              <a:endParaRPr lang="en-US" sz="1300"/>
-            </a:p>
-          </p:txBody>
-        </p:sp>
-        <p:sp>
-          <p:nvSpPr>
-            <p:cNvPr id="12" name="Line Callout 1 (Accent Bar) 11"/>
-            <p:cNvSpPr/>
-            <p:nvPr/>
-          </p:nvSpPr>
-          <p:spPr>
-            <a:xfrm flipH="1">
-              <a:off x="311065" y="1818916"/>
-              <a:ext cx="2511481" cy="507079"/>
-            </a:xfrm>
-            <a:prstGeom prst="accentCallout1">
-              <a:avLst>
-                <a:gd name="adj1" fmla="val 18750"/>
-                <a:gd name="adj2" fmla="val -8333"/>
-                <a:gd name="adj3" fmla="val 132732"/>
-                <a:gd name="adj4" fmla="val -22795"/>
-              </a:avLst>
-            </a:prstGeom>
-            <a:ln>
-              <a:bevel/>
-            </a:ln>
-            <a:effectLst/>
-          </p:spPr>
-          <p:style>
-            <a:lnRef idx="2">
-              <a:schemeClr val="accent1"/>
-            </a:lnRef>
-            <a:fillRef idx="0">
-              <a:schemeClr val="accent1"/>
-            </a:fillRef>
-            <a:effectRef idx="1">
-              <a:schemeClr val="accent1"/>
-            </a:effectRef>
-            <a:fontRef idx="minor">
-              <a:schemeClr val="tx1"/>
-            </a:fontRef>
-          </p:style>
-          <p:txBody>
-            <a:bodyPr rtlCol="0" anchor="t" anchorCtr="0"/>
-            <a:lstStyle/>
-            <a:p>
-              <a:pPr marL="177800" indent="-177800">
-                <a:buFont typeface="Arial" panose="020B0604020202020204" pitchFamily="34" charset="0"/>
-                <a:buChar char="•"/>
-              </a:pPr>
-              <a:r>
-                <a:rPr lang="en-US" sz="1300" dirty="0" smtClean="0">
-                  <a:solidFill>
-                    <a:schemeClr val="tx1"/>
-                  </a:solidFill>
-                </a:rPr>
-                <a:t>Use bind to create an offload buffer for host data</a:t>
-              </a:r>
-              <a:endParaRPr lang="en-US" sz="1300" dirty="0">
-                <a:solidFill>
-                  <a:schemeClr val="tx1"/>
-                </a:solidFill>
-              </a:endParaRPr>
-            </a:p>
-          </p:txBody>
-        </p:sp>
-      </p:grpSp>
-      <p:grpSp>
-        <p:nvGrpSpPr>
-          <p:cNvPr id="11" name="Group 10"/>
-          <p:cNvGrpSpPr/>
-          <p:nvPr/>
-        </p:nvGrpSpPr>
-        <p:grpSpPr>
-          <a:xfrm>
-            <a:off x="311064" y="2403550"/>
-            <a:ext cx="3172320" cy="689998"/>
-            <a:chOff x="311064" y="2403550"/>
-            <a:chExt cx="3172320" cy="689998"/>
-          </a:xfrm>
-          <a:effectLst/>
-        </p:grpSpPr>
-        <p:sp>
-          <p:nvSpPr>
-            <p:cNvPr id="9" name="Left Brace 8"/>
-            <p:cNvSpPr/>
-            <p:nvPr/>
-          </p:nvSpPr>
-          <p:spPr>
-            <a:xfrm>
-              <a:off x="3386345" y="2713362"/>
-              <a:ext cx="97039" cy="380186"/>
-            </a:xfrm>
-            <a:prstGeom prst="leftBrace">
-              <a:avLst>
-                <a:gd name="adj1" fmla="val 123717"/>
-                <a:gd name="adj2" fmla="val 50000"/>
-              </a:avLst>
-            </a:prstGeom>
-          </p:spPr>
-          <p:style>
-            <a:lnRef idx="2">
-              <a:schemeClr val="accent1"/>
-            </a:lnRef>
-            <a:fillRef idx="0">
-              <a:schemeClr val="accent1"/>
-            </a:fillRef>
-            <a:effectRef idx="1">
-              <a:schemeClr val="accent1"/>
-            </a:effectRef>
-            <a:fontRef idx="minor">
-              <a:schemeClr val="tx1"/>
-            </a:fontRef>
-          </p:style>
-          <p:txBody>
-            <a:bodyPr rtlCol="0" anchor="ctr"/>
-            <a:lstStyle/>
-            <a:p>
-              <a:pPr algn="ctr"/>
-              <a:endParaRPr lang="en-US" sz="1300"/>
-            </a:p>
-          </p:txBody>
-        </p:sp>
-        <p:sp>
-          <p:nvSpPr>
-            <p:cNvPr id="14" name="Line Callout 1 (Accent Bar) 13"/>
-            <p:cNvSpPr/>
-            <p:nvPr/>
-          </p:nvSpPr>
-          <p:spPr>
-            <a:xfrm flipH="1">
-              <a:off x="311064" y="2403550"/>
-              <a:ext cx="2511481" cy="507079"/>
-            </a:xfrm>
-            <a:prstGeom prst="accentCallout1">
-              <a:avLst>
-                <a:gd name="adj1" fmla="val 18750"/>
-                <a:gd name="adj2" fmla="val -8333"/>
-                <a:gd name="adj3" fmla="val 98818"/>
-                <a:gd name="adj4" fmla="val -22909"/>
-              </a:avLst>
-            </a:prstGeom>
-            <a:ln>
-              <a:bevel/>
-            </a:ln>
-            <a:effectLst/>
-          </p:spPr>
-          <p:style>
-            <a:lnRef idx="2">
-              <a:schemeClr val="accent1"/>
-            </a:lnRef>
-            <a:fillRef idx="0">
-              <a:schemeClr val="accent1"/>
-            </a:fillRef>
-            <a:effectRef idx="1">
-              <a:schemeClr val="accent1"/>
-            </a:effectRef>
-            <a:fontRef idx="minor">
-              <a:schemeClr val="tx1"/>
-            </a:fontRef>
-          </p:style>
-          <p:txBody>
-            <a:bodyPr rtlCol="0" anchor="t" anchorCtr="0"/>
-            <a:lstStyle/>
-            <a:p>
-              <a:pPr marL="177800" indent="-177800">
-                <a:buFont typeface="Arial" panose="020B0604020202020204" pitchFamily="34" charset="0"/>
-                <a:buChar char="•"/>
-              </a:pPr>
-              <a:r>
-                <a:rPr lang="en-US" sz="1300" dirty="0" smtClean="0">
-                  <a:solidFill>
-                    <a:schemeClr val="tx1"/>
-                  </a:solidFill>
-                </a:rPr>
-                <a:t>Invoke kernel function and pass actual arguments</a:t>
-              </a:r>
-              <a:endParaRPr lang="en-US" sz="1300" dirty="0">
-                <a:solidFill>
-                  <a:schemeClr val="tx1"/>
-                </a:solidFill>
-              </a:endParaRPr>
-            </a:p>
-          </p:txBody>
-        </p:sp>
-      </p:grpSp>
-      <p:grpSp>
-        <p:nvGrpSpPr>
-          <p:cNvPr id="16" name="Group 15"/>
-          <p:cNvGrpSpPr/>
-          <p:nvPr/>
-        </p:nvGrpSpPr>
-        <p:grpSpPr>
-          <a:xfrm>
-            <a:off x="311063" y="2988185"/>
-            <a:ext cx="3172320" cy="507079"/>
-            <a:chOff x="311063" y="2988185"/>
-            <a:chExt cx="3172320" cy="507079"/>
-          </a:xfrm>
-          <a:effectLst/>
-        </p:grpSpPr>
-        <p:sp>
-          <p:nvSpPr>
-            <p:cNvPr id="10" name="Left Brace 9"/>
-            <p:cNvSpPr/>
-            <p:nvPr/>
-          </p:nvSpPr>
-          <p:spPr>
-            <a:xfrm>
-              <a:off x="3386344" y="3147108"/>
-              <a:ext cx="97039" cy="160254"/>
-            </a:xfrm>
-            <a:prstGeom prst="leftBrace">
-              <a:avLst>
-                <a:gd name="adj1" fmla="val 123717"/>
-                <a:gd name="adj2" fmla="val 50000"/>
-              </a:avLst>
-            </a:prstGeom>
-          </p:spPr>
-          <p:style>
-            <a:lnRef idx="2">
-              <a:schemeClr val="accent1"/>
-            </a:lnRef>
-            <a:fillRef idx="0">
-              <a:schemeClr val="accent1"/>
-            </a:fillRef>
-            <a:effectRef idx="1">
-              <a:schemeClr val="accent1"/>
-            </a:effectRef>
-            <a:fontRef idx="minor">
-              <a:schemeClr val="tx1"/>
-            </a:fontRef>
-          </p:style>
-          <p:txBody>
-            <a:bodyPr rtlCol="0" anchor="ctr"/>
-            <a:lstStyle/>
-            <a:p>
-              <a:pPr algn="ctr"/>
-              <a:endParaRPr lang="en-US" sz="1300"/>
-            </a:p>
-          </p:txBody>
-        </p:sp>
-        <p:sp>
-          <p:nvSpPr>
-            <p:cNvPr id="15" name="Line Callout 1 (Accent Bar) 14"/>
-            <p:cNvSpPr/>
-            <p:nvPr/>
-          </p:nvSpPr>
-          <p:spPr>
-            <a:xfrm flipH="1">
-              <a:off x="311063" y="2988185"/>
-              <a:ext cx="2511481" cy="507079"/>
-            </a:xfrm>
-            <a:prstGeom prst="accentCallout1">
-              <a:avLst>
-                <a:gd name="adj1" fmla="val 18750"/>
-                <a:gd name="adj2" fmla="val -8333"/>
-                <a:gd name="adj3" fmla="val 46657"/>
-                <a:gd name="adj4" fmla="val -22631"/>
-              </a:avLst>
-            </a:prstGeom>
-            <a:ln>
-              <a:bevel/>
-            </a:ln>
-            <a:effectLst/>
-          </p:spPr>
-          <p:style>
-            <a:lnRef idx="2">
-              <a:schemeClr val="accent1"/>
-            </a:lnRef>
-            <a:fillRef idx="0">
-              <a:schemeClr val="accent1"/>
-            </a:fillRef>
-            <a:effectRef idx="1">
-              <a:schemeClr val="accent1"/>
-            </a:effectRef>
-            <a:fontRef idx="minor">
-              <a:schemeClr val="tx1"/>
-            </a:fontRef>
-          </p:style>
-          <p:txBody>
-            <a:bodyPr rtlCol="0" anchor="t" anchorCtr="0"/>
-            <a:lstStyle/>
-            <a:p>
-              <a:pPr marL="177800" indent="-177800">
-                <a:buFont typeface="Arial" panose="020B0604020202020204" pitchFamily="34" charset="0"/>
-                <a:buChar char="•"/>
-              </a:pPr>
-              <a:r>
-                <a:rPr lang="en-US" sz="1300" dirty="0" smtClean="0">
-                  <a:solidFill>
-                    <a:schemeClr val="tx1"/>
-                  </a:solidFill>
-                </a:rPr>
-                <a:t>Update host data from the device buffer</a:t>
-              </a:r>
-              <a:endParaRPr lang="en-US" sz="1300" dirty="0">
-                <a:solidFill>
-                  <a:schemeClr val="tx1"/>
-                </a:solidFill>
-              </a:endParaRPr>
-            </a:p>
-          </p:txBody>
-        </p:sp>
-      </p:grpSp>
-      <p:grpSp>
-        <p:nvGrpSpPr>
-          <p:cNvPr id="17" name="Group 16"/>
-          <p:cNvGrpSpPr/>
-          <p:nvPr/>
-        </p:nvGrpSpPr>
-        <p:grpSpPr>
-          <a:xfrm>
-            <a:off x="311066" y="813874"/>
-            <a:ext cx="3172319" cy="927487"/>
-            <a:chOff x="311066" y="813874"/>
-            <a:chExt cx="3172319" cy="927487"/>
-          </a:xfrm>
-          <a:effectLst/>
-        </p:grpSpPr>
-        <p:sp>
-          <p:nvSpPr>
-            <p:cNvPr id="18" name="Left Brace 17"/>
-            <p:cNvSpPr/>
-            <p:nvPr/>
-          </p:nvSpPr>
-          <p:spPr>
-            <a:xfrm>
-              <a:off x="3386346" y="1085102"/>
-              <a:ext cx="97039" cy="238364"/>
-            </a:xfrm>
-            <a:prstGeom prst="leftBrace">
-              <a:avLst>
-                <a:gd name="adj1" fmla="val 123717"/>
-                <a:gd name="adj2" fmla="val 50000"/>
-              </a:avLst>
-            </a:prstGeom>
-          </p:spPr>
-          <p:style>
-            <a:lnRef idx="2">
-              <a:schemeClr val="accent1"/>
-            </a:lnRef>
-            <a:fillRef idx="0">
-              <a:schemeClr val="accent1"/>
-            </a:fillRef>
-            <a:effectRef idx="1">
-              <a:schemeClr val="accent1"/>
-            </a:effectRef>
-            <a:fontRef idx="minor">
-              <a:schemeClr val="tx1"/>
-            </a:fontRef>
-          </p:style>
-          <p:txBody>
-            <a:bodyPr rtlCol="0" anchor="ctr"/>
-            <a:lstStyle/>
-            <a:p>
-              <a:pPr algn="ctr"/>
-              <a:endParaRPr lang="en-US" sz="1300"/>
-            </a:p>
-          </p:txBody>
-        </p:sp>
-        <p:sp>
-          <p:nvSpPr>
-            <p:cNvPr id="19" name="Line Callout 1 (Accent Bar) 18"/>
-            <p:cNvSpPr/>
-            <p:nvPr/>
-          </p:nvSpPr>
-          <p:spPr>
-            <a:xfrm flipH="1">
-              <a:off x="311066" y="813874"/>
-              <a:ext cx="2511481" cy="927487"/>
-            </a:xfrm>
-            <a:prstGeom prst="accentCallout1">
-              <a:avLst>
-                <a:gd name="adj1" fmla="val 18750"/>
-                <a:gd name="adj2" fmla="val -8333"/>
-                <a:gd name="adj3" fmla="val 42093"/>
-                <a:gd name="adj4" fmla="val -22736"/>
-              </a:avLst>
-            </a:prstGeom>
-            <a:ln>
-              <a:bevel/>
-            </a:ln>
-            <a:effectLst/>
-          </p:spPr>
-          <p:style>
-            <a:lnRef idx="2">
-              <a:schemeClr val="accent1"/>
-            </a:lnRef>
-            <a:fillRef idx="0">
-              <a:schemeClr val="accent1"/>
-            </a:fillRef>
-            <a:effectRef idx="1">
-              <a:schemeClr val="accent1"/>
-            </a:effectRef>
-            <a:fontRef idx="minor">
-              <a:schemeClr val="tx1"/>
-            </a:fontRef>
-          </p:style>
-          <p:txBody>
-            <a:bodyPr rtlCol="0" anchor="t" anchorCtr="0"/>
-            <a:lstStyle/>
-            <a:p>
-              <a:pPr marL="177800" indent="-177800">
-                <a:buFont typeface="Arial" panose="020B0604020202020204" pitchFamily="34" charset="0"/>
-                <a:buChar char="•"/>
-              </a:pPr>
-              <a:r>
-                <a:rPr lang="en-US" sz="1300" dirty="0" smtClean="0">
-                  <a:solidFill>
-                    <a:schemeClr val="tx1"/>
-                  </a:solidFill>
-                </a:rPr>
-                <a:t>Get a device handle</a:t>
-              </a:r>
-            </a:p>
-            <a:p>
-              <a:pPr marL="177800" lvl="1"/>
-              <a:r>
-                <a:rPr lang="en-US" sz="1300" dirty="0" smtClean="0"/>
-                <a:t>(numbered from 0 to n-1)</a:t>
-              </a:r>
-            </a:p>
-            <a:p>
-              <a:pPr marL="177800" indent="-177800">
-                <a:buFont typeface="Arial" panose="020B0604020202020204" pitchFamily="34" charset="0"/>
-                <a:buChar char="•"/>
-              </a:pPr>
-              <a:r>
-                <a:rPr lang="en-US" sz="1300" dirty="0" smtClean="0">
-                  <a:solidFill>
-                    <a:schemeClr val="tx1"/>
-                  </a:solidFill>
-                </a:rPr>
-                <a:t>Load native code as a shared-object library</a:t>
-              </a:r>
-              <a:endParaRPr lang="en-US" sz="1300" dirty="0">
-                <a:solidFill>
-                  <a:schemeClr val="tx1"/>
-                </a:solidFill>
-              </a:endParaRPr>
-            </a:p>
-          </p:txBody>
-        </p:sp>
-      </p:grpSp>
-    </p:spTree>
-    <p:extLst>
-      <p:ext uri="{BB962C8B-B14F-4D97-AF65-F5344CB8AC3E}">
-        <p14:creationId xmlns:p14="http://schemas.microsoft.com/office/powerpoint/2010/main" val="277088199"/>
-      </p:ext>
-    </p:extLst>
-  </p:cSld>
-  <p:clrMapOvr>
-    <a:masterClrMapping/>
-  </p:clrMapOvr>
-  <p:timing>
-    <p:tnLst>
-      <p:par>
-        <p:cTn id="1" dur="indefinite" restart="never" nodeType="tmRoot">
-          <p:childTnLst>
-            <p:seq concurrent="1" nextAc="seek">
-              <p:cTn id="2" dur="indefinite" nodeType="mainSeq">
-                <p:childTnLst>
-                  <p:par>
-                    <p:cTn id="3" fill="hold">
-                      <p:stCondLst>
-                        <p:cond delay="indefinite"/>
-                      </p:stCondLst>
-                      <p:childTnLst>
-                        <p:par>
-                          <p:cTn id="4" fill="hold">
-                            <p:stCondLst>
-                              <p:cond delay="0"/>
-                            </p:stCondLst>
-                            <p:childTnLst>
-                              <p:par>
-                                <p:cTn id="5" presetID="10" presetClass="entr" presetSubtype="0" fill="hold" nodeType="clickEffect">
-                                  <p:stCondLst>
-                                    <p:cond delay="0"/>
-                                  </p:stCondLst>
-                                  <p:childTnLst>
-                                    <p:set>
-                                      <p:cBhvr>
-                                        <p:cTn id="6" dur="1" fill="hold">
-                                          <p:stCondLst>
-                                            <p:cond delay="0"/>
-                                          </p:stCondLst>
-                                        </p:cTn>
-                                        <p:tgtEl>
-                                          <p:spTgt spid="17"/>
-                                        </p:tgtEl>
-                                        <p:attrNameLst>
-                                          <p:attrName>style.visibility</p:attrName>
-                                        </p:attrNameLst>
-                                      </p:cBhvr>
-                                      <p:to>
-                                        <p:strVal val="visible"/>
-                                      </p:to>
-                                    </p:set>
-                                    <p:animEffect transition="in" filter="fade">
-                                      <p:cBhvr>
-                                        <p:cTn id="7" dur="500"/>
-                                        <p:tgtEl>
-                                          <p:spTgt spid="17"/>
-                                        </p:tgtEl>
-                                      </p:cBhvr>
-                                    </p:animEffect>
-                                  </p:childTnLst>
-                                </p:cTn>
-                              </p:par>
-                            </p:childTnLst>
-                          </p:cTn>
-                        </p:par>
-                      </p:childTnLst>
-                    </p:cTn>
-                  </p:par>
-                  <p:par>
-                    <p:cTn id="8" fill="hold">
-                      <p:stCondLst>
-                        <p:cond delay="indefinite"/>
-                      </p:stCondLst>
-                      <p:childTnLst>
-                        <p:par>
-                          <p:cTn id="9" fill="hold">
-                            <p:stCondLst>
-                              <p:cond delay="0"/>
-                            </p:stCondLst>
-                            <p:childTnLst>
-                              <p:par>
-                                <p:cTn id="10" presetID="10" presetClass="entr" presetSubtype="0" fill="hold" nodeType="clickEffect">
-                                  <p:stCondLst>
-                                    <p:cond delay="0"/>
-                                  </p:stCondLst>
-                                  <p:childTnLst>
-                                    <p:set>
-                                      <p:cBhvr>
-                                        <p:cTn id="11" dur="1" fill="hold">
-                                          <p:stCondLst>
-                                            <p:cond delay="0"/>
-                                          </p:stCondLst>
-                                        </p:cTn>
-                                        <p:tgtEl>
-                                          <p:spTgt spid="4"/>
-                                        </p:tgtEl>
-                                        <p:attrNameLst>
-                                          <p:attrName>style.visibility</p:attrName>
-                                        </p:attrNameLst>
-                                      </p:cBhvr>
-                                      <p:to>
-                                        <p:strVal val="visible"/>
-                                      </p:to>
-                                    </p:set>
-                                    <p:animEffect transition="in" filter="fade">
-                                      <p:cBhvr>
-                                        <p:cTn id="12" dur="500"/>
-                                        <p:tgtEl>
-                                          <p:spTgt spid="4"/>
-                                        </p:tgtEl>
-                                      </p:cBhvr>
-                                    </p:animEffect>
-                                  </p:childTnLst>
-                                </p:cTn>
-                              </p:par>
-                            </p:childTnLst>
-                          </p:cTn>
-                        </p:par>
-                      </p:childTnLst>
-                    </p:cTn>
-                  </p:par>
-                  <p:par>
-                    <p:cTn id="13" fill="hold">
-                      <p:stCondLst>
-                        <p:cond delay="indefinite"/>
-                      </p:stCondLst>
-                      <p:childTnLst>
-                        <p:par>
-                          <p:cTn id="14" fill="hold">
-                            <p:stCondLst>
-                              <p:cond delay="0"/>
-                            </p:stCondLst>
-                            <p:childTnLst>
-                              <p:par>
-                                <p:cTn id="15" presetID="10" presetClass="entr" presetSubtype="0" fill="hold" nodeType="clickEffect">
-                                  <p:stCondLst>
-                                    <p:cond delay="0"/>
-                                  </p:stCondLst>
-                                  <p:childTnLst>
-                                    <p:set>
-                                      <p:cBhvr>
-                                        <p:cTn id="16" dur="1" fill="hold">
-                                          <p:stCondLst>
-                                            <p:cond delay="0"/>
-                                          </p:stCondLst>
-                                        </p:cTn>
-                                        <p:tgtEl>
-                                          <p:spTgt spid="11"/>
-                                        </p:tgtEl>
-                                        <p:attrNameLst>
-                                          <p:attrName>style.visibility</p:attrName>
-                                        </p:attrNameLst>
-                                      </p:cBhvr>
-                                      <p:to>
-                                        <p:strVal val="visible"/>
-                                      </p:to>
-                                    </p:set>
-                                    <p:animEffect transition="in" filter="fade">
-                                      <p:cBhvr>
-                                        <p:cTn id="17" dur="500"/>
-                                        <p:tgtEl>
-                                          <p:spTgt spid="11"/>
-                                        </p:tgtEl>
-                                      </p:cBhvr>
-                                    </p:animEffect>
-                                  </p:childTnLst>
-                                </p:cTn>
-                              </p:par>
-                            </p:childTnLst>
-                          </p:cTn>
-                        </p:par>
-                      </p:childTnLst>
-                    </p:cTn>
-                  </p:par>
-                  <p:par>
-                    <p:cTn id="18" fill="hold">
-                      <p:stCondLst>
-                        <p:cond delay="indefinite"/>
-                      </p:stCondLst>
-                      <p:childTnLst>
-                        <p:par>
-                          <p:cTn id="19" fill="hold">
-                            <p:stCondLst>
-                              <p:cond delay="0"/>
-                            </p:stCondLst>
-                            <p:childTnLst>
-                              <p:par>
-                                <p:cTn id="20" presetID="10" presetClass="entr" presetSubtype="0" fill="hold" nodeType="clickEffect">
-                                  <p:stCondLst>
-                                    <p:cond delay="0"/>
-                                  </p:stCondLst>
-                                  <p:childTnLst>
-                                    <p:set>
-                                      <p:cBhvr>
-                                        <p:cTn id="21" dur="1" fill="hold">
-                                          <p:stCondLst>
-                                            <p:cond delay="0"/>
-                                          </p:stCondLst>
-                                        </p:cTn>
-                                        <p:tgtEl>
-                                          <p:spTgt spid="16"/>
-                                        </p:tgtEl>
-                                        <p:attrNameLst>
-                                          <p:attrName>style.visibility</p:attrName>
-                                        </p:attrNameLst>
-                                      </p:cBhvr>
-                                      <p:to>
-                                        <p:strVal val="visible"/>
-                                      </p:to>
-                                    </p:set>
-                                    <p:animEffect transition="in" filter="fade">
-                                      <p:cBhvr>
-                                        <p:cTn id="22" dur="500"/>
-                                        <p:tgtEl>
-                                          <p:spTgt spid="16"/>
-                                        </p:tgtEl>
-                                      </p:cBhvr>
-                                    </p:animEffect>
-                                  </p:childTnLst>
-                                </p:cTn>
-                              </p:par>
-                            </p:childTnLst>
-                          </p:cTn>
-                        </p:par>
-                      </p:childTnLst>
-                    </p:cTn>
-                  </p:par>
-                </p:childTnLst>
-              </p:cTn>
-              <p:prevCondLst>
-                <p:cond evt="onPrev" delay="0">
-                  <p:tgtEl>
-                    <p:sldTgt/>
-                  </p:tgtEl>
-                </p:cond>
-              </p:prevCondLst>
-              <p:nextCondLst>
-                <p:cond evt="onNext" delay="0">
-                  <p:tgtEl>
-                    <p:sldTgt/>
-                  </p:tgtEl>
-                </p:cond>
-              </p:nextCondLst>
-            </p:seq>
-          </p:childTnLst>
-        </p:cTn>
-      </p:par>
-    </p:tnLst>
-  </p:timing>
-</p:sld>
-</file>
-
-<file path=ppt/slides/slide11.xml><?xml version="1.0" encoding="utf-8"?>
 <p:sld xmlns:a="http://schemas.openxmlformats.org/drawingml/2006/main" xmlns:r="http://schemas.openxmlformats.org/officeDocument/2006/relationships" xmlns:p="http://schemas.openxmlformats.org/presentationml/2006/main">
   <p:cSld>
     <p:spTree>
@@ -13281,7 +13261,7 @@
 </p:sld>
 </file>
 
-<file path=ppt/slides/slide12.xml><?xml version="1.0" encoding="utf-8"?>
+<file path=ppt/slides/slide11.xml><?xml version="1.0" encoding="utf-8"?>
 <p:sld xmlns:a="http://schemas.openxmlformats.org/drawingml/2006/main" xmlns:r="http://schemas.openxmlformats.org/officeDocument/2006/relationships" xmlns:p="http://schemas.openxmlformats.org/presentationml/2006/main">
   <p:cSld>
     <p:spTree>
@@ -17331,7 +17311,7 @@
 </p:sld>
 </file>
 
-<file path=ppt/slides/slide13.xml><?xml version="1.0" encoding="utf-8"?>
+<file path=ppt/slides/slide12.xml><?xml version="1.0" encoding="utf-8"?>
 <p:sld xmlns:a="http://schemas.openxmlformats.org/drawingml/2006/main" xmlns:r="http://schemas.openxmlformats.org/officeDocument/2006/relationships" xmlns:p="http://schemas.openxmlformats.org/presentationml/2006/main">
   <p:cSld>
     <p:spTree>
@@ -20448,7 +20428,7 @@
 </p:sld>
 </file>
 
-<file path=ppt/slides/slide14.xml><?xml version="1.0" encoding="utf-8"?>
+<file path=ppt/slides/slide13.xml><?xml version="1.0" encoding="utf-8"?>
 <p:sld xmlns:a="http://schemas.openxmlformats.org/drawingml/2006/main" xmlns:r="http://schemas.openxmlformats.org/officeDocument/2006/relationships" xmlns:p="http://schemas.openxmlformats.org/presentationml/2006/main">
   <p:cSld>
     <p:spTree>
@@ -23823,7 +23803,7 @@
 </p:sld>
 </file>
 
-<file path=ppt/slides/slide15.xml><?xml version="1.0" encoding="utf-8"?>
+<file path=ppt/slides/slide14.xml><?xml version="1.0" encoding="utf-8"?>
 <p:sld xmlns:a="http://schemas.openxmlformats.org/drawingml/2006/main" xmlns:r="http://schemas.openxmlformats.org/officeDocument/2006/relationships" xmlns:p="http://schemas.openxmlformats.org/presentationml/2006/main">
   <p:cSld>
     <p:spTree>
@@ -27148,7 +27128,7 @@
 </p:sld>
 </file>
 
-<file path=ppt/slides/slide16.xml><?xml version="1.0" encoding="utf-8"?>
+<file path=ppt/slides/slide15.xml><?xml version="1.0" encoding="utf-8"?>
 <p:sld xmlns:a="http://schemas.openxmlformats.org/drawingml/2006/main" xmlns:r="http://schemas.openxmlformats.org/officeDocument/2006/relationships" xmlns:p="http://schemas.openxmlformats.org/presentationml/2006/main">
   <p:cSld>
     <p:spTree>
@@ -27321,7 +27301,7 @@
 </p:sld>
 </file>
 
-<file path=ppt/slides/slide17.xml><?xml version="1.0" encoding="utf-8"?>
+<file path=ppt/slides/slide16.xml><?xml version="1.0" encoding="utf-8"?>
 <p:sld xmlns:a="http://schemas.openxmlformats.org/drawingml/2006/main" xmlns:r="http://schemas.openxmlformats.org/officeDocument/2006/relationships" xmlns:p="http://schemas.openxmlformats.org/presentationml/2006/main">
   <p:cSld>
     <p:spTree>
@@ -31064,8 +31044,8 @@
 </p:sld>
 </file>
 
-<file path=ppt/slides/slide18.xml><?xml version="1.0" encoding="utf-8"?>
-<p:sld xmlns:a="http://schemas.openxmlformats.org/drawingml/2006/main" xmlns:r="http://schemas.openxmlformats.org/officeDocument/2006/relationships" xmlns:p="http://schemas.openxmlformats.org/presentationml/2006/main" show="0">
+<file path=ppt/slides/slide17.xml><?xml version="1.0" encoding="utf-8"?>
+<p:sld xmlns:a="http://schemas.openxmlformats.org/drawingml/2006/main" xmlns:r="http://schemas.openxmlformats.org/officeDocument/2006/relationships" xmlns:p="http://schemas.openxmlformats.org/presentationml/2006/main">
   <p:cSld>
     <p:spTree>
       <p:nvGrpSpPr>
@@ -31185,11 +31165,11 @@
   <p:clrMapOvr>
     <a:masterClrMapping/>
   </p:clrMapOvr>
-  <mc:AlternateContent xmlns:mc="http://schemas.openxmlformats.org/markup-compatibility/2006" xmlns:p14="http://schemas.microsoft.com/office/powerpoint/2010/main">
-    <mc:Choice Requires="p14">
+  <mc:AlternateContent xmlns:mc="http://schemas.openxmlformats.org/markup-compatibility/2006">
+    <mc:Choice xmlns:p14="http://schemas.microsoft.com/office/powerpoint/2010/main" Requires="p14">
       <p:transition spd="slow" p14:dur="2000"/>
     </mc:Choice>
-    <mc:Fallback xmlns="">
+    <mc:Fallback>
       <p:transition spd="slow"/>
     </mc:Fallback>
   </mc:AlternateContent>
@@ -31459,7 +31439,7 @@
 </p:sld>
 </file>
 
-<file path=ppt/slides/slide19.xml><?xml version="1.0" encoding="utf-8"?>
+<file path=ppt/slides/slide18.xml><?xml version="1.0" encoding="utf-8"?>
 <p:sld xmlns:a="http://schemas.openxmlformats.org/drawingml/2006/main" xmlns:r="http://schemas.openxmlformats.org/officeDocument/2006/relationships" xmlns:p="http://schemas.openxmlformats.org/presentationml/2006/main" show="0">
   <p:cSld>
     <p:spTree>
@@ -31575,11 +31555,11 @@
   <p:clrMapOvr>
     <a:masterClrMapping/>
   </p:clrMapOvr>
-  <mc:AlternateContent xmlns:mc="http://schemas.openxmlformats.org/markup-compatibility/2006" xmlns:p14="http://schemas.microsoft.com/office/powerpoint/2010/main">
-    <mc:Choice Requires="p14">
+  <mc:AlternateContent xmlns:mc="http://schemas.openxmlformats.org/markup-compatibility/2006">
+    <mc:Choice xmlns:p14="http://schemas.microsoft.com/office/powerpoint/2010/main" Requires="p14">
       <p:transition spd="slow" p14:dur="2000"/>
     </mc:Choice>
-    <mc:Fallback xmlns="">
+    <mc:Fallback>
       <p:transition spd="slow"/>
     </mc:Fallback>
   </mc:AlternateContent>
@@ -31593,886 +31573,8 @@
 </p:sld>
 </file>
 
-<file path=ppt/slides/slide2.xml><?xml version="1.0" encoding="utf-8"?>
+<file path=ppt/slides/slide19.xml><?xml version="1.0" encoding="utf-8"?>
 <p:sld xmlns:a="http://schemas.openxmlformats.org/drawingml/2006/main" xmlns:r="http://schemas.openxmlformats.org/officeDocument/2006/relationships" xmlns:p="http://schemas.openxmlformats.org/presentationml/2006/main">
-  <p:cSld>
-    <p:spTree>
-      <p:nvGrpSpPr>
-        <p:cNvPr id="1" name=""/>
-        <p:cNvGrpSpPr/>
-        <p:nvPr/>
-      </p:nvGrpSpPr>
-      <p:grpSpPr>
-        <a:xfrm>
-          <a:off x="0" y="0"/>
-          <a:ext cx="0" cy="0"/>
-          <a:chOff x="0" y="0"/>
-          <a:chExt cx="0" cy="0"/>
-        </a:xfrm>
-      </p:grpSpPr>
-      <p:sp>
-        <p:nvSpPr>
-          <p:cNvPr id="3" name="Title 2"/>
-          <p:cNvSpPr>
-            <a:spLocks noGrp="1"/>
-          </p:cNvSpPr>
-          <p:nvPr>
-            <p:ph type="title"/>
-          </p:nvPr>
-        </p:nvSpPr>
-        <p:spPr/>
-        <p:txBody>
-          <a:bodyPr>
-            <a:normAutofit/>
-          </a:bodyPr>
-          <a:lstStyle/>
-          <a:p>
-            <a:r>
-              <a:rPr lang="en-US" dirty="0">
-                <a:latin typeface="Verdana" panose="020B0604030504040204" pitchFamily="34" charset="0"/>
-                <a:ea typeface="Verdana" panose="020B0604030504040204" pitchFamily="34" charset="0"/>
-                <a:cs typeface="Verdana" panose="020B0604030504040204" pitchFamily="34" charset="0"/>
-              </a:rPr>
-              <a:t>Legal Disclaimer &amp; Optimization Notice</a:t>
-            </a:r>
-            <a:endParaRPr lang="en-US" dirty="0"/>
-          </a:p>
-        </p:txBody>
-      </p:sp>
-      <p:sp>
-        <p:nvSpPr>
-          <p:cNvPr id="13" name="Content Placeholder 5"/>
-          <p:cNvSpPr txBox="1">
-            <a:spLocks/>
-          </p:cNvSpPr>
-          <p:nvPr/>
-        </p:nvSpPr>
-        <p:spPr>
-          <a:xfrm>
-            <a:off x="1162209" y="804546"/>
-            <a:ext cx="4827270" cy="2654813"/>
-          </a:xfrm>
-          <a:prstGeom prst="rect">
-            <a:avLst/>
-          </a:prstGeom>
-        </p:spPr>
-        <p:txBody>
-          <a:bodyPr vert="horz" lIns="69046" tIns="34523" rIns="69046" bIns="34523" rtlCol="0">
-            <a:normAutofit/>
-          </a:bodyPr>
-          <a:lstStyle>
-            <a:lvl1pPr marL="0" indent="0" algn="l" defTabSz="345232" rtl="0" eaLnBrk="1" latinLnBrk="0" hangingPunct="1">
-              <a:spcBef>
-                <a:spcPct val="20000"/>
-              </a:spcBef>
-              <a:buClr>
-                <a:schemeClr val="accent1"/>
-              </a:buClr>
-              <a:buFont typeface="Arial"/>
-              <a:buNone/>
-              <a:defRPr sz="1800" kern="1200">
-                <a:solidFill>
-                  <a:srgbClr val="FFFFFF"/>
-                </a:solidFill>
-                <a:latin typeface="Verdana"/>
-                <a:ea typeface="+mn-ea"/>
-                <a:cs typeface="Verdana"/>
-              </a:defRPr>
-            </a:lvl1pPr>
-            <a:lvl2pPr marL="345232" indent="0" algn="l" defTabSz="345232" rtl="0" eaLnBrk="1" latinLnBrk="0" hangingPunct="1">
-              <a:spcBef>
-                <a:spcPct val="20000"/>
-              </a:spcBef>
-              <a:buClr>
-                <a:schemeClr val="accent1"/>
-              </a:buClr>
-              <a:buFont typeface="Arial"/>
-              <a:buNone/>
-              <a:defRPr sz="1800" kern="1200">
-                <a:solidFill>
-                  <a:srgbClr val="FFFFFF"/>
-                </a:solidFill>
-                <a:latin typeface="Verdana"/>
-                <a:ea typeface="+mn-ea"/>
-                <a:cs typeface="Verdana"/>
-              </a:defRPr>
-            </a:lvl2pPr>
-            <a:lvl3pPr marL="690463" indent="0" algn="l" defTabSz="345232" rtl="0" eaLnBrk="1" latinLnBrk="0" hangingPunct="1">
-              <a:spcBef>
-                <a:spcPct val="20000"/>
-              </a:spcBef>
-              <a:buClr>
-                <a:schemeClr val="accent1"/>
-              </a:buClr>
-              <a:buFont typeface="Arial"/>
-              <a:buNone/>
-              <a:defRPr sz="1400" kern="1200">
-                <a:solidFill>
-                  <a:srgbClr val="FFFFFF"/>
-                </a:solidFill>
-                <a:latin typeface="Verdana"/>
-                <a:ea typeface="+mn-ea"/>
-                <a:cs typeface="Verdana"/>
-              </a:defRPr>
-            </a:lvl3pPr>
-            <a:lvl4pPr marL="1035695" indent="0" algn="l" defTabSz="345232" rtl="0" eaLnBrk="1" latinLnBrk="0" hangingPunct="1">
-              <a:spcBef>
-                <a:spcPct val="20000"/>
-              </a:spcBef>
-              <a:buClr>
-                <a:schemeClr val="accent1"/>
-              </a:buClr>
-              <a:buFont typeface="Arial"/>
-              <a:buNone/>
-              <a:defRPr sz="1100" kern="1200">
-                <a:solidFill>
-                  <a:srgbClr val="FFFFFF"/>
-                </a:solidFill>
-                <a:latin typeface="Verdana"/>
-                <a:ea typeface="+mn-ea"/>
-                <a:cs typeface="Verdana"/>
-              </a:defRPr>
-            </a:lvl4pPr>
-            <a:lvl5pPr marL="1380927" indent="0" algn="l" defTabSz="345232" rtl="0" eaLnBrk="1" latinLnBrk="0" hangingPunct="1">
-              <a:spcBef>
-                <a:spcPct val="20000"/>
-              </a:spcBef>
-              <a:buClr>
-                <a:schemeClr val="accent1"/>
-              </a:buClr>
-              <a:buFont typeface="Arial"/>
-              <a:buNone/>
-              <a:defRPr sz="1500" kern="1200">
-                <a:solidFill>
-                  <a:srgbClr val="FFFFFF"/>
-                </a:solidFill>
-                <a:latin typeface="Verdana"/>
-                <a:ea typeface="+mn-ea"/>
-                <a:cs typeface="Verdana"/>
-              </a:defRPr>
-            </a:lvl5pPr>
-            <a:lvl6pPr marL="1898774" indent="-172616" algn="l" defTabSz="345232" rtl="0" eaLnBrk="1" latinLnBrk="0" hangingPunct="1">
-              <a:spcBef>
-                <a:spcPct val="20000"/>
-              </a:spcBef>
-              <a:buFont typeface="Arial"/>
-              <a:buChar char="•"/>
-              <a:defRPr sz="1500" kern="1200">
-                <a:solidFill>
-                  <a:schemeClr val="tx1"/>
-                </a:solidFill>
-                <a:latin typeface="+mn-lt"/>
-                <a:ea typeface="+mn-ea"/>
-                <a:cs typeface="+mn-cs"/>
-              </a:defRPr>
-            </a:lvl6pPr>
-            <a:lvl7pPr marL="2244006" indent="-172616" algn="l" defTabSz="345232" rtl="0" eaLnBrk="1" latinLnBrk="0" hangingPunct="1">
-              <a:spcBef>
-                <a:spcPct val="20000"/>
-              </a:spcBef>
-              <a:buFont typeface="Arial"/>
-              <a:buChar char="•"/>
-              <a:defRPr sz="1500" kern="1200">
-                <a:solidFill>
-                  <a:schemeClr val="tx1"/>
-                </a:solidFill>
-                <a:latin typeface="+mn-lt"/>
-                <a:ea typeface="+mn-ea"/>
-                <a:cs typeface="+mn-cs"/>
-              </a:defRPr>
-            </a:lvl7pPr>
-            <a:lvl8pPr marL="2589238" indent="-172616" algn="l" defTabSz="345232" rtl="0" eaLnBrk="1" latinLnBrk="0" hangingPunct="1">
-              <a:spcBef>
-                <a:spcPct val="20000"/>
-              </a:spcBef>
-              <a:buFont typeface="Arial"/>
-              <a:buChar char="•"/>
-              <a:defRPr sz="1500" kern="1200">
-                <a:solidFill>
-                  <a:schemeClr val="tx1"/>
-                </a:solidFill>
-                <a:latin typeface="+mn-lt"/>
-                <a:ea typeface="+mn-ea"/>
-                <a:cs typeface="+mn-cs"/>
-              </a:defRPr>
-            </a:lvl8pPr>
-            <a:lvl9pPr marL="2934470" indent="-172616" algn="l" defTabSz="345232" rtl="0" eaLnBrk="1" latinLnBrk="0" hangingPunct="1">
-              <a:spcBef>
-                <a:spcPct val="20000"/>
-              </a:spcBef>
-              <a:buFont typeface="Arial"/>
-              <a:buChar char="•"/>
-              <a:defRPr sz="1500" kern="1200">
-                <a:solidFill>
-                  <a:schemeClr val="tx1"/>
-                </a:solidFill>
-                <a:latin typeface="+mn-lt"/>
-                <a:ea typeface="+mn-ea"/>
-                <a:cs typeface="+mn-cs"/>
-              </a:defRPr>
-            </a:lvl9pPr>
-          </a:lstStyle>
-          <a:p>
-            <a:r>
-              <a:rPr lang="en-US" sz="587" dirty="0">
-                <a:solidFill>
-                  <a:schemeClr val="tx1"/>
-                </a:solidFill>
-                <a:latin typeface="Verdana" panose="020B0604030504040204" pitchFamily="34" charset="0"/>
-                <a:ea typeface="Verdana" panose="020B0604030504040204" pitchFamily="34" charset="0"/>
-                <a:cs typeface="Verdana" panose="020B0604030504040204" pitchFamily="34" charset="0"/>
-              </a:rPr>
-              <a:t>INFORMATION IN THIS DOCUMENT IS PROVIDED IN CONNECTION WITH INTEL PRODUCTS. NO LICENSE, EXPRESS OR IMPLIED, BY ESTOPPEL OR OTHERWISE, TO ANY INTELLECTUAL PROPERTY RIGHTS IS GRANTED BY THIS DOCUMENT. EXCEPT AS PROVIDED IN INTEL'S TERMS AND CONDITIONS OF SALE FOR SUCH PRODUCTS, INTEL ASSUMES NO LIABILITY WHATSOEVER AND INTEL DISCLAIMS ANY EXPRESS OR IMPLIED WARRANTY, RELATING TO SALE AND/OR USE OF INTEL PRODUCTS INCLUDING LIABILITY OR WARRANTIES RELATING TO FITNESS FOR A PARTICULAR PURPOSE, MERCHANTABILITY, OR INFRINGEMENT OF ANY PATENT, COPYRIGHT OR OTHER INTELLECTUAL PROPERTY RIGHT. </a:t>
-            </a:r>
-          </a:p>
-          <a:p>
-            <a:endParaRPr lang="en-US" sz="587" dirty="0">
-              <a:solidFill>
-                <a:schemeClr val="tx1"/>
-              </a:solidFill>
-              <a:latin typeface="Verdana" panose="020B0604030504040204" pitchFamily="34" charset="0"/>
-              <a:ea typeface="Verdana" panose="020B0604030504040204" pitchFamily="34" charset="0"/>
-              <a:cs typeface="Verdana" panose="020B0604030504040204" pitchFamily="34" charset="0"/>
-            </a:endParaRPr>
-          </a:p>
-          <a:p>
-            <a:r>
-              <a:rPr lang="en-US" sz="587" dirty="0">
-                <a:solidFill>
-                  <a:schemeClr val="tx1"/>
-                </a:solidFill>
-                <a:latin typeface="Verdana" panose="020B0604030504040204" pitchFamily="34" charset="0"/>
-                <a:ea typeface="Verdana" panose="020B0604030504040204" pitchFamily="34" charset="0"/>
-                <a:cs typeface="Verdana" panose="020B0604030504040204" pitchFamily="34" charset="0"/>
-              </a:rPr>
-              <a:t>Software and workloads used in performance tests may have been optimized for performance only on Intel microprocessors. Performance tests, such as </a:t>
-            </a:r>
-            <a:r>
-              <a:rPr lang="en-US" sz="587" dirty="0" err="1">
-                <a:solidFill>
-                  <a:schemeClr val="tx1"/>
-                </a:solidFill>
-                <a:latin typeface="Verdana" panose="020B0604030504040204" pitchFamily="34" charset="0"/>
-                <a:ea typeface="Verdana" panose="020B0604030504040204" pitchFamily="34" charset="0"/>
-                <a:cs typeface="Verdana" panose="020B0604030504040204" pitchFamily="34" charset="0"/>
-              </a:rPr>
-              <a:t>SYSmark</a:t>
-            </a:r>
-            <a:r>
-              <a:rPr lang="en-US" sz="587" dirty="0">
-                <a:solidFill>
-                  <a:schemeClr val="tx1"/>
-                </a:solidFill>
-                <a:latin typeface="Verdana" panose="020B0604030504040204" pitchFamily="34" charset="0"/>
-                <a:ea typeface="Verdana" panose="020B0604030504040204" pitchFamily="34" charset="0"/>
-                <a:cs typeface="Verdana" panose="020B0604030504040204" pitchFamily="34" charset="0"/>
-              </a:rPr>
-              <a:t> and </a:t>
-            </a:r>
-            <a:r>
-              <a:rPr lang="en-US" sz="587" dirty="0" err="1">
-                <a:solidFill>
-                  <a:schemeClr val="tx1"/>
-                </a:solidFill>
-                <a:latin typeface="Verdana" panose="020B0604030504040204" pitchFamily="34" charset="0"/>
-                <a:ea typeface="Verdana" panose="020B0604030504040204" pitchFamily="34" charset="0"/>
-                <a:cs typeface="Verdana" panose="020B0604030504040204" pitchFamily="34" charset="0"/>
-              </a:rPr>
-              <a:t>MobileMark</a:t>
-            </a:r>
-            <a:r>
-              <a:rPr lang="en-US" sz="587" dirty="0">
-                <a:solidFill>
-                  <a:schemeClr val="tx1"/>
-                </a:solidFill>
-                <a:latin typeface="Verdana" panose="020B0604030504040204" pitchFamily="34" charset="0"/>
-                <a:ea typeface="Verdana" panose="020B0604030504040204" pitchFamily="34" charset="0"/>
-                <a:cs typeface="Verdana" panose="020B0604030504040204" pitchFamily="34" charset="0"/>
-              </a:rPr>
-              <a:t>, are measured using specific computer systems, components, software, operations and functions. Any change to any of those factors may cause the results to vary. You should consult other information and performance tests to assist you in fully evaluating your contemplated purchases, including the performance of that product when combined with other products.</a:t>
-            </a:r>
-          </a:p>
-          <a:p>
-            <a:endParaRPr lang="en-US" sz="587" dirty="0">
-              <a:solidFill>
-                <a:schemeClr val="tx1"/>
-              </a:solidFill>
-              <a:latin typeface="Verdana" panose="020B0604030504040204" pitchFamily="34" charset="0"/>
-              <a:ea typeface="Verdana" panose="020B0604030504040204" pitchFamily="34" charset="0"/>
-              <a:cs typeface="Verdana" panose="020B0604030504040204" pitchFamily="34" charset="0"/>
-            </a:endParaRPr>
-          </a:p>
-          <a:p>
-            <a:r>
-              <a:rPr lang="en-US" sz="587" dirty="0">
-                <a:solidFill>
-                  <a:schemeClr val="tx1"/>
-                </a:solidFill>
-                <a:latin typeface="Verdana" panose="020B0604030504040204" pitchFamily="34" charset="0"/>
-                <a:ea typeface="Verdana" panose="020B0604030504040204" pitchFamily="34" charset="0"/>
-                <a:cs typeface="Verdana" panose="020B0604030504040204" pitchFamily="34" charset="0"/>
-              </a:rPr>
-              <a:t>Copyright © </a:t>
-            </a:r>
-            <a:r>
-              <a:rPr lang="en-US" sz="587" dirty="0" smtClean="0">
-                <a:solidFill>
-                  <a:schemeClr val="tx1"/>
-                </a:solidFill>
-                <a:latin typeface="Verdana" panose="020B0604030504040204" pitchFamily="34" charset="0"/>
-                <a:ea typeface="Verdana" panose="020B0604030504040204" pitchFamily="34" charset="0"/>
-                <a:cs typeface="Verdana" panose="020B0604030504040204" pitchFamily="34" charset="0"/>
-              </a:rPr>
-              <a:t>2015 </a:t>
-            </a:r>
-            <a:r>
-              <a:rPr lang="en-US" sz="587" dirty="0">
-                <a:solidFill>
-                  <a:schemeClr val="tx1"/>
-                </a:solidFill>
-                <a:latin typeface="Verdana" panose="020B0604030504040204" pitchFamily="34" charset="0"/>
-                <a:ea typeface="Verdana" panose="020B0604030504040204" pitchFamily="34" charset="0"/>
-                <a:cs typeface="Verdana" panose="020B0604030504040204" pitchFamily="34" charset="0"/>
-              </a:rPr>
-              <a:t>Intel Corporation. All rights reserved. Intel, the Intel logo, Xeon, </a:t>
-            </a:r>
-            <a:r>
-              <a:rPr lang="en-US" sz="587" dirty="0" smtClean="0">
-                <a:solidFill>
-                  <a:schemeClr val="tx1"/>
-                </a:solidFill>
-                <a:latin typeface="Verdana" panose="020B0604030504040204" pitchFamily="34" charset="0"/>
-                <a:ea typeface="Verdana" panose="020B0604030504040204" pitchFamily="34" charset="0"/>
-                <a:cs typeface="Verdana" panose="020B0604030504040204" pitchFamily="34" charset="0"/>
-              </a:rPr>
-              <a:t>and Xeon Phi are </a:t>
-            </a:r>
-            <a:r>
-              <a:rPr lang="en-US" sz="587" dirty="0">
-                <a:solidFill>
-                  <a:schemeClr val="tx1"/>
-                </a:solidFill>
-                <a:latin typeface="Verdana" panose="020B0604030504040204" pitchFamily="34" charset="0"/>
-                <a:ea typeface="Verdana" panose="020B0604030504040204" pitchFamily="34" charset="0"/>
-                <a:cs typeface="Verdana" panose="020B0604030504040204" pitchFamily="34" charset="0"/>
-              </a:rPr>
-              <a:t>trademarks of Intel Corporation in the U.S. and other countries. </a:t>
-            </a:r>
-            <a:br>
-              <a:rPr lang="en-US" sz="587" dirty="0">
-                <a:solidFill>
-                  <a:schemeClr val="tx1"/>
-                </a:solidFill>
-                <a:latin typeface="Verdana" panose="020B0604030504040204" pitchFamily="34" charset="0"/>
-                <a:ea typeface="Verdana" panose="020B0604030504040204" pitchFamily="34" charset="0"/>
-                <a:cs typeface="Verdana" panose="020B0604030504040204" pitchFamily="34" charset="0"/>
-              </a:rPr>
-            </a:br>
-            <a:r>
-              <a:rPr lang="en-US" sz="587" dirty="0">
-                <a:solidFill>
-                  <a:schemeClr val="tx1"/>
-                </a:solidFill>
-                <a:latin typeface="Verdana" panose="020B0604030504040204" pitchFamily="34" charset="0"/>
-                <a:ea typeface="Verdana" panose="020B0604030504040204" pitchFamily="34" charset="0"/>
-                <a:cs typeface="Verdana" panose="020B0604030504040204" pitchFamily="34" charset="0"/>
-              </a:rPr>
-              <a:t>*Other names and brands may be claimed as the property of others. </a:t>
-            </a:r>
-          </a:p>
-          <a:p>
-            <a:endParaRPr lang="en-US" sz="587" dirty="0">
-              <a:solidFill>
-                <a:schemeClr val="tx1"/>
-              </a:solidFill>
-              <a:latin typeface="Verdana" panose="020B0604030504040204" pitchFamily="34" charset="0"/>
-              <a:ea typeface="Verdana" panose="020B0604030504040204" pitchFamily="34" charset="0"/>
-              <a:cs typeface="Verdana" panose="020B0604030504040204" pitchFamily="34" charset="0"/>
-            </a:endParaRPr>
-          </a:p>
-        </p:txBody>
-      </p:sp>
-      <p:graphicFrame>
-        <p:nvGraphicFramePr>
-          <p:cNvPr id="14" name="Table 13"/>
-          <p:cNvGraphicFramePr>
-            <a:graphicFrameLocks noGrp="1"/>
-          </p:cNvGraphicFramePr>
-          <p:nvPr>
-            <p:extLst/>
-          </p:nvPr>
-        </p:nvGraphicFramePr>
-        <p:xfrm>
-          <a:off x="1290659" y="2413636"/>
-          <a:ext cx="4488318" cy="937779"/>
-        </p:xfrm>
-        <a:graphic>
-          <a:graphicData uri="http://schemas.openxmlformats.org/drawingml/2006/table">
-            <a:tbl>
-              <a:tblPr/>
-              <a:tblGrid>
-                <a:gridCol w="4488318"/>
-              </a:tblGrid>
-              <a:tr h="143030">
-                <a:tc>
-                  <a:txBody>
-                    <a:bodyPr/>
-                    <a:lstStyle>
-                      <a:lvl1pPr marL="0" algn="l" defTabSz="345232" rtl="0" eaLnBrk="1" latinLnBrk="0" hangingPunct="1">
-                        <a:defRPr sz="1400" kern="1200">
-                          <a:solidFill>
-                            <a:schemeClr val="tx1"/>
-                          </a:solidFill>
-                          <a:latin typeface="Calibri"/>
-                          <a:ea typeface=""/>
-                          <a:cs typeface=""/>
-                        </a:defRPr>
-                      </a:lvl1pPr>
-                      <a:lvl2pPr marL="345232" algn="l" defTabSz="345232" rtl="0" eaLnBrk="1" latinLnBrk="0" hangingPunct="1">
-                        <a:defRPr sz="1400" kern="1200">
-                          <a:solidFill>
-                            <a:schemeClr val="tx1"/>
-                          </a:solidFill>
-                          <a:latin typeface="Calibri"/>
-                          <a:ea typeface=""/>
-                          <a:cs typeface=""/>
-                        </a:defRPr>
-                      </a:lvl2pPr>
-                      <a:lvl3pPr marL="690463" algn="l" defTabSz="345232" rtl="0" eaLnBrk="1" latinLnBrk="0" hangingPunct="1">
-                        <a:defRPr sz="1400" kern="1200">
-                          <a:solidFill>
-                            <a:schemeClr val="tx1"/>
-                          </a:solidFill>
-                          <a:latin typeface="Calibri"/>
-                          <a:ea typeface=""/>
-                          <a:cs typeface=""/>
-                        </a:defRPr>
-                      </a:lvl3pPr>
-                      <a:lvl4pPr marL="1035695" algn="l" defTabSz="345232" rtl="0" eaLnBrk="1" latinLnBrk="0" hangingPunct="1">
-                        <a:defRPr sz="1400" kern="1200">
-                          <a:solidFill>
-                            <a:schemeClr val="tx1"/>
-                          </a:solidFill>
-                          <a:latin typeface="Calibri"/>
-                          <a:ea typeface=""/>
-                          <a:cs typeface=""/>
-                        </a:defRPr>
-                      </a:lvl4pPr>
-                      <a:lvl5pPr marL="1380927" algn="l" defTabSz="345232" rtl="0" eaLnBrk="1" latinLnBrk="0" hangingPunct="1">
-                        <a:defRPr sz="1400" kern="1200">
-                          <a:solidFill>
-                            <a:schemeClr val="tx1"/>
-                          </a:solidFill>
-                          <a:latin typeface="Calibri"/>
-                          <a:ea typeface=""/>
-                          <a:cs typeface=""/>
-                        </a:defRPr>
-                      </a:lvl5pPr>
-                      <a:lvl6pPr marL="1726159" algn="l" defTabSz="345232" rtl="0" eaLnBrk="1" latinLnBrk="0" hangingPunct="1">
-                        <a:defRPr sz="1400" kern="1200">
-                          <a:solidFill>
-                            <a:schemeClr val="tx1"/>
-                          </a:solidFill>
-                          <a:latin typeface="Calibri"/>
-                          <a:ea typeface=""/>
-                          <a:cs typeface=""/>
-                        </a:defRPr>
-                      </a:lvl6pPr>
-                      <a:lvl7pPr marL="2071390" algn="l" defTabSz="345232" rtl="0" eaLnBrk="1" latinLnBrk="0" hangingPunct="1">
-                        <a:defRPr sz="1400" kern="1200">
-                          <a:solidFill>
-                            <a:schemeClr val="tx1"/>
-                          </a:solidFill>
-                          <a:latin typeface="Calibri"/>
-                          <a:ea typeface=""/>
-                          <a:cs typeface=""/>
-                        </a:defRPr>
-                      </a:lvl7pPr>
-                      <a:lvl8pPr marL="2416622" algn="l" defTabSz="345232" rtl="0" eaLnBrk="1" latinLnBrk="0" hangingPunct="1">
-                        <a:defRPr sz="1400" kern="1200">
-                          <a:solidFill>
-                            <a:schemeClr val="tx1"/>
-                          </a:solidFill>
-                          <a:latin typeface="Calibri"/>
-                          <a:ea typeface=""/>
-                          <a:cs typeface=""/>
-                        </a:defRPr>
-                      </a:lvl8pPr>
-                      <a:lvl9pPr marL="2761854" algn="l" defTabSz="345232" rtl="0" eaLnBrk="1" latinLnBrk="0" hangingPunct="1">
-                        <a:defRPr sz="1400" kern="1200">
-                          <a:solidFill>
-                            <a:schemeClr val="tx1"/>
-                          </a:solidFill>
-                          <a:latin typeface="Calibri"/>
-                          <a:ea typeface=""/>
-                          <a:cs typeface=""/>
-                        </a:defRPr>
-                      </a:lvl9pPr>
-                    </a:lstStyle>
-                    <a:p>
-                      <a:pPr marL="0" marR="0" lvl="0" indent="0" algn="l" defTabSz="914400" rtl="0" eaLnBrk="1" fontAlgn="base" latinLnBrk="0" hangingPunct="1">
-                        <a:lnSpc>
-                          <a:spcPct val="100000"/>
-                        </a:lnSpc>
-                        <a:spcBef>
-                          <a:spcPct val="0"/>
-                        </a:spcBef>
-                        <a:spcAft>
-                          <a:spcPct val="0"/>
-                        </a:spcAft>
-                        <a:buClrTx/>
-                        <a:buSzTx/>
-                        <a:buFontTx/>
-                        <a:buNone/>
-                        <a:tabLst/>
-                      </a:pPr>
-                      <a:r>
-                        <a:rPr kumimoji="0" lang="en-US" sz="600" b="1" i="0" u="none" strike="noStrike" cap="none" normalizeH="0" baseline="0" dirty="0" smtClean="0">
-                          <a:ln>
-                            <a:noFill/>
-                          </a:ln>
-                          <a:solidFill>
-                            <a:srgbClr val="FFFFFF"/>
-                          </a:solidFill>
-                          <a:effectLst/>
-                          <a:latin typeface="Verdana" panose="020B0604030504040204" pitchFamily="34" charset="0"/>
-                          <a:ea typeface="Verdana" panose="020B0604030504040204" pitchFamily="34" charset="0"/>
-                          <a:cs typeface="Verdana" panose="020B0604030504040204" pitchFamily="34" charset="0"/>
-                        </a:rPr>
-                        <a:t>Optimization Notice</a:t>
-                      </a:r>
-                    </a:p>
-                  </a:txBody>
-                  <a:tcPr marL="53636" marR="53636" marT="26818" marB="26818" horzOverflow="overflow">
-                    <a:lnL w="12700" cap="flat" cmpd="sng" algn="ctr">
-                      <a:solidFill>
-                        <a:srgbClr val="000000"/>
-                      </a:solidFill>
-                      <a:prstDash val="solid"/>
-                      <a:round/>
-                      <a:headEnd type="none" w="med" len="med"/>
-                      <a:tailEnd type="none" w="med" len="med"/>
-                    </a:lnL>
-                    <a:lnR w="12700" cap="flat" cmpd="sng" algn="ctr">
-                      <a:solidFill>
-                        <a:srgbClr val="000000"/>
-                      </a:solidFill>
-                      <a:prstDash val="solid"/>
-                      <a:round/>
-                      <a:headEnd type="none" w="med" len="med"/>
-                      <a:tailEnd type="none" w="med" len="med"/>
-                    </a:lnR>
-                    <a:lnT w="12700" cap="flat" cmpd="sng" algn="ctr">
-                      <a:solidFill>
-                        <a:srgbClr val="000000"/>
-                      </a:solidFill>
-                      <a:prstDash val="solid"/>
-                      <a:round/>
-                      <a:headEnd type="none" w="med" len="med"/>
-                      <a:tailEnd type="none" w="med" len="med"/>
-                    </a:lnT>
-                    <a:lnB w="12700" cap="flat" cmpd="sng" algn="ctr">
-                      <a:solidFill>
-                        <a:srgbClr val="000000"/>
-                      </a:solidFill>
-                      <a:prstDash val="solid"/>
-                      <a:round/>
-                      <a:headEnd type="none" w="med" len="med"/>
-                      <a:tailEnd type="none" w="med" len="med"/>
-                    </a:lnB>
-                    <a:lnTlToBr>
-                      <a:noFill/>
-                    </a:lnTlToBr>
-                    <a:lnBlToTr>
-                      <a:noFill/>
-                    </a:lnBlToTr>
-                    <a:solidFill>
-                      <a:srgbClr val="000000">
-                        <a:lumMod val="50000"/>
-                        <a:lumOff val="50000"/>
-                      </a:srgbClr>
-                    </a:solidFill>
-                  </a:tcPr>
-                </a:tc>
-              </a:tr>
-              <a:tr h="792703">
-                <a:tc>
-                  <a:txBody>
-                    <a:bodyPr/>
-                    <a:lstStyle>
-                      <a:lvl1pPr marL="0" algn="l" defTabSz="345232" rtl="0" eaLnBrk="1" latinLnBrk="0" hangingPunct="1">
-                        <a:defRPr sz="1400" kern="1200">
-                          <a:solidFill>
-                            <a:schemeClr val="tx1"/>
-                          </a:solidFill>
-                          <a:latin typeface="Calibri"/>
-                          <a:ea typeface=""/>
-                          <a:cs typeface=""/>
-                        </a:defRPr>
-                      </a:lvl1pPr>
-                      <a:lvl2pPr marL="345232" algn="l" defTabSz="345232" rtl="0" eaLnBrk="1" latinLnBrk="0" hangingPunct="1">
-                        <a:defRPr sz="1400" kern="1200">
-                          <a:solidFill>
-                            <a:schemeClr val="tx1"/>
-                          </a:solidFill>
-                          <a:latin typeface="Calibri"/>
-                          <a:ea typeface=""/>
-                          <a:cs typeface=""/>
-                        </a:defRPr>
-                      </a:lvl2pPr>
-                      <a:lvl3pPr marL="690463" algn="l" defTabSz="345232" rtl="0" eaLnBrk="1" latinLnBrk="0" hangingPunct="1">
-                        <a:defRPr sz="1400" kern="1200">
-                          <a:solidFill>
-                            <a:schemeClr val="tx1"/>
-                          </a:solidFill>
-                          <a:latin typeface="Calibri"/>
-                          <a:ea typeface=""/>
-                          <a:cs typeface=""/>
-                        </a:defRPr>
-                      </a:lvl3pPr>
-                      <a:lvl4pPr marL="1035695" algn="l" defTabSz="345232" rtl="0" eaLnBrk="1" latinLnBrk="0" hangingPunct="1">
-                        <a:defRPr sz="1400" kern="1200">
-                          <a:solidFill>
-                            <a:schemeClr val="tx1"/>
-                          </a:solidFill>
-                          <a:latin typeface="Calibri"/>
-                          <a:ea typeface=""/>
-                          <a:cs typeface=""/>
-                        </a:defRPr>
-                      </a:lvl4pPr>
-                      <a:lvl5pPr marL="1380927" algn="l" defTabSz="345232" rtl="0" eaLnBrk="1" latinLnBrk="0" hangingPunct="1">
-                        <a:defRPr sz="1400" kern="1200">
-                          <a:solidFill>
-                            <a:schemeClr val="tx1"/>
-                          </a:solidFill>
-                          <a:latin typeface="Calibri"/>
-                          <a:ea typeface=""/>
-                          <a:cs typeface=""/>
-                        </a:defRPr>
-                      </a:lvl5pPr>
-                      <a:lvl6pPr marL="1726159" algn="l" defTabSz="345232" rtl="0" eaLnBrk="1" latinLnBrk="0" hangingPunct="1">
-                        <a:defRPr sz="1400" kern="1200">
-                          <a:solidFill>
-                            <a:schemeClr val="tx1"/>
-                          </a:solidFill>
-                          <a:latin typeface="Calibri"/>
-                          <a:ea typeface=""/>
-                          <a:cs typeface=""/>
-                        </a:defRPr>
-                      </a:lvl6pPr>
-                      <a:lvl7pPr marL="2071390" algn="l" defTabSz="345232" rtl="0" eaLnBrk="1" latinLnBrk="0" hangingPunct="1">
-                        <a:defRPr sz="1400" kern="1200">
-                          <a:solidFill>
-                            <a:schemeClr val="tx1"/>
-                          </a:solidFill>
-                          <a:latin typeface="Calibri"/>
-                          <a:ea typeface=""/>
-                          <a:cs typeface=""/>
-                        </a:defRPr>
-                      </a:lvl7pPr>
-                      <a:lvl8pPr marL="2416622" algn="l" defTabSz="345232" rtl="0" eaLnBrk="1" latinLnBrk="0" hangingPunct="1">
-                        <a:defRPr sz="1400" kern="1200">
-                          <a:solidFill>
-                            <a:schemeClr val="tx1"/>
-                          </a:solidFill>
-                          <a:latin typeface="Calibri"/>
-                          <a:ea typeface=""/>
-                          <a:cs typeface=""/>
-                        </a:defRPr>
-                      </a:lvl8pPr>
-                      <a:lvl9pPr marL="2761854" algn="l" defTabSz="345232" rtl="0" eaLnBrk="1" latinLnBrk="0" hangingPunct="1">
-                        <a:defRPr sz="1400" kern="1200">
-                          <a:solidFill>
-                            <a:schemeClr val="tx1"/>
-                          </a:solidFill>
-                          <a:latin typeface="Calibri"/>
-                          <a:ea typeface=""/>
-                          <a:cs typeface=""/>
-                        </a:defRPr>
-                      </a:lvl9pPr>
-                    </a:lstStyle>
-                    <a:p>
-                      <a:pPr marL="0" marR="0" lvl="0" indent="0" algn="l" defTabSz="914400" rtl="0" eaLnBrk="1" fontAlgn="base" latinLnBrk="0" hangingPunct="1">
-                        <a:lnSpc>
-                          <a:spcPct val="100000"/>
-                        </a:lnSpc>
-                        <a:spcBef>
-                          <a:spcPct val="0"/>
-                        </a:spcBef>
-                        <a:spcAft>
-                          <a:spcPct val="0"/>
-                        </a:spcAft>
-                        <a:buClrTx/>
-                        <a:buSzTx/>
-                        <a:buFontTx/>
-                        <a:buNone/>
-                        <a:tabLst/>
-                      </a:pPr>
-                      <a:r>
-                        <a:rPr kumimoji="0" lang="en-US" sz="600" b="0" i="0" u="none" strike="noStrike" cap="none" normalizeH="0" baseline="0" dirty="0" smtClean="0">
-                          <a:ln>
-                            <a:noFill/>
-                          </a:ln>
-                          <a:solidFill>
-                            <a:srgbClr val="000000"/>
-                          </a:solidFill>
-                          <a:effectLst/>
-                          <a:latin typeface="Verdana" panose="020B0604030504040204" pitchFamily="34" charset="0"/>
-                          <a:ea typeface="Verdana" panose="020B0604030504040204" pitchFamily="34" charset="0"/>
-                          <a:cs typeface="Verdana" panose="020B0604030504040204" pitchFamily="34" charset="0"/>
-                        </a:rPr>
-                        <a:t>Intel</a:t>
-                      </a:r>
-                      <a:r>
-                        <a:rPr kumimoji="0" lang="en-US" altLang="en-US" sz="600" b="0" i="0" u="none" strike="noStrike" cap="none" normalizeH="0" baseline="0" dirty="0" smtClean="0">
-                          <a:ln>
-                            <a:noFill/>
-                          </a:ln>
-                          <a:solidFill>
-                            <a:srgbClr val="000000"/>
-                          </a:solidFill>
-                          <a:effectLst/>
-                          <a:latin typeface="Verdana" panose="020B0604030504040204" pitchFamily="34" charset="0"/>
-                          <a:ea typeface="Verdana" panose="020B0604030504040204" pitchFamily="34" charset="0"/>
-                          <a:cs typeface="Verdana" panose="020B0604030504040204" pitchFamily="34" charset="0"/>
-                        </a:rPr>
-                        <a:t>’</a:t>
-                      </a:r>
-                      <a:r>
-                        <a:rPr kumimoji="0" lang="en-US" sz="600" b="0" i="0" u="none" strike="noStrike" cap="none" normalizeH="0" baseline="0" dirty="0" smtClean="0">
-                          <a:ln>
-                            <a:noFill/>
-                          </a:ln>
-                          <a:solidFill>
-                            <a:srgbClr val="000000"/>
-                          </a:solidFill>
-                          <a:effectLst/>
-                          <a:latin typeface="Verdana" panose="020B0604030504040204" pitchFamily="34" charset="0"/>
-                          <a:ea typeface="Verdana" panose="020B0604030504040204" pitchFamily="34" charset="0"/>
-                          <a:cs typeface="Verdana" panose="020B0604030504040204" pitchFamily="34" charset="0"/>
-                        </a:rPr>
-                        <a:t>s compilers may or may not optimize to the same degree for non-Intel microprocessors for optimizations that are not unique to Intel microprocessors. These optimizations include SSE2, SSE3, and SSSE3 instruction sets and other optimizations. Intel does not guarantee the availability, functionality, or effectiveness of any optimization on microprocessors not manufactured by Intel. Microprocessor-dependent optimizations in this product are intended for use with Intel microprocessors. Certain optimizations not specific to Intel microarchitecture are reserved for Intel microprocessors. Please refer to the applicable product User and Reference Guides for more information regarding the specific instruction sets covered by this notice.</a:t>
-                      </a:r>
-                    </a:p>
-                    <a:p>
-                      <a:pPr marL="0" marR="0" lvl="0" indent="0" algn="r" defTabSz="914400" rtl="0" eaLnBrk="1" fontAlgn="base" latinLnBrk="0" hangingPunct="1">
-                        <a:lnSpc>
-                          <a:spcPct val="100000"/>
-                        </a:lnSpc>
-                        <a:spcBef>
-                          <a:spcPct val="0"/>
-                        </a:spcBef>
-                        <a:spcAft>
-                          <a:spcPct val="0"/>
-                        </a:spcAft>
-                        <a:buClrTx/>
-                        <a:buSzTx/>
-                        <a:buFontTx/>
-                        <a:buNone/>
-                        <a:tabLst/>
-                      </a:pPr>
-                      <a:r>
-                        <a:rPr kumimoji="0" lang="en-US" sz="600" b="0" i="0" u="none" strike="noStrike" cap="none" normalizeH="0" baseline="0" dirty="0" smtClean="0">
-                          <a:ln>
-                            <a:noFill/>
-                          </a:ln>
-                          <a:solidFill>
-                            <a:srgbClr val="000000"/>
-                          </a:solidFill>
-                          <a:effectLst/>
-                          <a:latin typeface="Verdana" panose="020B0604030504040204" pitchFamily="34" charset="0"/>
-                          <a:ea typeface="Verdana" panose="020B0604030504040204" pitchFamily="34" charset="0"/>
-                          <a:cs typeface="Verdana" panose="020B0604030504040204" pitchFamily="34" charset="0"/>
-                        </a:rPr>
-                        <a:t>Notice revision #20110804</a:t>
-                      </a:r>
-                    </a:p>
-                  </a:txBody>
-                  <a:tcPr marL="53636" marR="53636" marT="26818" marB="26818" horzOverflow="overflow">
-                    <a:lnL w="12700" cap="flat" cmpd="sng" algn="ctr">
-                      <a:solidFill>
-                        <a:srgbClr val="000000"/>
-                      </a:solidFill>
-                      <a:prstDash val="solid"/>
-                      <a:round/>
-                      <a:headEnd type="none" w="med" len="med"/>
-                      <a:tailEnd type="none" w="med" len="med"/>
-                    </a:lnL>
-                    <a:lnR w="12700" cap="flat" cmpd="sng" algn="ctr">
-                      <a:solidFill>
-                        <a:srgbClr val="000000"/>
-                      </a:solidFill>
-                      <a:prstDash val="solid"/>
-                      <a:round/>
-                      <a:headEnd type="none" w="med" len="med"/>
-                      <a:tailEnd type="none" w="med" len="med"/>
-                    </a:lnR>
-                    <a:lnT w="12700" cap="flat" cmpd="sng" algn="ctr">
-                      <a:solidFill>
-                        <a:srgbClr val="000000"/>
-                      </a:solidFill>
-                      <a:prstDash val="solid"/>
-                      <a:round/>
-                      <a:headEnd type="none" w="med" len="med"/>
-                      <a:tailEnd type="none" w="med" len="med"/>
-                    </a:lnT>
-                    <a:lnB w="12700" cap="flat" cmpd="sng" algn="ctr">
-                      <a:solidFill>
-                        <a:srgbClr val="000000"/>
-                      </a:solidFill>
-                      <a:prstDash val="solid"/>
-                      <a:round/>
-                      <a:headEnd type="none" w="med" len="med"/>
-                      <a:tailEnd type="none" w="med" len="med"/>
-                    </a:lnB>
-                    <a:lnTlToBr>
-                      <a:noFill/>
-                    </a:lnTlToBr>
-                    <a:lnBlToTr>
-                      <a:noFill/>
-                    </a:lnBlToTr>
-                    <a:solidFill>
-                      <a:srgbClr val="FFFFFF">
-                        <a:lumMod val="75000"/>
-                      </a:srgbClr>
-                    </a:solidFill>
-                  </a:tcPr>
-                </a:tc>
-              </a:tr>
-            </a:tbl>
-          </a:graphicData>
-        </a:graphic>
-      </p:graphicFrame>
-    </p:spTree>
-    <p:extLst>
-      <p:ext uri="{BB962C8B-B14F-4D97-AF65-F5344CB8AC3E}">
-        <p14:creationId xmlns:p14="http://schemas.microsoft.com/office/powerpoint/2010/main" val="3614423554"/>
-      </p:ext>
-    </p:extLst>
-  </p:cSld>
-  <p:clrMapOvr>
-    <a:masterClrMapping/>
-  </p:clrMapOvr>
-  <mc:AlternateContent xmlns:mc="http://schemas.openxmlformats.org/markup-compatibility/2006" xmlns:p14="http://schemas.microsoft.com/office/powerpoint/2010/main">
-    <mc:Choice Requires="p14">
-      <p:transition spd="slow" p14:dur="2000"/>
-    </mc:Choice>
-    <mc:Fallback xmlns="">
-      <p:transition spd="slow"/>
-    </mc:Fallback>
-  </mc:AlternateContent>
-  <p:timing>
-    <p:tnLst>
-      <p:par>
-        <p:cTn id="1" dur="indefinite" restart="never" nodeType="tmRoot"/>
-      </p:par>
-    </p:tnLst>
-  </p:timing>
-</p:sld>
-</file>
-
-<file path=ppt/slides/slide20.xml><?xml version="1.0" encoding="utf-8"?>
-<p:sld xmlns:a="http://schemas.openxmlformats.org/drawingml/2006/main" xmlns:r="http://schemas.openxmlformats.org/officeDocument/2006/relationships" xmlns:p="http://schemas.openxmlformats.org/presentationml/2006/main" show="0">
   <p:cSld>
     <p:spTree>
       <p:nvGrpSpPr>
@@ -34532,48 +33634,6 @@
           </p:style>
         </p:cxnSp>
       </p:grpSp>
-      <p:sp>
-        <p:nvSpPr>
-          <p:cNvPr id="11" name="Explosion 2 10"/>
-          <p:cNvSpPr/>
-          <p:nvPr/>
-        </p:nvSpPr>
-        <p:spPr>
-          <a:xfrm>
-            <a:off x="5295847" y="0"/>
-            <a:ext cx="1836000" cy="1134000"/>
-          </a:xfrm>
-          <a:prstGeom prst="irregularSeal2">
-            <a:avLst/>
-          </a:prstGeom>
-        </p:spPr>
-        <p:style>
-          <a:lnRef idx="1">
-            <a:schemeClr val="accent1"/>
-          </a:lnRef>
-          <a:fillRef idx="3">
-            <a:schemeClr val="accent1"/>
-          </a:fillRef>
-          <a:effectRef idx="2">
-            <a:schemeClr val="accent1"/>
-          </a:effectRef>
-          <a:fontRef idx="minor">
-            <a:schemeClr val="lt1"/>
-          </a:fontRef>
-        </p:style>
-        <p:txBody>
-          <a:bodyPr rtlCol="0" anchor="ctr"/>
-          <a:lstStyle/>
-          <a:p>
-            <a:pPr algn="ctr"/>
-            <a:r>
-              <a:rPr lang="en-US" dirty="0" smtClean="0"/>
-              <a:t>TODO</a:t>
-            </a:r>
-            <a:endParaRPr lang="en-US" dirty="0"/>
-          </a:p>
-        </p:txBody>
-      </p:sp>
     </p:spTree>
     <p:extLst>
       <p:ext uri="{BB962C8B-B14F-4D97-AF65-F5344CB8AC3E}">
@@ -34584,11 +33644,11 @@
   <p:clrMapOvr>
     <a:masterClrMapping/>
   </p:clrMapOvr>
-  <mc:AlternateContent xmlns:mc="http://schemas.openxmlformats.org/markup-compatibility/2006" xmlns:p14="http://schemas.microsoft.com/office/powerpoint/2010/main">
-    <mc:Choice Requires="p14">
+  <mc:AlternateContent xmlns:mc="http://schemas.openxmlformats.org/markup-compatibility/2006">
+    <mc:Choice xmlns:p14="http://schemas.microsoft.com/office/powerpoint/2010/main" Requires="p14">
       <p:transition spd="slow" p14:dur="2000"/>
     </mc:Choice>
-    <mc:Fallback xmlns="">
+    <mc:Fallback>
       <p:transition spd="slow"/>
     </mc:Fallback>
   </mc:AlternateContent>
@@ -35154,7 +34214,885 @@
 </p:sld>
 </file>
 
-<file path=ppt/slides/slide21.xml><?xml version="1.0" encoding="utf-8"?>
+<file path=ppt/slides/slide2.xml><?xml version="1.0" encoding="utf-8"?>
+<p:sld xmlns:a="http://schemas.openxmlformats.org/drawingml/2006/main" xmlns:r="http://schemas.openxmlformats.org/officeDocument/2006/relationships" xmlns:p="http://schemas.openxmlformats.org/presentationml/2006/main">
+  <p:cSld>
+    <p:spTree>
+      <p:nvGrpSpPr>
+        <p:cNvPr id="1" name=""/>
+        <p:cNvGrpSpPr/>
+        <p:nvPr/>
+      </p:nvGrpSpPr>
+      <p:grpSpPr>
+        <a:xfrm>
+          <a:off x="0" y="0"/>
+          <a:ext cx="0" cy="0"/>
+          <a:chOff x="0" y="0"/>
+          <a:chExt cx="0" cy="0"/>
+        </a:xfrm>
+      </p:grpSpPr>
+      <p:sp>
+        <p:nvSpPr>
+          <p:cNvPr id="3" name="Title 2"/>
+          <p:cNvSpPr>
+            <a:spLocks noGrp="1"/>
+          </p:cNvSpPr>
+          <p:nvPr>
+            <p:ph type="title"/>
+          </p:nvPr>
+        </p:nvSpPr>
+        <p:spPr/>
+        <p:txBody>
+          <a:bodyPr>
+            <a:normAutofit/>
+          </a:bodyPr>
+          <a:lstStyle/>
+          <a:p>
+            <a:r>
+              <a:rPr lang="en-US" dirty="0">
+                <a:latin typeface="Verdana" panose="020B0604030504040204" pitchFamily="34" charset="0"/>
+                <a:ea typeface="Verdana" panose="020B0604030504040204" pitchFamily="34" charset="0"/>
+                <a:cs typeface="Verdana" panose="020B0604030504040204" pitchFamily="34" charset="0"/>
+              </a:rPr>
+              <a:t>Legal Disclaimer &amp; Optimization Notice</a:t>
+            </a:r>
+            <a:endParaRPr lang="en-US" dirty="0"/>
+          </a:p>
+        </p:txBody>
+      </p:sp>
+      <p:sp>
+        <p:nvSpPr>
+          <p:cNvPr id="13" name="Content Placeholder 5"/>
+          <p:cNvSpPr txBox="1">
+            <a:spLocks/>
+          </p:cNvSpPr>
+          <p:nvPr/>
+        </p:nvSpPr>
+        <p:spPr>
+          <a:xfrm>
+            <a:off x="1162209" y="804546"/>
+            <a:ext cx="4827270" cy="2654813"/>
+          </a:xfrm>
+          <a:prstGeom prst="rect">
+            <a:avLst/>
+          </a:prstGeom>
+        </p:spPr>
+        <p:txBody>
+          <a:bodyPr vert="horz" lIns="69046" tIns="34523" rIns="69046" bIns="34523" rtlCol="0">
+            <a:normAutofit/>
+          </a:bodyPr>
+          <a:lstStyle>
+            <a:lvl1pPr marL="0" indent="0" algn="l" defTabSz="345232" rtl="0" eaLnBrk="1" latinLnBrk="0" hangingPunct="1">
+              <a:spcBef>
+                <a:spcPct val="20000"/>
+              </a:spcBef>
+              <a:buClr>
+                <a:schemeClr val="accent1"/>
+              </a:buClr>
+              <a:buFont typeface="Arial"/>
+              <a:buNone/>
+              <a:defRPr sz="1800" kern="1200">
+                <a:solidFill>
+                  <a:srgbClr val="FFFFFF"/>
+                </a:solidFill>
+                <a:latin typeface="Verdana"/>
+                <a:ea typeface="+mn-ea"/>
+                <a:cs typeface="Verdana"/>
+              </a:defRPr>
+            </a:lvl1pPr>
+            <a:lvl2pPr marL="345232" indent="0" algn="l" defTabSz="345232" rtl="0" eaLnBrk="1" latinLnBrk="0" hangingPunct="1">
+              <a:spcBef>
+                <a:spcPct val="20000"/>
+              </a:spcBef>
+              <a:buClr>
+                <a:schemeClr val="accent1"/>
+              </a:buClr>
+              <a:buFont typeface="Arial"/>
+              <a:buNone/>
+              <a:defRPr sz="1800" kern="1200">
+                <a:solidFill>
+                  <a:srgbClr val="FFFFFF"/>
+                </a:solidFill>
+                <a:latin typeface="Verdana"/>
+                <a:ea typeface="+mn-ea"/>
+                <a:cs typeface="Verdana"/>
+              </a:defRPr>
+            </a:lvl2pPr>
+            <a:lvl3pPr marL="690463" indent="0" algn="l" defTabSz="345232" rtl="0" eaLnBrk="1" latinLnBrk="0" hangingPunct="1">
+              <a:spcBef>
+                <a:spcPct val="20000"/>
+              </a:spcBef>
+              <a:buClr>
+                <a:schemeClr val="accent1"/>
+              </a:buClr>
+              <a:buFont typeface="Arial"/>
+              <a:buNone/>
+              <a:defRPr sz="1400" kern="1200">
+                <a:solidFill>
+                  <a:srgbClr val="FFFFFF"/>
+                </a:solidFill>
+                <a:latin typeface="Verdana"/>
+                <a:ea typeface="+mn-ea"/>
+                <a:cs typeface="Verdana"/>
+              </a:defRPr>
+            </a:lvl3pPr>
+            <a:lvl4pPr marL="1035695" indent="0" algn="l" defTabSz="345232" rtl="0" eaLnBrk="1" latinLnBrk="0" hangingPunct="1">
+              <a:spcBef>
+                <a:spcPct val="20000"/>
+              </a:spcBef>
+              <a:buClr>
+                <a:schemeClr val="accent1"/>
+              </a:buClr>
+              <a:buFont typeface="Arial"/>
+              <a:buNone/>
+              <a:defRPr sz="1100" kern="1200">
+                <a:solidFill>
+                  <a:srgbClr val="FFFFFF"/>
+                </a:solidFill>
+                <a:latin typeface="Verdana"/>
+                <a:ea typeface="+mn-ea"/>
+                <a:cs typeface="Verdana"/>
+              </a:defRPr>
+            </a:lvl4pPr>
+            <a:lvl5pPr marL="1380927" indent="0" algn="l" defTabSz="345232" rtl="0" eaLnBrk="1" latinLnBrk="0" hangingPunct="1">
+              <a:spcBef>
+                <a:spcPct val="20000"/>
+              </a:spcBef>
+              <a:buClr>
+                <a:schemeClr val="accent1"/>
+              </a:buClr>
+              <a:buFont typeface="Arial"/>
+              <a:buNone/>
+              <a:defRPr sz="1500" kern="1200">
+                <a:solidFill>
+                  <a:srgbClr val="FFFFFF"/>
+                </a:solidFill>
+                <a:latin typeface="Verdana"/>
+                <a:ea typeface="+mn-ea"/>
+                <a:cs typeface="Verdana"/>
+              </a:defRPr>
+            </a:lvl5pPr>
+            <a:lvl6pPr marL="1898774" indent="-172616" algn="l" defTabSz="345232" rtl="0" eaLnBrk="1" latinLnBrk="0" hangingPunct="1">
+              <a:spcBef>
+                <a:spcPct val="20000"/>
+              </a:spcBef>
+              <a:buFont typeface="Arial"/>
+              <a:buChar char="•"/>
+              <a:defRPr sz="1500" kern="1200">
+                <a:solidFill>
+                  <a:schemeClr val="tx1"/>
+                </a:solidFill>
+                <a:latin typeface="+mn-lt"/>
+                <a:ea typeface="+mn-ea"/>
+                <a:cs typeface="+mn-cs"/>
+              </a:defRPr>
+            </a:lvl6pPr>
+            <a:lvl7pPr marL="2244006" indent="-172616" algn="l" defTabSz="345232" rtl="0" eaLnBrk="1" latinLnBrk="0" hangingPunct="1">
+              <a:spcBef>
+                <a:spcPct val="20000"/>
+              </a:spcBef>
+              <a:buFont typeface="Arial"/>
+              <a:buChar char="•"/>
+              <a:defRPr sz="1500" kern="1200">
+                <a:solidFill>
+                  <a:schemeClr val="tx1"/>
+                </a:solidFill>
+                <a:latin typeface="+mn-lt"/>
+                <a:ea typeface="+mn-ea"/>
+                <a:cs typeface="+mn-cs"/>
+              </a:defRPr>
+            </a:lvl7pPr>
+            <a:lvl8pPr marL="2589238" indent="-172616" algn="l" defTabSz="345232" rtl="0" eaLnBrk="1" latinLnBrk="0" hangingPunct="1">
+              <a:spcBef>
+                <a:spcPct val="20000"/>
+              </a:spcBef>
+              <a:buFont typeface="Arial"/>
+              <a:buChar char="•"/>
+              <a:defRPr sz="1500" kern="1200">
+                <a:solidFill>
+                  <a:schemeClr val="tx1"/>
+                </a:solidFill>
+                <a:latin typeface="+mn-lt"/>
+                <a:ea typeface="+mn-ea"/>
+                <a:cs typeface="+mn-cs"/>
+              </a:defRPr>
+            </a:lvl8pPr>
+            <a:lvl9pPr marL="2934470" indent="-172616" algn="l" defTabSz="345232" rtl="0" eaLnBrk="1" latinLnBrk="0" hangingPunct="1">
+              <a:spcBef>
+                <a:spcPct val="20000"/>
+              </a:spcBef>
+              <a:buFont typeface="Arial"/>
+              <a:buChar char="•"/>
+              <a:defRPr sz="1500" kern="1200">
+                <a:solidFill>
+                  <a:schemeClr val="tx1"/>
+                </a:solidFill>
+                <a:latin typeface="+mn-lt"/>
+                <a:ea typeface="+mn-ea"/>
+                <a:cs typeface="+mn-cs"/>
+              </a:defRPr>
+            </a:lvl9pPr>
+          </a:lstStyle>
+          <a:p>
+            <a:r>
+              <a:rPr lang="en-US" sz="587" dirty="0">
+                <a:solidFill>
+                  <a:schemeClr val="tx1"/>
+                </a:solidFill>
+                <a:latin typeface="Verdana" panose="020B0604030504040204" pitchFamily="34" charset="0"/>
+                <a:ea typeface="Verdana" panose="020B0604030504040204" pitchFamily="34" charset="0"/>
+                <a:cs typeface="Verdana" panose="020B0604030504040204" pitchFamily="34" charset="0"/>
+              </a:rPr>
+              <a:t>INFORMATION IN THIS DOCUMENT IS PROVIDED IN CONNECTION WITH INTEL PRODUCTS. NO LICENSE, EXPRESS OR IMPLIED, BY ESTOPPEL OR OTHERWISE, TO ANY INTELLECTUAL PROPERTY RIGHTS IS GRANTED BY THIS DOCUMENT. EXCEPT AS PROVIDED IN INTEL'S TERMS AND CONDITIONS OF SALE FOR SUCH PRODUCTS, INTEL ASSUMES NO LIABILITY WHATSOEVER AND INTEL DISCLAIMS ANY EXPRESS OR IMPLIED WARRANTY, RELATING TO SALE AND/OR USE OF INTEL PRODUCTS INCLUDING LIABILITY OR WARRANTIES RELATING TO FITNESS FOR A PARTICULAR PURPOSE, MERCHANTABILITY, OR INFRINGEMENT OF ANY PATENT, COPYRIGHT OR OTHER INTELLECTUAL PROPERTY RIGHT. </a:t>
+            </a:r>
+          </a:p>
+          <a:p>
+            <a:endParaRPr lang="en-US" sz="587" dirty="0">
+              <a:solidFill>
+                <a:schemeClr val="tx1"/>
+              </a:solidFill>
+              <a:latin typeface="Verdana" panose="020B0604030504040204" pitchFamily="34" charset="0"/>
+              <a:ea typeface="Verdana" panose="020B0604030504040204" pitchFamily="34" charset="0"/>
+              <a:cs typeface="Verdana" panose="020B0604030504040204" pitchFamily="34" charset="0"/>
+            </a:endParaRPr>
+          </a:p>
+          <a:p>
+            <a:r>
+              <a:rPr lang="en-US" sz="587" dirty="0">
+                <a:solidFill>
+                  <a:schemeClr val="tx1"/>
+                </a:solidFill>
+                <a:latin typeface="Verdana" panose="020B0604030504040204" pitchFamily="34" charset="0"/>
+                <a:ea typeface="Verdana" panose="020B0604030504040204" pitchFamily="34" charset="0"/>
+                <a:cs typeface="Verdana" panose="020B0604030504040204" pitchFamily="34" charset="0"/>
+              </a:rPr>
+              <a:t>Software and workloads used in performance tests may have been optimized for performance only on Intel microprocessors. Performance tests, such as </a:t>
+            </a:r>
+            <a:r>
+              <a:rPr lang="en-US" sz="587" dirty="0" err="1">
+                <a:solidFill>
+                  <a:schemeClr val="tx1"/>
+                </a:solidFill>
+                <a:latin typeface="Verdana" panose="020B0604030504040204" pitchFamily="34" charset="0"/>
+                <a:ea typeface="Verdana" panose="020B0604030504040204" pitchFamily="34" charset="0"/>
+                <a:cs typeface="Verdana" panose="020B0604030504040204" pitchFamily="34" charset="0"/>
+              </a:rPr>
+              <a:t>SYSmark</a:t>
+            </a:r>
+            <a:r>
+              <a:rPr lang="en-US" sz="587" dirty="0">
+                <a:solidFill>
+                  <a:schemeClr val="tx1"/>
+                </a:solidFill>
+                <a:latin typeface="Verdana" panose="020B0604030504040204" pitchFamily="34" charset="0"/>
+                <a:ea typeface="Verdana" panose="020B0604030504040204" pitchFamily="34" charset="0"/>
+                <a:cs typeface="Verdana" panose="020B0604030504040204" pitchFamily="34" charset="0"/>
+              </a:rPr>
+              <a:t> and </a:t>
+            </a:r>
+            <a:r>
+              <a:rPr lang="en-US" sz="587" dirty="0" err="1">
+                <a:solidFill>
+                  <a:schemeClr val="tx1"/>
+                </a:solidFill>
+                <a:latin typeface="Verdana" panose="020B0604030504040204" pitchFamily="34" charset="0"/>
+                <a:ea typeface="Verdana" panose="020B0604030504040204" pitchFamily="34" charset="0"/>
+                <a:cs typeface="Verdana" panose="020B0604030504040204" pitchFamily="34" charset="0"/>
+              </a:rPr>
+              <a:t>MobileMark</a:t>
+            </a:r>
+            <a:r>
+              <a:rPr lang="en-US" sz="587" dirty="0">
+                <a:solidFill>
+                  <a:schemeClr val="tx1"/>
+                </a:solidFill>
+                <a:latin typeface="Verdana" panose="020B0604030504040204" pitchFamily="34" charset="0"/>
+                <a:ea typeface="Verdana" panose="020B0604030504040204" pitchFamily="34" charset="0"/>
+                <a:cs typeface="Verdana" panose="020B0604030504040204" pitchFamily="34" charset="0"/>
+              </a:rPr>
+              <a:t>, are measured using specific computer systems, components, software, operations and functions. Any change to any of those factors may cause the results to vary. You should consult other information and performance tests to assist you in fully evaluating your contemplated purchases, including the performance of that product when combined with other products.</a:t>
+            </a:r>
+          </a:p>
+          <a:p>
+            <a:endParaRPr lang="en-US" sz="587" dirty="0">
+              <a:solidFill>
+                <a:schemeClr val="tx1"/>
+              </a:solidFill>
+              <a:latin typeface="Verdana" panose="020B0604030504040204" pitchFamily="34" charset="0"/>
+              <a:ea typeface="Verdana" panose="020B0604030504040204" pitchFamily="34" charset="0"/>
+              <a:cs typeface="Verdana" panose="020B0604030504040204" pitchFamily="34" charset="0"/>
+            </a:endParaRPr>
+          </a:p>
+          <a:p>
+            <a:r>
+              <a:rPr lang="en-US" sz="587" dirty="0">
+                <a:solidFill>
+                  <a:schemeClr val="tx1"/>
+                </a:solidFill>
+                <a:latin typeface="Verdana" panose="020B0604030504040204" pitchFamily="34" charset="0"/>
+                <a:ea typeface="Verdana" panose="020B0604030504040204" pitchFamily="34" charset="0"/>
+                <a:cs typeface="Verdana" panose="020B0604030504040204" pitchFamily="34" charset="0"/>
+              </a:rPr>
+              <a:t>Copyright © </a:t>
+            </a:r>
+            <a:r>
+              <a:rPr lang="en-US" sz="587" dirty="0" smtClean="0">
+                <a:solidFill>
+                  <a:schemeClr val="tx1"/>
+                </a:solidFill>
+                <a:latin typeface="Verdana" panose="020B0604030504040204" pitchFamily="34" charset="0"/>
+                <a:ea typeface="Verdana" panose="020B0604030504040204" pitchFamily="34" charset="0"/>
+                <a:cs typeface="Verdana" panose="020B0604030504040204" pitchFamily="34" charset="0"/>
+              </a:rPr>
+              <a:t>2015 </a:t>
+            </a:r>
+            <a:r>
+              <a:rPr lang="en-US" sz="587" dirty="0">
+                <a:solidFill>
+                  <a:schemeClr val="tx1"/>
+                </a:solidFill>
+                <a:latin typeface="Verdana" panose="020B0604030504040204" pitchFamily="34" charset="0"/>
+                <a:ea typeface="Verdana" panose="020B0604030504040204" pitchFamily="34" charset="0"/>
+                <a:cs typeface="Verdana" panose="020B0604030504040204" pitchFamily="34" charset="0"/>
+              </a:rPr>
+              <a:t>Intel Corporation. All rights reserved. Intel, the Intel logo, Xeon, </a:t>
+            </a:r>
+            <a:r>
+              <a:rPr lang="en-US" sz="587" dirty="0" smtClean="0">
+                <a:solidFill>
+                  <a:schemeClr val="tx1"/>
+                </a:solidFill>
+                <a:latin typeface="Verdana" panose="020B0604030504040204" pitchFamily="34" charset="0"/>
+                <a:ea typeface="Verdana" panose="020B0604030504040204" pitchFamily="34" charset="0"/>
+                <a:cs typeface="Verdana" panose="020B0604030504040204" pitchFamily="34" charset="0"/>
+              </a:rPr>
+              <a:t>and Xeon Phi are </a:t>
+            </a:r>
+            <a:r>
+              <a:rPr lang="en-US" sz="587" dirty="0">
+                <a:solidFill>
+                  <a:schemeClr val="tx1"/>
+                </a:solidFill>
+                <a:latin typeface="Verdana" panose="020B0604030504040204" pitchFamily="34" charset="0"/>
+                <a:ea typeface="Verdana" panose="020B0604030504040204" pitchFamily="34" charset="0"/>
+                <a:cs typeface="Verdana" panose="020B0604030504040204" pitchFamily="34" charset="0"/>
+              </a:rPr>
+              <a:t>trademarks of Intel Corporation in the U.S. and other countries. </a:t>
+            </a:r>
+            <a:br>
+              <a:rPr lang="en-US" sz="587" dirty="0">
+                <a:solidFill>
+                  <a:schemeClr val="tx1"/>
+                </a:solidFill>
+                <a:latin typeface="Verdana" panose="020B0604030504040204" pitchFamily="34" charset="0"/>
+                <a:ea typeface="Verdana" panose="020B0604030504040204" pitchFamily="34" charset="0"/>
+                <a:cs typeface="Verdana" panose="020B0604030504040204" pitchFamily="34" charset="0"/>
+              </a:rPr>
+            </a:br>
+            <a:r>
+              <a:rPr lang="en-US" sz="587" dirty="0">
+                <a:solidFill>
+                  <a:schemeClr val="tx1"/>
+                </a:solidFill>
+                <a:latin typeface="Verdana" panose="020B0604030504040204" pitchFamily="34" charset="0"/>
+                <a:ea typeface="Verdana" panose="020B0604030504040204" pitchFamily="34" charset="0"/>
+                <a:cs typeface="Verdana" panose="020B0604030504040204" pitchFamily="34" charset="0"/>
+              </a:rPr>
+              <a:t>*Other names and brands may be claimed as the property of others. </a:t>
+            </a:r>
+          </a:p>
+          <a:p>
+            <a:endParaRPr lang="en-US" sz="587" dirty="0">
+              <a:solidFill>
+                <a:schemeClr val="tx1"/>
+              </a:solidFill>
+              <a:latin typeface="Verdana" panose="020B0604030504040204" pitchFamily="34" charset="0"/>
+              <a:ea typeface="Verdana" panose="020B0604030504040204" pitchFamily="34" charset="0"/>
+              <a:cs typeface="Verdana" panose="020B0604030504040204" pitchFamily="34" charset="0"/>
+            </a:endParaRPr>
+          </a:p>
+        </p:txBody>
+      </p:sp>
+      <p:graphicFrame>
+        <p:nvGraphicFramePr>
+          <p:cNvPr id="14" name="Table 13"/>
+          <p:cNvGraphicFramePr>
+            <a:graphicFrameLocks noGrp="1"/>
+          </p:cNvGraphicFramePr>
+          <p:nvPr>
+            <p:extLst/>
+          </p:nvPr>
+        </p:nvGraphicFramePr>
+        <p:xfrm>
+          <a:off x="1290659" y="2413636"/>
+          <a:ext cx="4488318" cy="937779"/>
+        </p:xfrm>
+        <a:graphic>
+          <a:graphicData uri="http://schemas.openxmlformats.org/drawingml/2006/table">
+            <a:tbl>
+              <a:tblPr/>
+              <a:tblGrid>
+                <a:gridCol w="4488318"/>
+              </a:tblGrid>
+              <a:tr h="143030">
+                <a:tc>
+                  <a:txBody>
+                    <a:bodyPr/>
+                    <a:lstStyle>
+                      <a:lvl1pPr marL="0" algn="l" defTabSz="345232" rtl="0" eaLnBrk="1" latinLnBrk="0" hangingPunct="1">
+                        <a:defRPr sz="1400" kern="1200">
+                          <a:solidFill>
+                            <a:schemeClr val="tx1"/>
+                          </a:solidFill>
+                          <a:latin typeface="Calibri"/>
+                          <a:ea typeface=""/>
+                          <a:cs typeface=""/>
+                        </a:defRPr>
+                      </a:lvl1pPr>
+                      <a:lvl2pPr marL="345232" algn="l" defTabSz="345232" rtl="0" eaLnBrk="1" latinLnBrk="0" hangingPunct="1">
+                        <a:defRPr sz="1400" kern="1200">
+                          <a:solidFill>
+                            <a:schemeClr val="tx1"/>
+                          </a:solidFill>
+                          <a:latin typeface="Calibri"/>
+                          <a:ea typeface=""/>
+                          <a:cs typeface=""/>
+                        </a:defRPr>
+                      </a:lvl2pPr>
+                      <a:lvl3pPr marL="690463" algn="l" defTabSz="345232" rtl="0" eaLnBrk="1" latinLnBrk="0" hangingPunct="1">
+                        <a:defRPr sz="1400" kern="1200">
+                          <a:solidFill>
+                            <a:schemeClr val="tx1"/>
+                          </a:solidFill>
+                          <a:latin typeface="Calibri"/>
+                          <a:ea typeface=""/>
+                          <a:cs typeface=""/>
+                        </a:defRPr>
+                      </a:lvl3pPr>
+                      <a:lvl4pPr marL="1035695" algn="l" defTabSz="345232" rtl="0" eaLnBrk="1" latinLnBrk="0" hangingPunct="1">
+                        <a:defRPr sz="1400" kern="1200">
+                          <a:solidFill>
+                            <a:schemeClr val="tx1"/>
+                          </a:solidFill>
+                          <a:latin typeface="Calibri"/>
+                          <a:ea typeface=""/>
+                          <a:cs typeface=""/>
+                        </a:defRPr>
+                      </a:lvl4pPr>
+                      <a:lvl5pPr marL="1380927" algn="l" defTabSz="345232" rtl="0" eaLnBrk="1" latinLnBrk="0" hangingPunct="1">
+                        <a:defRPr sz="1400" kern="1200">
+                          <a:solidFill>
+                            <a:schemeClr val="tx1"/>
+                          </a:solidFill>
+                          <a:latin typeface="Calibri"/>
+                          <a:ea typeface=""/>
+                          <a:cs typeface=""/>
+                        </a:defRPr>
+                      </a:lvl5pPr>
+                      <a:lvl6pPr marL="1726159" algn="l" defTabSz="345232" rtl="0" eaLnBrk="1" latinLnBrk="0" hangingPunct="1">
+                        <a:defRPr sz="1400" kern="1200">
+                          <a:solidFill>
+                            <a:schemeClr val="tx1"/>
+                          </a:solidFill>
+                          <a:latin typeface="Calibri"/>
+                          <a:ea typeface=""/>
+                          <a:cs typeface=""/>
+                        </a:defRPr>
+                      </a:lvl6pPr>
+                      <a:lvl7pPr marL="2071390" algn="l" defTabSz="345232" rtl="0" eaLnBrk="1" latinLnBrk="0" hangingPunct="1">
+                        <a:defRPr sz="1400" kern="1200">
+                          <a:solidFill>
+                            <a:schemeClr val="tx1"/>
+                          </a:solidFill>
+                          <a:latin typeface="Calibri"/>
+                          <a:ea typeface=""/>
+                          <a:cs typeface=""/>
+                        </a:defRPr>
+                      </a:lvl7pPr>
+                      <a:lvl8pPr marL="2416622" algn="l" defTabSz="345232" rtl="0" eaLnBrk="1" latinLnBrk="0" hangingPunct="1">
+                        <a:defRPr sz="1400" kern="1200">
+                          <a:solidFill>
+                            <a:schemeClr val="tx1"/>
+                          </a:solidFill>
+                          <a:latin typeface="Calibri"/>
+                          <a:ea typeface=""/>
+                          <a:cs typeface=""/>
+                        </a:defRPr>
+                      </a:lvl8pPr>
+                      <a:lvl9pPr marL="2761854" algn="l" defTabSz="345232" rtl="0" eaLnBrk="1" latinLnBrk="0" hangingPunct="1">
+                        <a:defRPr sz="1400" kern="1200">
+                          <a:solidFill>
+                            <a:schemeClr val="tx1"/>
+                          </a:solidFill>
+                          <a:latin typeface="Calibri"/>
+                          <a:ea typeface=""/>
+                          <a:cs typeface=""/>
+                        </a:defRPr>
+                      </a:lvl9pPr>
+                    </a:lstStyle>
+                    <a:p>
+                      <a:pPr marL="0" marR="0" lvl="0" indent="0" algn="l" defTabSz="914400" rtl="0" eaLnBrk="1" fontAlgn="base" latinLnBrk="0" hangingPunct="1">
+                        <a:lnSpc>
+                          <a:spcPct val="100000"/>
+                        </a:lnSpc>
+                        <a:spcBef>
+                          <a:spcPct val="0"/>
+                        </a:spcBef>
+                        <a:spcAft>
+                          <a:spcPct val="0"/>
+                        </a:spcAft>
+                        <a:buClrTx/>
+                        <a:buSzTx/>
+                        <a:buFontTx/>
+                        <a:buNone/>
+                        <a:tabLst/>
+                      </a:pPr>
+                      <a:r>
+                        <a:rPr kumimoji="0" lang="en-US" sz="600" b="1" i="0" u="none" strike="noStrike" cap="none" normalizeH="0" baseline="0" dirty="0" smtClean="0">
+                          <a:ln>
+                            <a:noFill/>
+                          </a:ln>
+                          <a:solidFill>
+                            <a:srgbClr val="FFFFFF"/>
+                          </a:solidFill>
+                          <a:effectLst/>
+                          <a:latin typeface="Verdana" panose="020B0604030504040204" pitchFamily="34" charset="0"/>
+                          <a:ea typeface="Verdana" panose="020B0604030504040204" pitchFamily="34" charset="0"/>
+                          <a:cs typeface="Verdana" panose="020B0604030504040204" pitchFamily="34" charset="0"/>
+                        </a:rPr>
+                        <a:t>Optimization Notice</a:t>
+                      </a:r>
+                    </a:p>
+                  </a:txBody>
+                  <a:tcPr marL="53636" marR="53636" marT="26818" marB="26818" horzOverflow="overflow">
+                    <a:lnL w="12700" cap="flat" cmpd="sng" algn="ctr">
+                      <a:solidFill>
+                        <a:srgbClr val="000000"/>
+                      </a:solidFill>
+                      <a:prstDash val="solid"/>
+                      <a:round/>
+                      <a:headEnd type="none" w="med" len="med"/>
+                      <a:tailEnd type="none" w="med" len="med"/>
+                    </a:lnL>
+                    <a:lnR w="12700" cap="flat" cmpd="sng" algn="ctr">
+                      <a:solidFill>
+                        <a:srgbClr val="000000"/>
+                      </a:solidFill>
+                      <a:prstDash val="solid"/>
+                      <a:round/>
+                      <a:headEnd type="none" w="med" len="med"/>
+                      <a:tailEnd type="none" w="med" len="med"/>
+                    </a:lnR>
+                    <a:lnT w="12700" cap="flat" cmpd="sng" algn="ctr">
+                      <a:solidFill>
+                        <a:srgbClr val="000000"/>
+                      </a:solidFill>
+                      <a:prstDash val="solid"/>
+                      <a:round/>
+                      <a:headEnd type="none" w="med" len="med"/>
+                      <a:tailEnd type="none" w="med" len="med"/>
+                    </a:lnT>
+                    <a:lnB w="12700" cap="flat" cmpd="sng" algn="ctr">
+                      <a:solidFill>
+                        <a:srgbClr val="000000"/>
+                      </a:solidFill>
+                      <a:prstDash val="solid"/>
+                      <a:round/>
+                      <a:headEnd type="none" w="med" len="med"/>
+                      <a:tailEnd type="none" w="med" len="med"/>
+                    </a:lnB>
+                    <a:lnTlToBr>
+                      <a:noFill/>
+                    </a:lnTlToBr>
+                    <a:lnBlToTr>
+                      <a:noFill/>
+                    </a:lnBlToTr>
+                    <a:solidFill>
+                      <a:srgbClr val="000000">
+                        <a:lumMod val="50000"/>
+                        <a:lumOff val="50000"/>
+                      </a:srgbClr>
+                    </a:solidFill>
+                  </a:tcPr>
+                </a:tc>
+              </a:tr>
+              <a:tr h="792703">
+                <a:tc>
+                  <a:txBody>
+                    <a:bodyPr/>
+                    <a:lstStyle>
+                      <a:lvl1pPr marL="0" algn="l" defTabSz="345232" rtl="0" eaLnBrk="1" latinLnBrk="0" hangingPunct="1">
+                        <a:defRPr sz="1400" kern="1200">
+                          <a:solidFill>
+                            <a:schemeClr val="tx1"/>
+                          </a:solidFill>
+                          <a:latin typeface="Calibri"/>
+                          <a:ea typeface=""/>
+                          <a:cs typeface=""/>
+                        </a:defRPr>
+                      </a:lvl1pPr>
+                      <a:lvl2pPr marL="345232" algn="l" defTabSz="345232" rtl="0" eaLnBrk="1" latinLnBrk="0" hangingPunct="1">
+                        <a:defRPr sz="1400" kern="1200">
+                          <a:solidFill>
+                            <a:schemeClr val="tx1"/>
+                          </a:solidFill>
+                          <a:latin typeface="Calibri"/>
+                          <a:ea typeface=""/>
+                          <a:cs typeface=""/>
+                        </a:defRPr>
+                      </a:lvl2pPr>
+                      <a:lvl3pPr marL="690463" algn="l" defTabSz="345232" rtl="0" eaLnBrk="1" latinLnBrk="0" hangingPunct="1">
+                        <a:defRPr sz="1400" kern="1200">
+                          <a:solidFill>
+                            <a:schemeClr val="tx1"/>
+                          </a:solidFill>
+                          <a:latin typeface="Calibri"/>
+                          <a:ea typeface=""/>
+                          <a:cs typeface=""/>
+                        </a:defRPr>
+                      </a:lvl3pPr>
+                      <a:lvl4pPr marL="1035695" algn="l" defTabSz="345232" rtl="0" eaLnBrk="1" latinLnBrk="0" hangingPunct="1">
+                        <a:defRPr sz="1400" kern="1200">
+                          <a:solidFill>
+                            <a:schemeClr val="tx1"/>
+                          </a:solidFill>
+                          <a:latin typeface="Calibri"/>
+                          <a:ea typeface=""/>
+                          <a:cs typeface=""/>
+                        </a:defRPr>
+                      </a:lvl4pPr>
+                      <a:lvl5pPr marL="1380927" algn="l" defTabSz="345232" rtl="0" eaLnBrk="1" latinLnBrk="0" hangingPunct="1">
+                        <a:defRPr sz="1400" kern="1200">
+                          <a:solidFill>
+                            <a:schemeClr val="tx1"/>
+                          </a:solidFill>
+                          <a:latin typeface="Calibri"/>
+                          <a:ea typeface=""/>
+                          <a:cs typeface=""/>
+                        </a:defRPr>
+                      </a:lvl5pPr>
+                      <a:lvl6pPr marL="1726159" algn="l" defTabSz="345232" rtl="0" eaLnBrk="1" latinLnBrk="0" hangingPunct="1">
+                        <a:defRPr sz="1400" kern="1200">
+                          <a:solidFill>
+                            <a:schemeClr val="tx1"/>
+                          </a:solidFill>
+                          <a:latin typeface="Calibri"/>
+                          <a:ea typeface=""/>
+                          <a:cs typeface=""/>
+                        </a:defRPr>
+                      </a:lvl6pPr>
+                      <a:lvl7pPr marL="2071390" algn="l" defTabSz="345232" rtl="0" eaLnBrk="1" latinLnBrk="0" hangingPunct="1">
+                        <a:defRPr sz="1400" kern="1200">
+                          <a:solidFill>
+                            <a:schemeClr val="tx1"/>
+                          </a:solidFill>
+                          <a:latin typeface="Calibri"/>
+                          <a:ea typeface=""/>
+                          <a:cs typeface=""/>
+                        </a:defRPr>
+                      </a:lvl7pPr>
+                      <a:lvl8pPr marL="2416622" algn="l" defTabSz="345232" rtl="0" eaLnBrk="1" latinLnBrk="0" hangingPunct="1">
+                        <a:defRPr sz="1400" kern="1200">
+                          <a:solidFill>
+                            <a:schemeClr val="tx1"/>
+                          </a:solidFill>
+                          <a:latin typeface="Calibri"/>
+                          <a:ea typeface=""/>
+                          <a:cs typeface=""/>
+                        </a:defRPr>
+                      </a:lvl8pPr>
+                      <a:lvl9pPr marL="2761854" algn="l" defTabSz="345232" rtl="0" eaLnBrk="1" latinLnBrk="0" hangingPunct="1">
+                        <a:defRPr sz="1400" kern="1200">
+                          <a:solidFill>
+                            <a:schemeClr val="tx1"/>
+                          </a:solidFill>
+                          <a:latin typeface="Calibri"/>
+                          <a:ea typeface=""/>
+                          <a:cs typeface=""/>
+                        </a:defRPr>
+                      </a:lvl9pPr>
+                    </a:lstStyle>
+                    <a:p>
+                      <a:pPr marL="0" marR="0" lvl="0" indent="0" algn="l" defTabSz="914400" rtl="0" eaLnBrk="1" fontAlgn="base" latinLnBrk="0" hangingPunct="1">
+                        <a:lnSpc>
+                          <a:spcPct val="100000"/>
+                        </a:lnSpc>
+                        <a:spcBef>
+                          <a:spcPct val="0"/>
+                        </a:spcBef>
+                        <a:spcAft>
+                          <a:spcPct val="0"/>
+                        </a:spcAft>
+                        <a:buClrTx/>
+                        <a:buSzTx/>
+                        <a:buFontTx/>
+                        <a:buNone/>
+                        <a:tabLst/>
+                      </a:pPr>
+                      <a:r>
+                        <a:rPr kumimoji="0" lang="en-US" sz="600" b="0" i="0" u="none" strike="noStrike" cap="none" normalizeH="0" baseline="0" dirty="0" smtClean="0">
+                          <a:ln>
+                            <a:noFill/>
+                          </a:ln>
+                          <a:solidFill>
+                            <a:srgbClr val="000000"/>
+                          </a:solidFill>
+                          <a:effectLst/>
+                          <a:latin typeface="Verdana" panose="020B0604030504040204" pitchFamily="34" charset="0"/>
+                          <a:ea typeface="Verdana" panose="020B0604030504040204" pitchFamily="34" charset="0"/>
+                          <a:cs typeface="Verdana" panose="020B0604030504040204" pitchFamily="34" charset="0"/>
+                        </a:rPr>
+                        <a:t>Intel</a:t>
+                      </a:r>
+                      <a:r>
+                        <a:rPr kumimoji="0" lang="en-US" altLang="en-US" sz="600" b="0" i="0" u="none" strike="noStrike" cap="none" normalizeH="0" baseline="0" dirty="0" smtClean="0">
+                          <a:ln>
+                            <a:noFill/>
+                          </a:ln>
+                          <a:solidFill>
+                            <a:srgbClr val="000000"/>
+                          </a:solidFill>
+                          <a:effectLst/>
+                          <a:latin typeface="Verdana" panose="020B0604030504040204" pitchFamily="34" charset="0"/>
+                          <a:ea typeface="Verdana" panose="020B0604030504040204" pitchFamily="34" charset="0"/>
+                          <a:cs typeface="Verdana" panose="020B0604030504040204" pitchFamily="34" charset="0"/>
+                        </a:rPr>
+                        <a:t>’</a:t>
+                      </a:r>
+                      <a:r>
+                        <a:rPr kumimoji="0" lang="en-US" sz="600" b="0" i="0" u="none" strike="noStrike" cap="none" normalizeH="0" baseline="0" dirty="0" smtClean="0">
+                          <a:ln>
+                            <a:noFill/>
+                          </a:ln>
+                          <a:solidFill>
+                            <a:srgbClr val="000000"/>
+                          </a:solidFill>
+                          <a:effectLst/>
+                          <a:latin typeface="Verdana" panose="020B0604030504040204" pitchFamily="34" charset="0"/>
+                          <a:ea typeface="Verdana" panose="020B0604030504040204" pitchFamily="34" charset="0"/>
+                          <a:cs typeface="Verdana" panose="020B0604030504040204" pitchFamily="34" charset="0"/>
+                        </a:rPr>
+                        <a:t>s compilers may or may not optimize to the same degree for non-Intel microprocessors for optimizations that are not unique to Intel microprocessors. These optimizations include SSE2, SSE3, and SSSE3 instruction sets and other optimizations. Intel does not guarantee the availability, functionality, or effectiveness of any optimization on microprocessors not manufactured by Intel. Microprocessor-dependent optimizations in this product are intended for use with Intel microprocessors. Certain optimizations not specific to Intel microarchitecture are reserved for Intel microprocessors. Please refer to the applicable product User and Reference Guides for more information regarding the specific instruction sets covered by this notice.</a:t>
+                      </a:r>
+                    </a:p>
+                    <a:p>
+                      <a:pPr marL="0" marR="0" lvl="0" indent="0" algn="r" defTabSz="914400" rtl="0" eaLnBrk="1" fontAlgn="base" latinLnBrk="0" hangingPunct="1">
+                        <a:lnSpc>
+                          <a:spcPct val="100000"/>
+                        </a:lnSpc>
+                        <a:spcBef>
+                          <a:spcPct val="0"/>
+                        </a:spcBef>
+                        <a:spcAft>
+                          <a:spcPct val="0"/>
+                        </a:spcAft>
+                        <a:buClrTx/>
+                        <a:buSzTx/>
+                        <a:buFontTx/>
+                        <a:buNone/>
+                        <a:tabLst/>
+                      </a:pPr>
+                      <a:r>
+                        <a:rPr kumimoji="0" lang="en-US" sz="600" b="0" i="0" u="none" strike="noStrike" cap="none" normalizeH="0" baseline="0" dirty="0" smtClean="0">
+                          <a:ln>
+                            <a:noFill/>
+                          </a:ln>
+                          <a:solidFill>
+                            <a:srgbClr val="000000"/>
+                          </a:solidFill>
+                          <a:effectLst/>
+                          <a:latin typeface="Verdana" panose="020B0604030504040204" pitchFamily="34" charset="0"/>
+                          <a:ea typeface="Verdana" panose="020B0604030504040204" pitchFamily="34" charset="0"/>
+                          <a:cs typeface="Verdana" panose="020B0604030504040204" pitchFamily="34" charset="0"/>
+                        </a:rPr>
+                        <a:t>Notice revision #20110804</a:t>
+                      </a:r>
+                    </a:p>
+                  </a:txBody>
+                  <a:tcPr marL="53636" marR="53636" marT="26818" marB="26818" horzOverflow="overflow">
+                    <a:lnL w="12700" cap="flat" cmpd="sng" algn="ctr">
+                      <a:solidFill>
+                        <a:srgbClr val="000000"/>
+                      </a:solidFill>
+                      <a:prstDash val="solid"/>
+                      <a:round/>
+                      <a:headEnd type="none" w="med" len="med"/>
+                      <a:tailEnd type="none" w="med" len="med"/>
+                    </a:lnL>
+                    <a:lnR w="12700" cap="flat" cmpd="sng" algn="ctr">
+                      <a:solidFill>
+                        <a:srgbClr val="000000"/>
+                      </a:solidFill>
+                      <a:prstDash val="solid"/>
+                      <a:round/>
+                      <a:headEnd type="none" w="med" len="med"/>
+                      <a:tailEnd type="none" w="med" len="med"/>
+                    </a:lnR>
+                    <a:lnT w="12700" cap="flat" cmpd="sng" algn="ctr">
+                      <a:solidFill>
+                        <a:srgbClr val="000000"/>
+                      </a:solidFill>
+                      <a:prstDash val="solid"/>
+                      <a:round/>
+                      <a:headEnd type="none" w="med" len="med"/>
+                      <a:tailEnd type="none" w="med" len="med"/>
+                    </a:lnT>
+                    <a:lnB w="12700" cap="flat" cmpd="sng" algn="ctr">
+                      <a:solidFill>
+                        <a:srgbClr val="000000"/>
+                      </a:solidFill>
+                      <a:prstDash val="solid"/>
+                      <a:round/>
+                      <a:headEnd type="none" w="med" len="med"/>
+                      <a:tailEnd type="none" w="med" len="med"/>
+                    </a:lnB>
+                    <a:lnTlToBr>
+                      <a:noFill/>
+                    </a:lnTlToBr>
+                    <a:lnBlToTr>
+                      <a:noFill/>
+                    </a:lnBlToTr>
+                    <a:solidFill>
+                      <a:srgbClr val="FFFFFF">
+                        <a:lumMod val="75000"/>
+                      </a:srgbClr>
+                    </a:solidFill>
+                  </a:tcPr>
+                </a:tc>
+              </a:tr>
+            </a:tbl>
+          </a:graphicData>
+        </a:graphic>
+      </p:graphicFrame>
+    </p:spTree>
+    <p:extLst>
+      <p:ext uri="{BB962C8B-B14F-4D97-AF65-F5344CB8AC3E}">
+        <p14:creationId xmlns:p14="http://schemas.microsoft.com/office/powerpoint/2010/main" val="3614423554"/>
+      </p:ext>
+    </p:extLst>
+  </p:cSld>
+  <p:clrMapOvr>
+    <a:masterClrMapping/>
+  </p:clrMapOvr>
+  <mc:AlternateContent xmlns:mc="http://schemas.openxmlformats.org/markup-compatibility/2006" xmlns:p14="http://schemas.microsoft.com/office/powerpoint/2010/main">
+    <mc:Choice Requires="p14">
+      <p:transition spd="slow" p14:dur="2000"/>
+    </mc:Choice>
+    <mc:Fallback xmlns="">
+      <p:transition spd="slow"/>
+    </mc:Fallback>
+  </mc:AlternateContent>
+  <p:timing>
+    <p:tnLst>
+      <p:par>
+        <p:cTn id="1" dur="indefinite" restart="never" nodeType="tmRoot"/>
+      </p:par>
+    </p:tnLst>
+  </p:timing>
+</p:sld>
+</file>
+
+<file path=ppt/slides/slide20.xml><?xml version="1.0" encoding="utf-8"?>
 <p:sld xmlns:a="http://schemas.openxmlformats.org/drawingml/2006/main" xmlns:r="http://schemas.openxmlformats.org/officeDocument/2006/relationships" xmlns:p="http://schemas.openxmlformats.org/presentationml/2006/main">
   <p:cSld>
     <p:spTree>
@@ -35317,7 +35255,7 @@
 </p:sld>
 </file>
 
-<file path=ppt/slides/slide22.xml><?xml version="1.0" encoding="utf-8"?>
+<file path=ppt/slides/slide21.xml><?xml version="1.0" encoding="utf-8"?>
 <p:sld xmlns:a="http://schemas.openxmlformats.org/drawingml/2006/main" xmlns:r="http://schemas.openxmlformats.org/officeDocument/2006/relationships" xmlns:p="http://schemas.openxmlformats.org/presentationml/2006/main">
   <p:cSld>
     <p:spTree>
@@ -35480,6 +35418,519 @@
         <p:cTn id="1" dur="indefinite" restart="never" nodeType="tmRoot"/>
       </p:par>
     </p:tnLst>
+  </p:timing>
+</p:sld>
+</file>
+
+<file path=ppt/slides/slide22.xml><?xml version="1.0" encoding="utf-8"?>
+<p:sld xmlns:a="http://schemas.openxmlformats.org/drawingml/2006/main" xmlns:r="http://schemas.openxmlformats.org/officeDocument/2006/relationships" xmlns:p="http://schemas.openxmlformats.org/presentationml/2006/main">
+  <p:cSld>
+    <p:spTree>
+      <p:nvGrpSpPr>
+        <p:cNvPr id="1" name=""/>
+        <p:cNvGrpSpPr/>
+        <p:nvPr/>
+      </p:nvGrpSpPr>
+      <p:grpSpPr>
+        <a:xfrm>
+          <a:off x="0" y="0"/>
+          <a:ext cx="0" cy="0"/>
+          <a:chOff x="0" y="0"/>
+          <a:chExt cx="0" cy="0"/>
+        </a:xfrm>
+      </p:grpSpPr>
+      <p:sp>
+        <p:nvSpPr>
+          <p:cNvPr id="2" name="Title 1"/>
+          <p:cNvSpPr>
+            <a:spLocks noGrp="1"/>
+          </p:cNvSpPr>
+          <p:nvPr>
+            <p:ph type="title"/>
+          </p:nvPr>
+        </p:nvSpPr>
+        <p:spPr/>
+        <p:txBody>
+          <a:bodyPr/>
+          <a:lstStyle/>
+          <a:p>
+            <a:r>
+              <a:rPr lang="en-US" dirty="0" smtClean="0"/>
+              <a:t>Example Application: GPAW</a:t>
+            </a:r>
+            <a:endParaRPr lang="en-US" dirty="0"/>
+          </a:p>
+        </p:txBody>
+      </p:sp>
+      <p:sp>
+        <p:nvSpPr>
+          <p:cNvPr id="7" name="Content Placeholder 6"/>
+          <p:cNvSpPr>
+            <a:spLocks noGrp="1"/>
+          </p:cNvSpPr>
+          <p:nvPr>
+            <p:ph idx="1"/>
+          </p:nvPr>
+        </p:nvSpPr>
+        <p:spPr/>
+        <p:txBody>
+          <a:bodyPr>
+            <a:normAutofit/>
+          </a:bodyPr>
+          <a:lstStyle/>
+          <a:p>
+            <a:r>
+              <a:rPr lang="en-GB" sz="1000" dirty="0"/>
+              <a:t>Open-source software package for quantum mechanical simulations at atomic scale (http://</a:t>
+            </a:r>
+            <a:r>
+              <a:rPr lang="en-GB" sz="1000" dirty="0" smtClean="0"/>
+              <a:t>wiki.fysik.dtu.dk/gpaw)</a:t>
+            </a:r>
+          </a:p>
+          <a:p>
+            <a:r>
+              <a:rPr lang="en-GB" sz="1000" dirty="0" smtClean="0"/>
+              <a:t>Combination of </a:t>
+            </a:r>
+            <a:r>
+              <a:rPr lang="en-GB" sz="1000" dirty="0"/>
+              <a:t>Python </a:t>
+            </a:r>
+            <a:r>
+              <a:rPr lang="en-GB" sz="1000" dirty="0" smtClean="0"/>
+              <a:t>&amp; </a:t>
+            </a:r>
+            <a:r>
+              <a:rPr lang="en-GB" sz="1000" dirty="0"/>
+              <a:t>C</a:t>
+            </a:r>
+          </a:p>
+          <a:p>
+            <a:pPr lvl="1"/>
+            <a:r>
+              <a:rPr lang="en-GB" sz="900" dirty="0"/>
+              <a:t>High-level algorithms in Python</a:t>
+            </a:r>
+          </a:p>
+          <a:p>
+            <a:pPr lvl="1"/>
+            <a:r>
+              <a:rPr lang="en-GB" sz="900" dirty="0"/>
+              <a:t>Computational kernels </a:t>
+            </a:r>
+            <a:r>
+              <a:rPr lang="en-GB" sz="900" dirty="0" smtClean="0"/>
+              <a:t>in</a:t>
+            </a:r>
+            <a:endParaRPr lang="en-GB" sz="900" dirty="0"/>
+          </a:p>
+          <a:p>
+            <a:pPr lvl="1"/>
+            <a:r>
+              <a:rPr lang="en-GB" sz="900" dirty="0"/>
+              <a:t>Massively parallelized (with MPI)</a:t>
+            </a:r>
+          </a:p>
+          <a:p>
+            <a:pPr lvl="1"/>
+            <a:r>
+              <a:rPr lang="en-GB" sz="900" dirty="0"/>
+              <a:t>Key operation: </a:t>
+            </a:r>
+            <a:r>
+              <a:rPr lang="en-GB" sz="900" dirty="0" smtClean="0"/>
+              <a:t>dgemm</a:t>
+            </a:r>
+            <a:endParaRPr lang="en-GB" sz="900" dirty="0"/>
+          </a:p>
+          <a:p>
+            <a:endParaRPr lang="en-GB" sz="1000" dirty="0"/>
+          </a:p>
+          <a:p>
+            <a:endParaRPr lang="en-US" sz="1000" dirty="0"/>
+          </a:p>
+        </p:txBody>
+      </p:sp>
+      <p:pic>
+        <p:nvPicPr>
+          <p:cNvPr id="10" name="Content Placeholder 5"/>
+          <p:cNvPicPr>
+            <a:picLocks noChangeAspect="1"/>
+          </p:cNvPicPr>
+          <p:nvPr/>
+        </p:nvPicPr>
+        <p:blipFill>
+          <a:blip r:embed="rId2">
+            <a:extLst>
+              <a:ext uri="{28A0092B-C50C-407E-A947-70E740481C1C}">
+                <a14:useLocalDpi xmlns:a14="http://schemas.microsoft.com/office/drawing/2010/main" val="0"/>
+              </a:ext>
+            </a:extLst>
+          </a:blip>
+          <a:stretch>
+            <a:fillRect/>
+          </a:stretch>
+        </p:blipFill>
+        <p:spPr>
+          <a:xfrm>
+            <a:off x="983844" y="2011362"/>
+            <a:ext cx="1633191" cy="1596518"/>
+          </a:xfrm>
+          <a:prstGeom prst="rect">
+            <a:avLst/>
+          </a:prstGeom>
+        </p:spPr>
+      </p:pic>
+      <p:graphicFrame>
+        <p:nvGraphicFramePr>
+          <p:cNvPr id="12" name="Chart 11"/>
+          <p:cNvGraphicFramePr>
+            <a:graphicFrameLocks/>
+          </p:cNvGraphicFramePr>
+          <p:nvPr>
+            <p:extLst/>
+          </p:nvPr>
+        </p:nvGraphicFramePr>
+        <p:xfrm>
+          <a:off x="3575845" y="799695"/>
+          <a:ext cx="3258000" cy="2637812"/>
+        </p:xfrm>
+        <a:graphic>
+          <a:graphicData uri="http://schemas.openxmlformats.org/drawingml/2006/chart">
+            <c:chart xmlns:c="http://schemas.openxmlformats.org/drawingml/2006/chart" xmlns:r="http://schemas.openxmlformats.org/officeDocument/2006/relationships" r:id="rId3"/>
+          </a:graphicData>
+        </a:graphic>
+      </p:graphicFrame>
+      <p:graphicFrame>
+        <p:nvGraphicFramePr>
+          <p:cNvPr id="13" name="Chart 12"/>
+          <p:cNvGraphicFramePr>
+            <a:graphicFrameLocks/>
+          </p:cNvGraphicFramePr>
+          <p:nvPr>
+            <p:extLst/>
+          </p:nvPr>
+        </p:nvGraphicFramePr>
+        <p:xfrm>
+          <a:off x="3575844" y="747001"/>
+          <a:ext cx="3258001" cy="2690506"/>
+        </p:xfrm>
+        <a:graphic>
+          <a:graphicData uri="http://schemas.openxmlformats.org/drawingml/2006/chart">
+            <c:chart xmlns:c="http://schemas.openxmlformats.org/drawingml/2006/chart" xmlns:r="http://schemas.openxmlformats.org/officeDocument/2006/relationships" r:id="rId4"/>
+          </a:graphicData>
+        </a:graphic>
+      </p:graphicFrame>
+      <p:sp>
+        <p:nvSpPr>
+          <p:cNvPr id="14" name="TextBox 13"/>
+          <p:cNvSpPr txBox="1"/>
+          <p:nvPr/>
+        </p:nvSpPr>
+        <p:spPr>
+          <a:xfrm>
+            <a:off x="2225844" y="3361362"/>
+            <a:ext cx="4979844" cy="702001"/>
+          </a:xfrm>
+          <a:prstGeom prst="rect">
+            <a:avLst/>
+          </a:prstGeom>
+          <a:noFill/>
+        </p:spPr>
+        <p:txBody>
+          <a:bodyPr wrap="square" rtlCol="0">
+            <a:noAutofit/>
+          </a:bodyPr>
+          <a:lstStyle/>
+          <a:p>
+            <a:r>
+              <a:rPr lang="en-US" sz="500" dirty="0">
+                <a:latin typeface="Verdana" panose="020B0604030504040204" pitchFamily="34" charset="0"/>
+                <a:ea typeface="Verdana" panose="020B0604030504040204" pitchFamily="34" charset="0"/>
+                <a:cs typeface="Verdana" panose="020B0604030504040204" pitchFamily="34" charset="0"/>
+              </a:rPr>
+              <a:t>Software and workloads used in performance tests may have been optimized for performance only on Intel </a:t>
+            </a:r>
+            <a:r>
+              <a:rPr lang="en-US" sz="500" dirty="0" smtClean="0">
+                <a:latin typeface="Verdana" panose="020B0604030504040204" pitchFamily="34" charset="0"/>
+                <a:ea typeface="Verdana" panose="020B0604030504040204" pitchFamily="34" charset="0"/>
+                <a:cs typeface="Verdana" panose="020B0604030504040204" pitchFamily="34" charset="0"/>
+              </a:rPr>
+              <a:t>microprocessors. Performance </a:t>
+            </a:r>
+            <a:r>
+              <a:rPr lang="en-US" sz="500" dirty="0">
+                <a:latin typeface="Verdana" panose="020B0604030504040204" pitchFamily="34" charset="0"/>
+                <a:ea typeface="Verdana" panose="020B0604030504040204" pitchFamily="34" charset="0"/>
+                <a:cs typeface="Verdana" panose="020B0604030504040204" pitchFamily="34" charset="0"/>
+              </a:rPr>
+              <a:t>tests are measured using specific computer systems, components, software, operations, and functions. Any change to any of those factors may cause the results to vary. You should consult other information and performance tests to assist you in fully evaluating your contemplated purchases, including the performance of that product when combined with other products. System configuration: Intel S2600GZ server </a:t>
+            </a:r>
+            <a:r>
+              <a:rPr lang="en-US" sz="500" dirty="0" smtClean="0">
+                <a:latin typeface="Verdana" panose="020B0604030504040204" pitchFamily="34" charset="0"/>
+                <a:ea typeface="Verdana" panose="020B0604030504040204" pitchFamily="34" charset="0"/>
+                <a:cs typeface="Verdana" panose="020B0604030504040204" pitchFamily="34" charset="0"/>
+              </a:rPr>
+              <a:t>with two </a:t>
+            </a:r>
+            <a:r>
+              <a:rPr lang="en-US" sz="500" dirty="0">
+                <a:latin typeface="Verdana" panose="020B0604030504040204" pitchFamily="34" charset="0"/>
+                <a:ea typeface="Verdana" panose="020B0604030504040204" pitchFamily="34" charset="0"/>
+                <a:cs typeface="Verdana" panose="020B0604030504040204" pitchFamily="34" charset="0"/>
+              </a:rPr>
+              <a:t>Intel Xeon </a:t>
+            </a:r>
+            <a:r>
+              <a:rPr lang="en-US" sz="500" dirty="0" smtClean="0">
+                <a:latin typeface="Verdana" panose="020B0604030504040204" pitchFamily="34" charset="0"/>
+                <a:ea typeface="Verdana" panose="020B0604030504040204" pitchFamily="34" charset="0"/>
+                <a:cs typeface="Verdana" panose="020B0604030504040204" pitchFamily="34" charset="0"/>
+              </a:rPr>
+              <a:t>E5-2620v2 6-core </a:t>
+            </a:r>
+            <a:r>
+              <a:rPr lang="en-US" sz="500" dirty="0">
+                <a:latin typeface="Verdana" panose="020B0604030504040204" pitchFamily="34" charset="0"/>
+                <a:ea typeface="Verdana" panose="020B0604030504040204" pitchFamily="34" charset="0"/>
+                <a:cs typeface="Verdana" panose="020B0604030504040204" pitchFamily="34" charset="0"/>
+              </a:rPr>
+              <a:t>processors at </a:t>
+            </a:r>
+            <a:r>
+              <a:rPr lang="en-US" sz="500" dirty="0" smtClean="0">
+                <a:latin typeface="Verdana" panose="020B0604030504040204" pitchFamily="34" charset="0"/>
+                <a:ea typeface="Verdana" panose="020B0604030504040204" pitchFamily="34" charset="0"/>
+                <a:cs typeface="Verdana" panose="020B0604030504040204" pitchFamily="34" charset="0"/>
+              </a:rPr>
+              <a:t>2.1 GHz </a:t>
+            </a:r>
+            <a:r>
+              <a:rPr lang="en-US" sz="500" dirty="0">
+                <a:latin typeface="Verdana" panose="020B0604030504040204" pitchFamily="34" charset="0"/>
+                <a:ea typeface="Verdana" panose="020B0604030504040204" pitchFamily="34" charset="0"/>
+                <a:cs typeface="Verdana" panose="020B0604030504040204" pitchFamily="34" charset="0"/>
+              </a:rPr>
+              <a:t>(</a:t>
+            </a:r>
+            <a:r>
+              <a:rPr lang="en-US" sz="500" dirty="0" smtClean="0">
+                <a:latin typeface="Verdana" panose="020B0604030504040204" pitchFamily="34" charset="0"/>
+                <a:ea typeface="Verdana" panose="020B0604030504040204" pitchFamily="34" charset="0"/>
+                <a:cs typeface="Verdana" panose="020B0604030504040204" pitchFamily="34" charset="0"/>
+              </a:rPr>
+              <a:t>64 GB </a:t>
+            </a:r>
+            <a:r>
+              <a:rPr lang="en-US" sz="500" dirty="0">
+                <a:latin typeface="Verdana" panose="020B0604030504040204" pitchFamily="34" charset="0"/>
+                <a:ea typeface="Verdana" panose="020B0604030504040204" pitchFamily="34" charset="0"/>
+                <a:cs typeface="Verdana" panose="020B0604030504040204" pitchFamily="34" charset="0"/>
+              </a:rPr>
+              <a:t>DDR3 with </a:t>
+            </a:r>
+            <a:r>
+              <a:rPr lang="en-US" sz="500" dirty="0" smtClean="0">
+                <a:latin typeface="Verdana" panose="020B0604030504040204" pitchFamily="34" charset="0"/>
+                <a:ea typeface="Verdana" panose="020B0604030504040204" pitchFamily="34" charset="0"/>
+                <a:cs typeface="Verdana" panose="020B0604030504040204" pitchFamily="34" charset="0"/>
+              </a:rPr>
+              <a:t>1600 MHz</a:t>
+            </a:r>
+            <a:r>
+              <a:rPr lang="en-US" sz="500" dirty="0">
+                <a:latin typeface="Verdana" panose="020B0604030504040204" pitchFamily="34" charset="0"/>
+                <a:ea typeface="Verdana" panose="020B0604030504040204" pitchFamily="34" charset="0"/>
+                <a:cs typeface="Verdana" panose="020B0604030504040204" pitchFamily="34" charset="0"/>
+              </a:rPr>
+              <a:t>), Red Had Enterprise Linux 6.5 (kernel version 2.6.32-358.6.2) and </a:t>
+            </a:r>
+            <a:r>
+              <a:rPr lang="en-US" sz="500" dirty="0" smtClean="0">
+                <a:latin typeface="Verdana" panose="020B0604030504040204" pitchFamily="34" charset="0"/>
+                <a:ea typeface="Verdana" panose="020B0604030504040204" pitchFamily="34" charset="0"/>
+                <a:cs typeface="Verdana" panose="020B0604030504040204" pitchFamily="34" charset="0"/>
+              </a:rPr>
+              <a:t>two </a:t>
+            </a:r>
+            <a:r>
+              <a:rPr lang="en-US" sz="500" dirty="0">
+                <a:latin typeface="Verdana" panose="020B0604030504040204" pitchFamily="34" charset="0"/>
+                <a:ea typeface="Verdana" panose="020B0604030504040204" pitchFamily="34" charset="0"/>
+                <a:cs typeface="Verdana" panose="020B0604030504040204" pitchFamily="34" charset="0"/>
+              </a:rPr>
+              <a:t>Intel Xeon Phi 7120P coprocessor (C0 stepping, GDDR5 with 3.6 GT/sec, </a:t>
+            </a:r>
+            <a:r>
+              <a:rPr lang="en-US" sz="500" dirty="0" smtClean="0">
+                <a:latin typeface="Verdana" panose="020B0604030504040204" pitchFamily="34" charset="0"/>
+                <a:ea typeface="Verdana" panose="020B0604030504040204" pitchFamily="34" charset="0"/>
+                <a:cs typeface="Verdana" panose="020B0604030504040204" pitchFamily="34" charset="0"/>
+              </a:rPr>
+              <a:t>MPSS v3.3.30726), </a:t>
+            </a:r>
+            <a:r>
+              <a:rPr lang="en-US" sz="500" dirty="0">
+                <a:latin typeface="Verdana" panose="020B0604030504040204" pitchFamily="34" charset="0"/>
+                <a:ea typeface="Verdana" panose="020B0604030504040204" pitchFamily="34" charset="0"/>
+                <a:cs typeface="Verdana" panose="020B0604030504040204" pitchFamily="34" charset="0"/>
+              </a:rPr>
+              <a:t>and Intel Composer XE 14.0.3.174. For more complete information visit http://</a:t>
+            </a:r>
+            <a:r>
+              <a:rPr lang="en-US" sz="500" dirty="0" smtClean="0">
+                <a:latin typeface="Verdana" panose="020B0604030504040204" pitchFamily="34" charset="0"/>
+                <a:ea typeface="Verdana" panose="020B0604030504040204" pitchFamily="34" charset="0"/>
+                <a:cs typeface="Verdana" panose="020B0604030504040204" pitchFamily="34" charset="0"/>
+              </a:rPr>
+              <a:t>www.intel.com/performance.</a:t>
+            </a:r>
+            <a:endParaRPr lang="en-US" sz="500" dirty="0">
+              <a:latin typeface="Verdana" panose="020B0604030504040204" pitchFamily="34" charset="0"/>
+              <a:ea typeface="Verdana" panose="020B0604030504040204" pitchFamily="34" charset="0"/>
+              <a:cs typeface="Verdana" panose="020B0604030504040204" pitchFamily="34" charset="0"/>
+            </a:endParaRPr>
+          </a:p>
+        </p:txBody>
+      </p:sp>
+    </p:spTree>
+    <p:extLst>
+      <p:ext uri="{BB962C8B-B14F-4D97-AF65-F5344CB8AC3E}">
+        <p14:creationId xmlns:p14="http://schemas.microsoft.com/office/powerpoint/2010/main" val="2478809246"/>
+      </p:ext>
+    </p:extLst>
+  </p:cSld>
+  <p:clrMapOvr>
+    <a:masterClrMapping/>
+  </p:clrMapOvr>
+  <p:timing>
+    <p:tnLst>
+      <p:par>
+        <p:cTn id="1" dur="indefinite" restart="never" nodeType="tmRoot">
+          <p:childTnLst>
+            <p:seq concurrent="1" nextAc="seek">
+              <p:cTn id="2" dur="indefinite" nodeType="mainSeq">
+                <p:childTnLst>
+                  <p:par>
+                    <p:cTn id="3" fill="hold">
+                      <p:stCondLst>
+                        <p:cond delay="indefinite"/>
+                      </p:stCondLst>
+                      <p:childTnLst>
+                        <p:par>
+                          <p:cTn id="4" fill="hold">
+                            <p:stCondLst>
+                              <p:cond delay="0"/>
+                            </p:stCondLst>
+                            <p:childTnLst>
+                              <p:par>
+                                <p:cTn id="5" presetID="10" presetClass="exit" presetSubtype="0" fill="hold" grpId="0" nodeType="clickEffect">
+                                  <p:stCondLst>
+                                    <p:cond delay="0"/>
+                                  </p:stCondLst>
+                                  <p:childTnLst>
+                                    <p:animEffect transition="out" filter="fade">
+                                      <p:cBhvr>
+                                        <p:cTn id="6" dur="500"/>
+                                        <p:tgtEl>
+                                          <p:spTgt spid="12"/>
+                                        </p:tgtEl>
+                                      </p:cBhvr>
+                                    </p:animEffect>
+                                    <p:set>
+                                      <p:cBhvr>
+                                        <p:cTn id="7" dur="1" fill="hold">
+                                          <p:stCondLst>
+                                            <p:cond delay="499"/>
+                                          </p:stCondLst>
+                                        </p:cTn>
+                                        <p:tgtEl>
+                                          <p:spTgt spid="12"/>
+                                        </p:tgtEl>
+                                        <p:attrNameLst>
+                                          <p:attrName>style.visibility</p:attrName>
+                                        </p:attrNameLst>
+                                      </p:cBhvr>
+                                      <p:to>
+                                        <p:strVal val="hidden"/>
+                                      </p:to>
+                                    </p:set>
+                                  </p:childTnLst>
+                                </p:cTn>
+                              </p:par>
+                              <p:par>
+                                <p:cTn id="8" presetID="10" presetClass="entr" presetSubtype="0" fill="hold" grpId="0" nodeType="withEffect">
+                                  <p:stCondLst>
+                                    <p:cond delay="0"/>
+                                  </p:stCondLst>
+                                  <p:childTnLst>
+                                    <p:set>
+                                      <p:cBhvr>
+                                        <p:cTn id="9" dur="1" fill="hold">
+                                          <p:stCondLst>
+                                            <p:cond delay="0"/>
+                                          </p:stCondLst>
+                                        </p:cTn>
+                                        <p:tgtEl>
+                                          <p:spTgt spid="13"/>
+                                        </p:tgtEl>
+                                        <p:attrNameLst>
+                                          <p:attrName>style.visibility</p:attrName>
+                                        </p:attrNameLst>
+                                      </p:cBhvr>
+                                      <p:to>
+                                        <p:strVal val="visible"/>
+                                      </p:to>
+                                    </p:set>
+                                    <p:animEffect transition="in" filter="fade">
+                                      <p:cBhvr>
+                                        <p:cTn id="10" dur="500"/>
+                                        <p:tgtEl>
+                                          <p:spTgt spid="13"/>
+                                        </p:tgtEl>
+                                      </p:cBhvr>
+                                    </p:animEffect>
+                                  </p:childTnLst>
+                                </p:cTn>
+                              </p:par>
+                            </p:childTnLst>
+                          </p:cTn>
+                        </p:par>
+                      </p:childTnLst>
+                    </p:cTn>
+                  </p:par>
+                </p:childTnLst>
+              </p:cTn>
+              <p:prevCondLst>
+                <p:cond evt="onPrev" delay="0">
+                  <p:tgtEl>
+                    <p:sldTgt/>
+                  </p:tgtEl>
+                </p:cond>
+              </p:prevCondLst>
+              <p:nextCondLst>
+                <p:cond evt="onNext" delay="0">
+                  <p:tgtEl>
+                    <p:sldTgt/>
+                  </p:tgtEl>
+                </p:cond>
+              </p:nextCondLst>
+            </p:seq>
+          </p:childTnLst>
+        </p:cTn>
+      </p:par>
+    </p:tnLst>
+    <p:bldLst>
+      <p:bldGraphic spid="12" grpId="0">
+        <p:bldAsOne/>
+      </p:bldGraphic>
+      <p:bldGraphic spid="13" grpId="0">
+        <p:bldAsOne/>
+      </p:bldGraphic>
+    </p:bldLst>
   </p:timing>
 </p:sld>
 </file>
@@ -35776,7 +36227,27 @@
             <a:pPr lvl="1"/>
             <a:r>
               <a:rPr lang="en-US" dirty="0" smtClean="0"/>
-              <a:t>Offloading of full Python code</a:t>
+              <a:t>Offloading of full </a:t>
+            </a:r>
+            <a:r>
+              <a:rPr lang="en-US" dirty="0"/>
+              <a:t>{</a:t>
+            </a:r>
+            <a:r>
+              <a:rPr lang="en-US" dirty="0" smtClean="0"/>
+              <a:t>C|P}</a:t>
+            </a:r>
+            <a:r>
+              <a:rPr lang="en-US" dirty="0" err="1" smtClean="0"/>
+              <a:t>ython</a:t>
+            </a:r>
+            <a:r>
+              <a:rPr lang="en-US" dirty="0" smtClean="0"/>
+              <a:t> </a:t>
+            </a:r>
+            <a:r>
+              <a:rPr lang="en-US" dirty="0" smtClean="0"/>
+              <a:t>code</a:t>
             </a:r>
           </a:p>
           <a:p>
@@ -36156,146 +36627,6 @@
       </p:grpSpPr>
       <p:sp>
         <p:nvSpPr>
-          <p:cNvPr id="6" name="Title 5"/>
-          <p:cNvSpPr>
-            <a:spLocks noGrp="1"/>
-          </p:cNvSpPr>
-          <p:nvPr>
-            <p:ph type="title"/>
-          </p:nvPr>
-        </p:nvSpPr>
-        <p:spPr/>
-        <p:txBody>
-          <a:bodyPr/>
-          <a:lstStyle/>
-          <a:p>
-            <a:r>
-              <a:rPr lang="en-US" smtClean="0"/>
-              <a:t>Python in HPC</a:t>
-            </a:r>
-            <a:endParaRPr lang="en-US" dirty="0"/>
-          </a:p>
-        </p:txBody>
-      </p:sp>
-      <p:sp>
-        <p:nvSpPr>
-          <p:cNvPr id="7" name="Content Placeholder 6"/>
-          <p:cNvSpPr>
-            <a:spLocks noGrp="1"/>
-          </p:cNvSpPr>
-          <p:nvPr>
-            <p:ph idx="1"/>
-          </p:nvPr>
-        </p:nvSpPr>
-        <p:spPr/>
-        <p:txBody>
-          <a:bodyPr/>
-          <a:lstStyle/>
-          <a:p>
-            <a:r>
-              <a:rPr lang="en-US" dirty="0" smtClean="0"/>
-              <a:t>Python has gained a lot of interest throughout the HPC </a:t>
-            </a:r>
-            <a:r>
-              <a:rPr lang="en-US" dirty="0"/>
-              <a:t>community (and others</a:t>
-            </a:r>
-            <a:r>
-              <a:rPr lang="en-US" dirty="0" smtClean="0"/>
-              <a:t>):</a:t>
-            </a:r>
-          </a:p>
-          <a:p>
-            <a:pPr lvl="1"/>
-            <a:r>
-              <a:rPr lang="en-US" dirty="0" err="1" smtClean="0"/>
-              <a:t>IPython</a:t>
-            </a:r>
-            <a:endParaRPr lang="en-US" dirty="0" smtClean="0"/>
-          </a:p>
-          <a:p>
-            <a:pPr lvl="1"/>
-            <a:r>
-              <a:rPr lang="en-US" dirty="0" smtClean="0"/>
-              <a:t>Numpy / </a:t>
-            </a:r>
-            <a:r>
-              <a:rPr lang="en-US" dirty="0" err="1" smtClean="0"/>
-              <a:t>SciPy</a:t>
-            </a:r>
-            <a:endParaRPr lang="en-US" dirty="0" smtClean="0"/>
-          </a:p>
-          <a:p>
-            <a:pPr lvl="1"/>
-            <a:r>
-              <a:rPr lang="en-US" dirty="0" smtClean="0"/>
-              <a:t>Pandas</a:t>
-            </a:r>
-          </a:p>
-          <a:p>
-            <a:endParaRPr lang="en-US" dirty="0" smtClean="0"/>
-          </a:p>
-          <a:p>
-            <a:r>
-              <a:rPr lang="en-US" dirty="0" smtClean="0"/>
-              <a:t>Intel® Xeon Phi™ </a:t>
-            </a:r>
-            <a:r>
-              <a:rPr lang="en-US" smtClean="0"/>
-              <a:t>Coprocessors are an </a:t>
-            </a:r>
-            <a:r>
-              <a:rPr lang="en-US" dirty="0" smtClean="0"/>
-              <a:t>interesting target to speed-up processing of Python codes</a:t>
-            </a:r>
-          </a:p>
-          <a:p>
-            <a:endParaRPr lang="en-US" dirty="0" smtClean="0"/>
-          </a:p>
-          <a:p>
-            <a:endParaRPr lang="en-US" dirty="0"/>
-          </a:p>
-        </p:txBody>
-      </p:sp>
-    </p:spTree>
-    <p:extLst>
-      <p:ext uri="{BB962C8B-B14F-4D97-AF65-F5344CB8AC3E}">
-        <p14:creationId xmlns:p14="http://schemas.microsoft.com/office/powerpoint/2010/main" val="654970946"/>
-      </p:ext>
-    </p:extLst>
-  </p:cSld>
-  <p:clrMapOvr>
-    <a:masterClrMapping/>
-  </p:clrMapOvr>
-  <p:timing>
-    <p:tnLst>
-      <p:par>
-        <p:cTn id="1" dur="indefinite" restart="never" nodeType="tmRoot"/>
-      </p:par>
-    </p:tnLst>
-  </p:timing>
-</p:sld>
-</file>
-
-<file path=ppt/slides/slide4.xml><?xml version="1.0" encoding="utf-8"?>
-<p:sld xmlns:a="http://schemas.openxmlformats.org/drawingml/2006/main" xmlns:r="http://schemas.openxmlformats.org/officeDocument/2006/relationships" xmlns:p="http://schemas.openxmlformats.org/presentationml/2006/main">
-  <p:cSld>
-    <p:spTree>
-      <p:nvGrpSpPr>
-        <p:cNvPr id="1" name=""/>
-        <p:cNvGrpSpPr/>
-        <p:nvPr/>
-      </p:nvGrpSpPr>
-      <p:grpSpPr>
-        <a:xfrm>
-          <a:off x="0" y="0"/>
-          <a:ext cx="0" cy="0"/>
-          <a:chOff x="0" y="0"/>
-          <a:chExt cx="0" cy="0"/>
-        </a:xfrm>
-      </p:grpSpPr>
-      <p:sp>
-        <p:nvSpPr>
           <p:cNvPr id="2" name="Title 1"/>
           <p:cNvSpPr>
             <a:spLocks noGrp="1"/>
@@ -36659,7 +36990,7 @@
 </p:sld>
 </file>
 
-<file path=ppt/slides/slide5.xml><?xml version="1.0" encoding="utf-8"?>
+<file path=ppt/slides/slide4.xml><?xml version="1.0" encoding="utf-8"?>
 <p:sld xmlns:a="http://schemas.openxmlformats.org/drawingml/2006/main" xmlns:r="http://schemas.openxmlformats.org/officeDocument/2006/relationships" xmlns:p="http://schemas.openxmlformats.org/presentationml/2006/main">
   <p:cSld>
     <p:spTree>
@@ -37967,7 +38298,7 @@
 </p:sld>
 </file>
 
-<file path=ppt/slides/slide6.xml><?xml version="1.0" encoding="utf-8"?>
+<file path=ppt/slides/slide5.xml><?xml version="1.0" encoding="utf-8"?>
 <p:sld xmlns:a="http://schemas.openxmlformats.org/drawingml/2006/main" xmlns:r="http://schemas.openxmlformats.org/officeDocument/2006/relationships" xmlns:p="http://schemas.openxmlformats.org/presentationml/2006/main">
   <p:cSld>
     <p:spTree>
@@ -39665,7 +39996,7 @@
 </p:sld>
 </file>
 
-<file path=ppt/slides/slide7.xml><?xml version="1.0" encoding="utf-8"?>
+<file path=ppt/slides/slide6.xml><?xml version="1.0" encoding="utf-8"?>
 <p:sld xmlns:a="http://schemas.openxmlformats.org/drawingml/2006/main" xmlns:r="http://schemas.openxmlformats.org/officeDocument/2006/relationships" xmlns:p="http://schemas.openxmlformats.org/presentationml/2006/main">
   <p:cSld>
     <p:spTree>
@@ -41159,7 +41490,7 @@
 </p:sld>
 </file>
 
-<file path=ppt/slides/slide8.xml><?xml version="1.0" encoding="utf-8"?>
+<file path=ppt/slides/slide7.xml><?xml version="1.0" encoding="utf-8"?>
 <p:sld xmlns:a="http://schemas.openxmlformats.org/drawingml/2006/main" xmlns:r="http://schemas.openxmlformats.org/officeDocument/2006/relationships" xmlns:p="http://schemas.openxmlformats.org/presentationml/2006/main">
   <p:cSld>
     <p:spTree>
@@ -42746,7 +43077,7 @@
 </p:sld>
 </file>
 
-<file path=ppt/slides/slide9.xml><?xml version="1.0" encoding="utf-8"?>
+<file path=ppt/slides/slide8.xml><?xml version="1.0" encoding="utf-8"?>
 <p:sld xmlns:a="http://schemas.openxmlformats.org/drawingml/2006/main" xmlns:r="http://schemas.openxmlformats.org/officeDocument/2006/relationships" xmlns:p="http://schemas.openxmlformats.org/presentationml/2006/main">
   <p:cSld>
     <p:spTree>
@@ -43317,6 +43648,1938 @@
     <p:bldLst>
       <p:bldP spid="4" grpId="0" uiExpand="1" build="p"/>
     </p:bldLst>
+  </p:timing>
+</p:sld>
+</file>
+
+<file path=ppt/slides/slide9.xml><?xml version="1.0" encoding="utf-8"?>
+<p:sld xmlns:a="http://schemas.openxmlformats.org/drawingml/2006/main" xmlns:r="http://schemas.openxmlformats.org/officeDocument/2006/relationships" xmlns:p="http://schemas.openxmlformats.org/presentationml/2006/main">
+  <p:cSld>
+    <p:spTree>
+      <p:nvGrpSpPr>
+        <p:cNvPr id="1" name=""/>
+        <p:cNvGrpSpPr/>
+        <p:nvPr/>
+      </p:nvGrpSpPr>
+      <p:grpSpPr>
+        <a:xfrm>
+          <a:off x="0" y="0"/>
+          <a:ext cx="0" cy="0"/>
+          <a:chOff x="0" y="0"/>
+          <a:chExt cx="0" cy="0"/>
+        </a:xfrm>
+      </p:grpSpPr>
+      <p:sp>
+        <p:nvSpPr>
+          <p:cNvPr id="13" name="Title 12"/>
+          <p:cNvSpPr>
+            <a:spLocks noGrp="1"/>
+          </p:cNvSpPr>
+          <p:nvPr>
+            <p:ph type="title"/>
+          </p:nvPr>
+        </p:nvSpPr>
+        <p:spPr/>
+        <p:txBody>
+          <a:bodyPr/>
+          <a:lstStyle/>
+          <a:p>
+            <a:r>
+              <a:rPr lang="en-US" dirty="0"/>
+              <a:t>Optimize Offloads </a:t>
+            </a:r>
+            <a:r>
+              <a:rPr lang="en-US" dirty="0" smtClean="0"/>
+              <a:t>with High-level Containers</a:t>
+            </a:r>
+            <a:endParaRPr lang="en-US" dirty="0"/>
+          </a:p>
+        </p:txBody>
+      </p:sp>
+      <p:sp>
+        <p:nvSpPr>
+          <p:cNvPr id="3" name="TextBox 2"/>
+          <p:cNvSpPr txBox="1"/>
+          <p:nvPr/>
+        </p:nvSpPr>
+        <p:spPr>
+          <a:xfrm>
+            <a:off x="3483385" y="671791"/>
+            <a:ext cx="3024457" cy="2785378"/>
+          </a:xfrm>
+          <a:prstGeom prst="rect">
+            <a:avLst/>
+          </a:prstGeom>
+          <a:noFill/>
+        </p:spPr>
+        <p:txBody>
+          <a:bodyPr wrap="square" rtlCol="0">
+            <a:spAutoFit/>
+          </a:bodyPr>
+          <a:lstStyle/>
+          <a:p>
+            <a:pPr>
+              <a:spcAft>
+                <a:spcPts val="0"/>
+              </a:spcAft>
+            </a:pPr>
+            <a:r>
+              <a:rPr lang="en-US" sz="700" dirty="0">
+                <a:solidFill>
+                  <a:srgbClr val="0000FF"/>
+                </a:solidFill>
+                <a:latin typeface="Consolas" panose="020B0609020204030204" pitchFamily="49" charset="0"/>
+                <a:ea typeface="Times New Roman" panose="02020603050405020304" pitchFamily="18" charset="0"/>
+                <a:cs typeface="Consolas" panose="020B0609020204030204" pitchFamily="49" charset="0"/>
+              </a:rPr>
+              <a:t>import</a:t>
+            </a:r>
+            <a:r>
+              <a:rPr lang="en-US" sz="700" dirty="0">
+                <a:solidFill>
+                  <a:srgbClr val="000000"/>
+                </a:solidFill>
+                <a:latin typeface="Consolas" panose="020B0609020204030204" pitchFamily="49" charset="0"/>
+                <a:ea typeface="Times New Roman" panose="02020603050405020304" pitchFamily="18" charset="0"/>
+                <a:cs typeface="Consolas" panose="020B0609020204030204" pitchFamily="49" charset="0"/>
+              </a:rPr>
+              <a:t> </a:t>
+            </a:r>
+            <a:r>
+              <a:rPr lang="en-US" sz="700" dirty="0" smtClean="0">
+                <a:solidFill>
+                  <a:srgbClr val="000000"/>
+                </a:solidFill>
+                <a:latin typeface="Consolas" panose="020B0609020204030204" pitchFamily="49" charset="0"/>
+                <a:ea typeface="Times New Roman" panose="02020603050405020304" pitchFamily="18" charset="0"/>
+                <a:cs typeface="Consolas" panose="020B0609020204030204" pitchFamily="49" charset="0"/>
+              </a:rPr>
+              <a:t>pymic </a:t>
+            </a:r>
+            <a:r>
+              <a:rPr lang="en-US" sz="700" dirty="0" smtClean="0">
+                <a:solidFill>
+                  <a:srgbClr val="0000FF"/>
+                </a:solidFill>
+                <a:latin typeface="Consolas" panose="020B0609020204030204" pitchFamily="49" charset="0"/>
+                <a:ea typeface="Times New Roman" panose="02020603050405020304" pitchFamily="18" charset="0"/>
+                <a:cs typeface="Consolas" panose="020B0609020204030204" pitchFamily="49" charset="0"/>
+              </a:rPr>
+              <a:t>as</a:t>
+            </a:r>
+            <a:r>
+              <a:rPr lang="en-US" sz="700" dirty="0" smtClean="0">
+                <a:solidFill>
+                  <a:srgbClr val="000000"/>
+                </a:solidFill>
+                <a:latin typeface="Consolas" panose="020B0609020204030204" pitchFamily="49" charset="0"/>
+                <a:ea typeface="Times New Roman" panose="02020603050405020304" pitchFamily="18" charset="0"/>
+                <a:cs typeface="Consolas" panose="020B0609020204030204" pitchFamily="49" charset="0"/>
+              </a:rPr>
+              <a:t> </a:t>
+            </a:r>
+            <a:r>
+              <a:rPr lang="en-US" sz="700" dirty="0" err="1">
+                <a:solidFill>
+                  <a:srgbClr val="000000"/>
+                </a:solidFill>
+                <a:latin typeface="Consolas" panose="020B0609020204030204" pitchFamily="49" charset="0"/>
+                <a:ea typeface="Times New Roman" panose="02020603050405020304" pitchFamily="18" charset="0"/>
+                <a:cs typeface="Consolas" panose="020B0609020204030204" pitchFamily="49" charset="0"/>
+              </a:rPr>
+              <a:t>mic</a:t>
+            </a:r>
+            <a:endParaRPr lang="en-US" sz="1200" dirty="0">
+              <a:latin typeface="Consolas" panose="020B0609020204030204" pitchFamily="49" charset="0"/>
+              <a:ea typeface="Times New Roman" panose="02020603050405020304" pitchFamily="18" charset="0"/>
+              <a:cs typeface="Consolas" panose="020B0609020204030204" pitchFamily="49" charset="0"/>
+            </a:endParaRPr>
+          </a:p>
+          <a:p>
+            <a:pPr>
+              <a:spcAft>
+                <a:spcPts val="0"/>
+              </a:spcAft>
+            </a:pPr>
+            <a:r>
+              <a:rPr lang="en-US" sz="700" dirty="0">
+                <a:solidFill>
+                  <a:srgbClr val="0000FF"/>
+                </a:solidFill>
+                <a:latin typeface="Consolas" panose="020B0609020204030204" pitchFamily="49" charset="0"/>
+                <a:ea typeface="Times New Roman" panose="02020603050405020304" pitchFamily="18" charset="0"/>
+                <a:cs typeface="Consolas" panose="020B0609020204030204" pitchFamily="49" charset="0"/>
+              </a:rPr>
+              <a:t>import</a:t>
+            </a:r>
+            <a:r>
+              <a:rPr lang="en-US" sz="700" dirty="0">
+                <a:solidFill>
+                  <a:srgbClr val="000000"/>
+                </a:solidFill>
+                <a:latin typeface="Consolas" panose="020B0609020204030204" pitchFamily="49" charset="0"/>
+                <a:ea typeface="Times New Roman" panose="02020603050405020304" pitchFamily="18" charset="0"/>
+                <a:cs typeface="Consolas" panose="020B0609020204030204" pitchFamily="49" charset="0"/>
+              </a:rPr>
+              <a:t> numpy </a:t>
+            </a:r>
+            <a:r>
+              <a:rPr lang="en-US" sz="700" dirty="0">
+                <a:solidFill>
+                  <a:srgbClr val="0000FF"/>
+                </a:solidFill>
+                <a:latin typeface="Consolas" panose="020B0609020204030204" pitchFamily="49" charset="0"/>
+                <a:ea typeface="Times New Roman" panose="02020603050405020304" pitchFamily="18" charset="0"/>
+                <a:cs typeface="Consolas" panose="020B0609020204030204" pitchFamily="49" charset="0"/>
+              </a:rPr>
+              <a:t>as</a:t>
+            </a:r>
+            <a:r>
+              <a:rPr lang="en-US" sz="700" dirty="0">
+                <a:solidFill>
+                  <a:srgbClr val="000000"/>
+                </a:solidFill>
+                <a:latin typeface="Consolas" panose="020B0609020204030204" pitchFamily="49" charset="0"/>
+                <a:ea typeface="Times New Roman" panose="02020603050405020304" pitchFamily="18" charset="0"/>
+                <a:cs typeface="Consolas" panose="020B0609020204030204" pitchFamily="49" charset="0"/>
+              </a:rPr>
+              <a:t> np</a:t>
+            </a:r>
+            <a:endParaRPr lang="en-US" sz="1200" dirty="0">
+              <a:latin typeface="Consolas" panose="020B0609020204030204" pitchFamily="49" charset="0"/>
+              <a:ea typeface="Times New Roman" panose="02020603050405020304" pitchFamily="18" charset="0"/>
+              <a:cs typeface="Consolas" panose="020B0609020204030204" pitchFamily="49" charset="0"/>
+            </a:endParaRPr>
+          </a:p>
+          <a:p>
+            <a:pPr>
+              <a:spcAft>
+                <a:spcPts val="0"/>
+              </a:spcAft>
+            </a:pPr>
+            <a:endParaRPr lang="en-US" sz="700" dirty="0" smtClean="0">
+              <a:solidFill>
+                <a:srgbClr val="008000"/>
+              </a:solidFill>
+              <a:latin typeface="Consolas" panose="020B0609020204030204" pitchFamily="49" charset="0"/>
+              <a:ea typeface="Times New Roman" panose="02020603050405020304" pitchFamily="18" charset="0"/>
+              <a:cs typeface="Consolas" panose="020B0609020204030204" pitchFamily="49" charset="0"/>
+            </a:endParaRPr>
+          </a:p>
+          <a:p>
+            <a:pPr>
+              <a:spcAft>
+                <a:spcPts val="0"/>
+              </a:spcAft>
+            </a:pPr>
+            <a:r>
+              <a:rPr lang="en-US" sz="700" dirty="0">
+                <a:solidFill>
+                  <a:srgbClr val="000000"/>
+                </a:solidFill>
+                <a:latin typeface="Consolas" panose="020B0609020204030204" pitchFamily="49" charset="0"/>
+                <a:ea typeface="Times New Roman" panose="02020603050405020304" pitchFamily="18" charset="0"/>
+                <a:cs typeface="Consolas" panose="020B0609020204030204" pitchFamily="49" charset="0"/>
+              </a:rPr>
+              <a:t>device = </a:t>
+            </a:r>
+            <a:r>
+              <a:rPr lang="en-US" sz="700" dirty="0" err="1">
+                <a:solidFill>
+                  <a:srgbClr val="000000"/>
+                </a:solidFill>
+                <a:latin typeface="Consolas" panose="020B0609020204030204" pitchFamily="49" charset="0"/>
+                <a:ea typeface="Times New Roman" panose="02020603050405020304" pitchFamily="18" charset="0"/>
+                <a:cs typeface="Consolas" panose="020B0609020204030204" pitchFamily="49" charset="0"/>
+              </a:rPr>
+              <a:t>mic.devices</a:t>
+            </a:r>
+            <a:r>
+              <a:rPr lang="en-US" sz="700" dirty="0">
+                <a:solidFill>
+                  <a:srgbClr val="000000"/>
+                </a:solidFill>
+                <a:latin typeface="Consolas" panose="020B0609020204030204" pitchFamily="49" charset="0"/>
+                <a:ea typeface="Times New Roman" panose="02020603050405020304" pitchFamily="18" charset="0"/>
+                <a:cs typeface="Consolas" panose="020B0609020204030204" pitchFamily="49" charset="0"/>
+              </a:rPr>
+              <a:t>[0]</a:t>
+            </a:r>
+          </a:p>
+          <a:p>
+            <a:pPr>
+              <a:spcAft>
+                <a:spcPts val="0"/>
+              </a:spcAft>
+            </a:pPr>
+            <a:r>
+              <a:rPr lang="en-US" sz="700" dirty="0">
+                <a:solidFill>
+                  <a:srgbClr val="000000"/>
+                </a:solidFill>
+                <a:latin typeface="Consolas" panose="020B0609020204030204" pitchFamily="49" charset="0"/>
+                <a:ea typeface="Times New Roman" panose="02020603050405020304" pitchFamily="18" charset="0"/>
+                <a:cs typeface="Consolas" panose="020B0609020204030204" pitchFamily="49" charset="0"/>
+              </a:rPr>
+              <a:t>stream = </a:t>
+            </a:r>
+            <a:r>
+              <a:rPr lang="en-US" sz="700" dirty="0" err="1">
+                <a:solidFill>
+                  <a:srgbClr val="000000"/>
+                </a:solidFill>
+                <a:latin typeface="Consolas" panose="020B0609020204030204" pitchFamily="49" charset="0"/>
+                <a:ea typeface="Times New Roman" panose="02020603050405020304" pitchFamily="18" charset="0"/>
+                <a:cs typeface="Consolas" panose="020B0609020204030204" pitchFamily="49" charset="0"/>
+              </a:rPr>
+              <a:t>device.get_default_stream</a:t>
+            </a:r>
+            <a:r>
+              <a:rPr lang="en-US" sz="700" dirty="0">
+                <a:solidFill>
+                  <a:srgbClr val="000000"/>
+                </a:solidFill>
+                <a:latin typeface="Consolas" panose="020B0609020204030204" pitchFamily="49" charset="0"/>
+                <a:ea typeface="Times New Roman" panose="02020603050405020304" pitchFamily="18" charset="0"/>
+                <a:cs typeface="Consolas" panose="020B0609020204030204" pitchFamily="49" charset="0"/>
+              </a:rPr>
+              <a:t>()</a:t>
+            </a:r>
+            <a:endParaRPr lang="en-US" sz="1200" dirty="0">
+              <a:latin typeface="Consolas" panose="020B0609020204030204" pitchFamily="49" charset="0"/>
+              <a:ea typeface="Times New Roman" panose="02020603050405020304" pitchFamily="18" charset="0"/>
+              <a:cs typeface="Consolas" panose="020B0609020204030204" pitchFamily="49" charset="0"/>
+            </a:endParaRPr>
+          </a:p>
+          <a:p>
+            <a:pPr>
+              <a:spcAft>
+                <a:spcPts val="0"/>
+              </a:spcAft>
+            </a:pPr>
+            <a:r>
+              <a:rPr lang="en-US" sz="700" dirty="0">
+                <a:solidFill>
+                  <a:srgbClr val="000000"/>
+                </a:solidFill>
+                <a:latin typeface="Consolas" panose="020B0609020204030204" pitchFamily="49" charset="0"/>
+                <a:ea typeface="Times New Roman" panose="02020603050405020304" pitchFamily="18" charset="0"/>
+                <a:cs typeface="Consolas" panose="020B0609020204030204" pitchFamily="49" charset="0"/>
+              </a:rPr>
+              <a:t>library = </a:t>
+            </a:r>
+            <a:r>
+              <a:rPr lang="en-US" sz="700" dirty="0" err="1">
+                <a:solidFill>
+                  <a:srgbClr val="000000"/>
+                </a:solidFill>
+                <a:latin typeface="Consolas" panose="020B0609020204030204" pitchFamily="49" charset="0"/>
+                <a:ea typeface="Times New Roman" panose="02020603050405020304" pitchFamily="18" charset="0"/>
+                <a:cs typeface="Consolas" panose="020B0609020204030204" pitchFamily="49" charset="0"/>
+              </a:rPr>
+              <a:t>device.load_library</a:t>
+            </a:r>
+            <a:r>
+              <a:rPr lang="en-US" sz="700" dirty="0">
+                <a:solidFill>
+                  <a:srgbClr val="000000"/>
+                </a:solidFill>
+                <a:latin typeface="Consolas" panose="020B0609020204030204" pitchFamily="49" charset="0"/>
+                <a:ea typeface="Times New Roman" panose="02020603050405020304" pitchFamily="18" charset="0"/>
+                <a:cs typeface="Consolas" panose="020B0609020204030204" pitchFamily="49" charset="0"/>
+              </a:rPr>
+              <a:t>(</a:t>
+            </a:r>
+            <a:r>
+              <a:rPr lang="en-US" sz="700" dirty="0">
+                <a:solidFill>
+                  <a:srgbClr val="A31515"/>
+                </a:solidFill>
+                <a:latin typeface="Consolas" panose="020B0609020204030204" pitchFamily="49" charset="0"/>
+                <a:ea typeface="Times New Roman" panose="02020603050405020304" pitchFamily="18" charset="0"/>
+                <a:cs typeface="Consolas" panose="020B0609020204030204" pitchFamily="49" charset="0"/>
+              </a:rPr>
+              <a:t>"libdgemm.so"</a:t>
+            </a:r>
+            <a:r>
+              <a:rPr lang="en-US" sz="700" dirty="0">
+                <a:solidFill>
+                  <a:srgbClr val="000000"/>
+                </a:solidFill>
+                <a:latin typeface="Consolas" panose="020B0609020204030204" pitchFamily="49" charset="0"/>
+                <a:ea typeface="Times New Roman" panose="02020603050405020304" pitchFamily="18" charset="0"/>
+                <a:cs typeface="Consolas" panose="020B0609020204030204" pitchFamily="49" charset="0"/>
+              </a:rPr>
+              <a:t>)</a:t>
+            </a:r>
+            <a:endParaRPr lang="en-US" sz="1200" dirty="0">
+              <a:latin typeface="Consolas" panose="020B0609020204030204" pitchFamily="49" charset="0"/>
+              <a:ea typeface="Times New Roman" panose="02020603050405020304" pitchFamily="18" charset="0"/>
+              <a:cs typeface="Consolas" panose="020B0609020204030204" pitchFamily="49" charset="0"/>
+            </a:endParaRPr>
+          </a:p>
+          <a:p>
+            <a:pPr>
+              <a:spcAft>
+                <a:spcPts val="0"/>
+              </a:spcAft>
+            </a:pPr>
+            <a:endParaRPr lang="en-US" sz="700" dirty="0" smtClean="0">
+              <a:solidFill>
+                <a:srgbClr val="008000"/>
+              </a:solidFill>
+              <a:latin typeface="Consolas" panose="020B0609020204030204" pitchFamily="49" charset="0"/>
+              <a:ea typeface="Times New Roman" panose="02020603050405020304" pitchFamily="18" charset="0"/>
+              <a:cs typeface="Consolas" panose="020B0609020204030204" pitchFamily="49" charset="0"/>
+            </a:endParaRPr>
+          </a:p>
+          <a:p>
+            <a:pPr>
+              <a:spcAft>
+                <a:spcPts val="0"/>
+              </a:spcAft>
+            </a:pPr>
+            <a:r>
+              <a:rPr lang="en-US" sz="700" dirty="0" err="1" smtClean="0">
+                <a:solidFill>
+                  <a:srgbClr val="000000"/>
+                </a:solidFill>
+                <a:latin typeface="Consolas" panose="020B0609020204030204" pitchFamily="49" charset="0"/>
+                <a:ea typeface="Times New Roman" panose="02020603050405020304" pitchFamily="18" charset="0"/>
+                <a:cs typeface="Consolas" panose="020B0609020204030204" pitchFamily="49" charset="0"/>
+              </a:rPr>
+              <a:t>m,n,k</a:t>
+            </a:r>
+            <a:r>
+              <a:rPr lang="en-US" sz="700" dirty="0" smtClean="0">
+                <a:solidFill>
+                  <a:srgbClr val="000000"/>
+                </a:solidFill>
+                <a:latin typeface="Consolas" panose="020B0609020204030204" pitchFamily="49" charset="0"/>
+                <a:ea typeface="Times New Roman" panose="02020603050405020304" pitchFamily="18" charset="0"/>
+                <a:cs typeface="Consolas" panose="020B0609020204030204" pitchFamily="49" charset="0"/>
+              </a:rPr>
+              <a:t> </a:t>
+            </a:r>
+            <a:r>
+              <a:rPr lang="en-US" sz="700" dirty="0">
+                <a:solidFill>
+                  <a:srgbClr val="000000"/>
+                </a:solidFill>
+                <a:latin typeface="Consolas" panose="020B0609020204030204" pitchFamily="49" charset="0"/>
+                <a:ea typeface="Times New Roman" panose="02020603050405020304" pitchFamily="18" charset="0"/>
+                <a:cs typeface="Consolas" panose="020B0609020204030204" pitchFamily="49" charset="0"/>
+              </a:rPr>
+              <a:t>= 4096,4096,4096</a:t>
+            </a:r>
+            <a:endParaRPr lang="en-US" sz="1200" dirty="0">
+              <a:latin typeface="Consolas" panose="020B0609020204030204" pitchFamily="49" charset="0"/>
+              <a:ea typeface="Times New Roman" panose="02020603050405020304" pitchFamily="18" charset="0"/>
+              <a:cs typeface="Consolas" panose="020B0609020204030204" pitchFamily="49" charset="0"/>
+            </a:endParaRPr>
+          </a:p>
+          <a:p>
+            <a:pPr>
+              <a:spcAft>
+                <a:spcPts val="0"/>
+              </a:spcAft>
+            </a:pPr>
+            <a:r>
+              <a:rPr lang="en-US" sz="700" dirty="0">
+                <a:solidFill>
+                  <a:srgbClr val="000000"/>
+                </a:solidFill>
+                <a:latin typeface="Consolas" panose="020B0609020204030204" pitchFamily="49" charset="0"/>
+                <a:ea typeface="Times New Roman" panose="02020603050405020304" pitchFamily="18" charset="0"/>
+                <a:cs typeface="Consolas" panose="020B0609020204030204" pitchFamily="49" charset="0"/>
+              </a:rPr>
+              <a:t>alpha = 1.0</a:t>
+            </a:r>
+            <a:endParaRPr lang="en-US" sz="1200" dirty="0">
+              <a:latin typeface="Consolas" panose="020B0609020204030204" pitchFamily="49" charset="0"/>
+              <a:ea typeface="Times New Roman" panose="02020603050405020304" pitchFamily="18" charset="0"/>
+              <a:cs typeface="Consolas" panose="020B0609020204030204" pitchFamily="49" charset="0"/>
+            </a:endParaRPr>
+          </a:p>
+          <a:p>
+            <a:pPr>
+              <a:spcAft>
+                <a:spcPts val="0"/>
+              </a:spcAft>
+            </a:pPr>
+            <a:r>
+              <a:rPr lang="en-US" sz="700" dirty="0">
+                <a:solidFill>
+                  <a:srgbClr val="000000"/>
+                </a:solidFill>
+                <a:latin typeface="Consolas" panose="020B0609020204030204" pitchFamily="49" charset="0"/>
+                <a:ea typeface="Times New Roman" panose="02020603050405020304" pitchFamily="18" charset="0"/>
+                <a:cs typeface="Consolas" panose="020B0609020204030204" pitchFamily="49" charset="0"/>
+              </a:rPr>
+              <a:t>beta = 0.0</a:t>
+            </a:r>
+            <a:endParaRPr lang="en-US" sz="1200" dirty="0">
+              <a:latin typeface="Consolas" panose="020B0609020204030204" pitchFamily="49" charset="0"/>
+              <a:ea typeface="Times New Roman" panose="02020603050405020304" pitchFamily="18" charset="0"/>
+              <a:cs typeface="Consolas" panose="020B0609020204030204" pitchFamily="49" charset="0"/>
+            </a:endParaRPr>
+          </a:p>
+          <a:p>
+            <a:pPr>
+              <a:spcAft>
+                <a:spcPts val="0"/>
+              </a:spcAft>
+            </a:pPr>
+            <a:r>
+              <a:rPr lang="en-US" sz="700" dirty="0" err="1" smtClean="0">
+                <a:solidFill>
+                  <a:srgbClr val="000000"/>
+                </a:solidFill>
+                <a:latin typeface="Consolas" panose="020B0609020204030204" pitchFamily="49" charset="0"/>
+                <a:ea typeface="Times New Roman" panose="02020603050405020304" pitchFamily="18" charset="0"/>
+                <a:cs typeface="Consolas" panose="020B0609020204030204" pitchFamily="49" charset="0"/>
+              </a:rPr>
+              <a:t>np.random.seed</a:t>
+            </a:r>
+            <a:r>
+              <a:rPr lang="en-US" sz="700" dirty="0" smtClean="0">
+                <a:solidFill>
+                  <a:srgbClr val="000000"/>
+                </a:solidFill>
+                <a:latin typeface="Consolas" panose="020B0609020204030204" pitchFamily="49" charset="0"/>
+                <a:ea typeface="Times New Roman" panose="02020603050405020304" pitchFamily="18" charset="0"/>
+                <a:cs typeface="Consolas" panose="020B0609020204030204" pitchFamily="49" charset="0"/>
+              </a:rPr>
+              <a:t>(10</a:t>
+            </a:r>
+            <a:r>
+              <a:rPr lang="en-US" sz="700" dirty="0">
+                <a:solidFill>
+                  <a:srgbClr val="000000"/>
+                </a:solidFill>
+                <a:latin typeface="Consolas" panose="020B0609020204030204" pitchFamily="49" charset="0"/>
+                <a:ea typeface="Times New Roman" panose="02020603050405020304" pitchFamily="18" charset="0"/>
+                <a:cs typeface="Consolas" panose="020B0609020204030204" pitchFamily="49" charset="0"/>
+              </a:rPr>
+              <a:t>)</a:t>
+            </a:r>
+            <a:endParaRPr lang="en-US" sz="1200" dirty="0">
+              <a:latin typeface="Consolas" panose="020B0609020204030204" pitchFamily="49" charset="0"/>
+              <a:ea typeface="Times New Roman" panose="02020603050405020304" pitchFamily="18" charset="0"/>
+              <a:cs typeface="Consolas" panose="020B0609020204030204" pitchFamily="49" charset="0"/>
+            </a:endParaRPr>
+          </a:p>
+          <a:p>
+            <a:pPr>
+              <a:spcAft>
+                <a:spcPts val="0"/>
+              </a:spcAft>
+            </a:pPr>
+            <a:r>
+              <a:rPr lang="en-US" sz="700" dirty="0">
+                <a:solidFill>
+                  <a:srgbClr val="000000"/>
+                </a:solidFill>
+                <a:latin typeface="Consolas" panose="020B0609020204030204" pitchFamily="49" charset="0"/>
+                <a:ea typeface="Times New Roman" panose="02020603050405020304" pitchFamily="18" charset="0"/>
+                <a:cs typeface="Consolas" panose="020B0609020204030204" pitchFamily="49" charset="0"/>
+              </a:rPr>
+              <a:t>a = </a:t>
+            </a:r>
+            <a:r>
+              <a:rPr lang="en-US" sz="700" dirty="0" err="1">
+                <a:solidFill>
+                  <a:srgbClr val="000000"/>
+                </a:solidFill>
+                <a:latin typeface="Consolas" panose="020B0609020204030204" pitchFamily="49" charset="0"/>
+                <a:ea typeface="Times New Roman" panose="02020603050405020304" pitchFamily="18" charset="0"/>
+                <a:cs typeface="Consolas" panose="020B0609020204030204" pitchFamily="49" charset="0"/>
+              </a:rPr>
+              <a:t>np.random.random</a:t>
+            </a:r>
+            <a:r>
+              <a:rPr lang="en-US" sz="700" dirty="0">
+                <a:solidFill>
+                  <a:srgbClr val="000000"/>
+                </a:solidFill>
+                <a:latin typeface="Consolas" panose="020B0609020204030204" pitchFamily="49" charset="0"/>
+                <a:ea typeface="Times New Roman" panose="02020603050405020304" pitchFamily="18" charset="0"/>
+                <a:cs typeface="Consolas" panose="020B0609020204030204" pitchFamily="49" charset="0"/>
+              </a:rPr>
+              <a:t>(m*k).reshape((m, k))</a:t>
+            </a:r>
+            <a:endParaRPr lang="en-US" sz="1200" dirty="0">
+              <a:latin typeface="Consolas" panose="020B0609020204030204" pitchFamily="49" charset="0"/>
+              <a:ea typeface="Times New Roman" panose="02020603050405020304" pitchFamily="18" charset="0"/>
+              <a:cs typeface="Consolas" panose="020B0609020204030204" pitchFamily="49" charset="0"/>
+            </a:endParaRPr>
+          </a:p>
+          <a:p>
+            <a:pPr>
+              <a:spcAft>
+                <a:spcPts val="0"/>
+              </a:spcAft>
+            </a:pPr>
+            <a:r>
+              <a:rPr lang="en-US" sz="700" dirty="0">
+                <a:solidFill>
+                  <a:srgbClr val="000000"/>
+                </a:solidFill>
+                <a:latin typeface="Consolas" panose="020B0609020204030204" pitchFamily="49" charset="0"/>
+                <a:ea typeface="Times New Roman" panose="02020603050405020304" pitchFamily="18" charset="0"/>
+                <a:cs typeface="Consolas" panose="020B0609020204030204" pitchFamily="49" charset="0"/>
+              </a:rPr>
+              <a:t>b = </a:t>
+            </a:r>
+            <a:r>
+              <a:rPr lang="en-US" sz="700" dirty="0" err="1">
+                <a:solidFill>
+                  <a:srgbClr val="000000"/>
+                </a:solidFill>
+                <a:latin typeface="Consolas" panose="020B0609020204030204" pitchFamily="49" charset="0"/>
+                <a:ea typeface="Times New Roman" panose="02020603050405020304" pitchFamily="18" charset="0"/>
+                <a:cs typeface="Consolas" panose="020B0609020204030204" pitchFamily="49" charset="0"/>
+              </a:rPr>
+              <a:t>np.random.random</a:t>
+            </a:r>
+            <a:r>
+              <a:rPr lang="en-US" sz="700" dirty="0">
+                <a:solidFill>
+                  <a:srgbClr val="000000"/>
+                </a:solidFill>
+                <a:latin typeface="Consolas" panose="020B0609020204030204" pitchFamily="49" charset="0"/>
+                <a:ea typeface="Times New Roman" panose="02020603050405020304" pitchFamily="18" charset="0"/>
+                <a:cs typeface="Consolas" panose="020B0609020204030204" pitchFamily="49" charset="0"/>
+              </a:rPr>
+              <a:t>(k*n).reshape((k, n))</a:t>
+            </a:r>
+            <a:endParaRPr lang="en-US" sz="1200" dirty="0">
+              <a:latin typeface="Consolas" panose="020B0609020204030204" pitchFamily="49" charset="0"/>
+              <a:ea typeface="Times New Roman" panose="02020603050405020304" pitchFamily="18" charset="0"/>
+              <a:cs typeface="Consolas" panose="020B0609020204030204" pitchFamily="49" charset="0"/>
+            </a:endParaRPr>
+          </a:p>
+          <a:p>
+            <a:pPr>
+              <a:spcAft>
+                <a:spcPts val="0"/>
+              </a:spcAft>
+            </a:pPr>
+            <a:r>
+              <a:rPr lang="en-US" sz="700" dirty="0" smtClean="0">
+                <a:solidFill>
+                  <a:srgbClr val="000000"/>
+                </a:solidFill>
+                <a:latin typeface="Consolas" panose="020B0609020204030204" pitchFamily="49" charset="0"/>
+                <a:ea typeface="Times New Roman" panose="02020603050405020304" pitchFamily="18" charset="0"/>
+                <a:cs typeface="Consolas" panose="020B0609020204030204" pitchFamily="49" charset="0"/>
+              </a:rPr>
+              <a:t>c = </a:t>
+            </a:r>
+            <a:r>
+              <a:rPr lang="en-US" sz="700" dirty="0" err="1" smtClean="0">
+                <a:solidFill>
+                  <a:srgbClr val="000000"/>
+                </a:solidFill>
+                <a:latin typeface="Consolas" panose="020B0609020204030204" pitchFamily="49" charset="0"/>
+                <a:ea typeface="Times New Roman" panose="02020603050405020304" pitchFamily="18" charset="0"/>
+                <a:cs typeface="Consolas" panose="020B0609020204030204" pitchFamily="49" charset="0"/>
+              </a:rPr>
+              <a:t>np.zeros</a:t>
+            </a:r>
+            <a:r>
+              <a:rPr lang="en-US" sz="700" dirty="0" smtClean="0">
+                <a:solidFill>
+                  <a:srgbClr val="000000"/>
+                </a:solidFill>
+                <a:latin typeface="Consolas" panose="020B0609020204030204" pitchFamily="49" charset="0"/>
+                <a:ea typeface="Times New Roman" panose="02020603050405020304" pitchFamily="18" charset="0"/>
+                <a:cs typeface="Consolas" panose="020B0609020204030204" pitchFamily="49" charset="0"/>
+              </a:rPr>
+              <a:t>((m, n))</a:t>
+            </a:r>
+            <a:endParaRPr lang="en-US" sz="1200" dirty="0" smtClean="0">
+              <a:latin typeface="Consolas" panose="020B0609020204030204" pitchFamily="49" charset="0"/>
+              <a:ea typeface="Times New Roman" panose="02020603050405020304" pitchFamily="18" charset="0"/>
+              <a:cs typeface="Consolas" panose="020B0609020204030204" pitchFamily="49" charset="0"/>
+            </a:endParaRPr>
+          </a:p>
+          <a:p>
+            <a:pPr>
+              <a:spcAft>
+                <a:spcPts val="0"/>
+              </a:spcAft>
+            </a:pPr>
+            <a:endParaRPr lang="en-US" sz="700" dirty="0" smtClean="0">
+              <a:solidFill>
+                <a:srgbClr val="008000"/>
+              </a:solidFill>
+              <a:latin typeface="Consolas" panose="020B0609020204030204" pitchFamily="49" charset="0"/>
+              <a:ea typeface="Times New Roman" panose="02020603050405020304" pitchFamily="18" charset="0"/>
+              <a:cs typeface="Consolas" panose="020B0609020204030204" pitchFamily="49" charset="0"/>
+            </a:endParaRPr>
+          </a:p>
+          <a:p>
+            <a:pPr>
+              <a:spcAft>
+                <a:spcPts val="0"/>
+              </a:spcAft>
+            </a:pPr>
+            <a:r>
+              <a:rPr lang="en-US" sz="700" dirty="0" err="1" smtClean="0">
+                <a:solidFill>
+                  <a:srgbClr val="C00000"/>
+                </a:solidFill>
+                <a:latin typeface="Consolas" panose="020B0609020204030204" pitchFamily="49" charset="0"/>
+                <a:ea typeface="Times New Roman" panose="02020603050405020304" pitchFamily="18" charset="0"/>
+                <a:cs typeface="Consolas" panose="020B0609020204030204" pitchFamily="49" charset="0"/>
+              </a:rPr>
+              <a:t>offl_a</a:t>
+            </a:r>
+            <a:r>
+              <a:rPr lang="en-US" sz="700" dirty="0" smtClean="0">
+                <a:solidFill>
+                  <a:srgbClr val="C00000"/>
+                </a:solidFill>
+                <a:latin typeface="Consolas" panose="020B0609020204030204" pitchFamily="49" charset="0"/>
+                <a:ea typeface="Times New Roman" panose="02020603050405020304" pitchFamily="18" charset="0"/>
+                <a:cs typeface="Consolas" panose="020B0609020204030204" pitchFamily="49" charset="0"/>
+              </a:rPr>
+              <a:t> </a:t>
+            </a:r>
+            <a:r>
+              <a:rPr lang="en-US" sz="700" dirty="0">
+                <a:solidFill>
+                  <a:srgbClr val="C00000"/>
+                </a:solidFill>
+                <a:latin typeface="Consolas" panose="020B0609020204030204" pitchFamily="49" charset="0"/>
+                <a:ea typeface="Times New Roman" panose="02020603050405020304" pitchFamily="18" charset="0"/>
+                <a:cs typeface="Consolas" panose="020B0609020204030204" pitchFamily="49" charset="0"/>
+              </a:rPr>
+              <a:t>= </a:t>
+            </a:r>
+            <a:r>
+              <a:rPr lang="en-US" sz="700" dirty="0" err="1" smtClean="0">
+                <a:solidFill>
+                  <a:srgbClr val="C00000"/>
+                </a:solidFill>
+                <a:latin typeface="Consolas" panose="020B0609020204030204" pitchFamily="49" charset="0"/>
+                <a:ea typeface="Times New Roman" panose="02020603050405020304" pitchFamily="18" charset="0"/>
+                <a:cs typeface="Consolas" panose="020B0609020204030204" pitchFamily="49" charset="0"/>
+              </a:rPr>
+              <a:t>stream.bind</a:t>
+            </a:r>
+            <a:r>
+              <a:rPr lang="en-US" sz="700" dirty="0" smtClean="0">
+                <a:solidFill>
+                  <a:srgbClr val="C00000"/>
+                </a:solidFill>
+                <a:latin typeface="Consolas" panose="020B0609020204030204" pitchFamily="49" charset="0"/>
+                <a:ea typeface="Times New Roman" panose="02020603050405020304" pitchFamily="18" charset="0"/>
+                <a:cs typeface="Consolas" panose="020B0609020204030204" pitchFamily="49" charset="0"/>
+              </a:rPr>
+              <a:t>(a</a:t>
+            </a:r>
+            <a:r>
+              <a:rPr lang="en-US" sz="700" dirty="0">
+                <a:solidFill>
+                  <a:srgbClr val="C00000"/>
+                </a:solidFill>
+                <a:latin typeface="Consolas" panose="020B0609020204030204" pitchFamily="49" charset="0"/>
+                <a:ea typeface="Times New Roman" panose="02020603050405020304" pitchFamily="18" charset="0"/>
+                <a:cs typeface="Consolas" panose="020B0609020204030204" pitchFamily="49" charset="0"/>
+              </a:rPr>
+              <a:t>)</a:t>
+            </a:r>
+            <a:endParaRPr lang="en-US" sz="1200" dirty="0">
+              <a:solidFill>
+                <a:srgbClr val="C00000"/>
+              </a:solidFill>
+              <a:latin typeface="Consolas" panose="020B0609020204030204" pitchFamily="49" charset="0"/>
+              <a:ea typeface="Times New Roman" panose="02020603050405020304" pitchFamily="18" charset="0"/>
+              <a:cs typeface="Consolas" panose="020B0609020204030204" pitchFamily="49" charset="0"/>
+            </a:endParaRPr>
+          </a:p>
+          <a:p>
+            <a:pPr>
+              <a:spcAft>
+                <a:spcPts val="0"/>
+              </a:spcAft>
+            </a:pPr>
+            <a:r>
+              <a:rPr lang="en-US" sz="700" dirty="0" err="1">
+                <a:solidFill>
+                  <a:srgbClr val="C00000"/>
+                </a:solidFill>
+                <a:latin typeface="Consolas" panose="020B0609020204030204" pitchFamily="49" charset="0"/>
+                <a:ea typeface="Times New Roman" panose="02020603050405020304" pitchFamily="18" charset="0"/>
+                <a:cs typeface="Consolas" panose="020B0609020204030204" pitchFamily="49" charset="0"/>
+              </a:rPr>
+              <a:t>offl_b</a:t>
+            </a:r>
+            <a:r>
+              <a:rPr lang="en-US" sz="700" dirty="0">
+                <a:solidFill>
+                  <a:srgbClr val="C00000"/>
+                </a:solidFill>
+                <a:latin typeface="Consolas" panose="020B0609020204030204" pitchFamily="49" charset="0"/>
+                <a:ea typeface="Times New Roman" panose="02020603050405020304" pitchFamily="18" charset="0"/>
+                <a:cs typeface="Consolas" panose="020B0609020204030204" pitchFamily="49" charset="0"/>
+              </a:rPr>
+              <a:t> = </a:t>
+            </a:r>
+            <a:r>
+              <a:rPr lang="en-US" sz="700" dirty="0" err="1" smtClean="0">
+                <a:solidFill>
+                  <a:srgbClr val="C00000"/>
+                </a:solidFill>
+                <a:latin typeface="Consolas" panose="020B0609020204030204" pitchFamily="49" charset="0"/>
+                <a:ea typeface="Times New Roman" panose="02020603050405020304" pitchFamily="18" charset="0"/>
+                <a:cs typeface="Consolas" panose="020B0609020204030204" pitchFamily="49" charset="0"/>
+              </a:rPr>
+              <a:t>stream.bind</a:t>
+            </a:r>
+            <a:r>
+              <a:rPr lang="en-US" sz="700" dirty="0" smtClean="0">
+                <a:solidFill>
+                  <a:srgbClr val="C00000"/>
+                </a:solidFill>
+                <a:latin typeface="Consolas" panose="020B0609020204030204" pitchFamily="49" charset="0"/>
+                <a:ea typeface="Times New Roman" panose="02020603050405020304" pitchFamily="18" charset="0"/>
+                <a:cs typeface="Consolas" panose="020B0609020204030204" pitchFamily="49" charset="0"/>
+              </a:rPr>
+              <a:t>(b</a:t>
+            </a:r>
+            <a:r>
+              <a:rPr lang="en-US" sz="700" dirty="0">
+                <a:solidFill>
+                  <a:srgbClr val="C00000"/>
+                </a:solidFill>
+                <a:latin typeface="Consolas" panose="020B0609020204030204" pitchFamily="49" charset="0"/>
+                <a:ea typeface="Times New Roman" panose="02020603050405020304" pitchFamily="18" charset="0"/>
+                <a:cs typeface="Consolas" panose="020B0609020204030204" pitchFamily="49" charset="0"/>
+              </a:rPr>
+              <a:t>)</a:t>
+            </a:r>
+            <a:endParaRPr lang="en-US" sz="1200" dirty="0">
+              <a:solidFill>
+                <a:srgbClr val="C00000"/>
+              </a:solidFill>
+              <a:latin typeface="Consolas" panose="020B0609020204030204" pitchFamily="49" charset="0"/>
+              <a:ea typeface="Times New Roman" panose="02020603050405020304" pitchFamily="18" charset="0"/>
+              <a:cs typeface="Consolas" panose="020B0609020204030204" pitchFamily="49" charset="0"/>
+            </a:endParaRPr>
+          </a:p>
+          <a:p>
+            <a:pPr>
+              <a:spcAft>
+                <a:spcPts val="0"/>
+              </a:spcAft>
+            </a:pPr>
+            <a:r>
+              <a:rPr lang="en-US" sz="700" dirty="0" err="1">
+                <a:solidFill>
+                  <a:srgbClr val="C00000"/>
+                </a:solidFill>
+                <a:latin typeface="Consolas" panose="020B0609020204030204" pitchFamily="49" charset="0"/>
+                <a:ea typeface="Times New Roman" panose="02020603050405020304" pitchFamily="18" charset="0"/>
+                <a:cs typeface="Consolas" panose="020B0609020204030204" pitchFamily="49" charset="0"/>
+              </a:rPr>
+              <a:t>offl_c</a:t>
+            </a:r>
+            <a:r>
+              <a:rPr lang="en-US" sz="700" dirty="0">
+                <a:solidFill>
+                  <a:srgbClr val="C00000"/>
+                </a:solidFill>
+                <a:latin typeface="Consolas" panose="020B0609020204030204" pitchFamily="49" charset="0"/>
+                <a:ea typeface="Times New Roman" panose="02020603050405020304" pitchFamily="18" charset="0"/>
+                <a:cs typeface="Consolas" panose="020B0609020204030204" pitchFamily="49" charset="0"/>
+              </a:rPr>
+              <a:t> = </a:t>
+            </a:r>
+            <a:r>
+              <a:rPr lang="en-US" sz="700" smtClean="0">
+                <a:solidFill>
+                  <a:srgbClr val="C00000"/>
+                </a:solidFill>
+                <a:latin typeface="Consolas" panose="020B0609020204030204" pitchFamily="49" charset="0"/>
+                <a:ea typeface="Times New Roman" panose="02020603050405020304" pitchFamily="18" charset="0"/>
+                <a:cs typeface="Consolas" panose="020B0609020204030204" pitchFamily="49" charset="0"/>
+              </a:rPr>
+              <a:t>stream.bind(c</a:t>
+            </a:r>
+            <a:r>
+              <a:rPr lang="en-US" sz="700" dirty="0" smtClean="0">
+                <a:solidFill>
+                  <a:srgbClr val="C00000"/>
+                </a:solidFill>
+                <a:latin typeface="Consolas" panose="020B0609020204030204" pitchFamily="49" charset="0"/>
+                <a:ea typeface="Times New Roman" panose="02020603050405020304" pitchFamily="18" charset="0"/>
+                <a:cs typeface="Consolas" panose="020B0609020204030204" pitchFamily="49" charset="0"/>
+              </a:rPr>
+              <a:t>)</a:t>
+            </a:r>
+            <a:endParaRPr lang="en-US" sz="1200" dirty="0">
+              <a:solidFill>
+                <a:srgbClr val="C00000"/>
+              </a:solidFill>
+              <a:latin typeface="Consolas" panose="020B0609020204030204" pitchFamily="49" charset="0"/>
+              <a:ea typeface="Times New Roman" panose="02020603050405020304" pitchFamily="18" charset="0"/>
+              <a:cs typeface="Consolas" panose="020B0609020204030204" pitchFamily="49" charset="0"/>
+            </a:endParaRPr>
+          </a:p>
+          <a:p>
+            <a:pPr>
+              <a:spcAft>
+                <a:spcPts val="0"/>
+              </a:spcAft>
+            </a:pPr>
+            <a:endParaRPr lang="en-US" sz="700" dirty="0" smtClean="0">
+              <a:solidFill>
+                <a:srgbClr val="008000"/>
+              </a:solidFill>
+              <a:latin typeface="Consolas" panose="020B0609020204030204" pitchFamily="49" charset="0"/>
+              <a:ea typeface="Times New Roman" panose="02020603050405020304" pitchFamily="18" charset="0"/>
+              <a:cs typeface="Consolas" panose="020B0609020204030204" pitchFamily="49" charset="0"/>
+            </a:endParaRPr>
+          </a:p>
+          <a:p>
+            <a:pPr>
+              <a:spcAft>
+                <a:spcPts val="0"/>
+              </a:spcAft>
+            </a:pPr>
+            <a:r>
+              <a:rPr lang="en-US" sz="700" dirty="0" err="1" smtClean="0">
+                <a:solidFill>
+                  <a:srgbClr val="000000"/>
+                </a:solidFill>
+                <a:latin typeface="Consolas" panose="020B0609020204030204" pitchFamily="49" charset="0"/>
+                <a:ea typeface="Times New Roman" panose="02020603050405020304" pitchFamily="18" charset="0"/>
+                <a:cs typeface="Consolas" panose="020B0609020204030204" pitchFamily="49" charset="0"/>
+              </a:rPr>
+              <a:t>stream.invoke</a:t>
+            </a:r>
+            <a:r>
+              <a:rPr lang="en-US" sz="700" dirty="0" smtClean="0">
+                <a:solidFill>
+                  <a:srgbClr val="000000"/>
+                </a:solidFill>
+                <a:latin typeface="Consolas" panose="020B0609020204030204" pitchFamily="49" charset="0"/>
+                <a:ea typeface="Times New Roman" panose="02020603050405020304" pitchFamily="18" charset="0"/>
+                <a:cs typeface="Consolas" panose="020B0609020204030204" pitchFamily="49" charset="0"/>
+              </a:rPr>
+              <a:t>(</a:t>
+            </a:r>
+            <a:r>
+              <a:rPr lang="en-US" sz="700" dirty="0" err="1" smtClean="0">
+                <a:latin typeface="Consolas" panose="020B0609020204030204" pitchFamily="49" charset="0"/>
+                <a:ea typeface="Times New Roman" panose="02020603050405020304" pitchFamily="18" charset="0"/>
+                <a:cs typeface="Consolas" panose="020B0609020204030204" pitchFamily="49" charset="0"/>
+              </a:rPr>
+              <a:t>library.dgemm_kernel</a:t>
+            </a:r>
+            <a:r>
+              <a:rPr lang="en-US" sz="700" dirty="0" smtClean="0">
+                <a:solidFill>
+                  <a:srgbClr val="000000"/>
+                </a:solidFill>
+                <a:latin typeface="Consolas" panose="020B0609020204030204" pitchFamily="49" charset="0"/>
+                <a:ea typeface="Times New Roman" panose="02020603050405020304" pitchFamily="18" charset="0"/>
+                <a:cs typeface="Consolas" panose="020B0609020204030204" pitchFamily="49" charset="0"/>
+              </a:rPr>
+              <a:t>, </a:t>
+            </a:r>
+            <a:r>
+              <a:rPr lang="en-US" sz="700" dirty="0">
+                <a:solidFill>
+                  <a:srgbClr val="000000"/>
+                </a:solidFill>
+                <a:latin typeface="Consolas" panose="020B0609020204030204" pitchFamily="49" charset="0"/>
+                <a:ea typeface="Times New Roman" panose="02020603050405020304" pitchFamily="18" charset="0"/>
+                <a:cs typeface="Consolas" panose="020B0609020204030204" pitchFamily="49" charset="0"/>
+              </a:rPr>
+              <a:t/>
+            </a:r>
+            <a:br>
+              <a:rPr lang="en-US" sz="700" dirty="0">
+                <a:solidFill>
+                  <a:srgbClr val="000000"/>
+                </a:solidFill>
+                <a:latin typeface="Consolas" panose="020B0609020204030204" pitchFamily="49" charset="0"/>
+                <a:ea typeface="Times New Roman" panose="02020603050405020304" pitchFamily="18" charset="0"/>
+                <a:cs typeface="Consolas" panose="020B0609020204030204" pitchFamily="49" charset="0"/>
+              </a:rPr>
+            </a:br>
+            <a:r>
+              <a:rPr lang="en-US" sz="700" dirty="0">
+                <a:solidFill>
+                  <a:srgbClr val="000000"/>
+                </a:solidFill>
+                <a:latin typeface="Consolas" panose="020B0609020204030204" pitchFamily="49" charset="0"/>
+                <a:ea typeface="Times New Roman" panose="02020603050405020304" pitchFamily="18" charset="0"/>
+                <a:cs typeface="Consolas" panose="020B0609020204030204" pitchFamily="49" charset="0"/>
+              </a:rPr>
+              <a:t>              </a:t>
+            </a:r>
+            <a:r>
+              <a:rPr lang="en-US" sz="700" dirty="0" err="1" smtClean="0">
+                <a:solidFill>
+                  <a:srgbClr val="C00000"/>
+                </a:solidFill>
+                <a:latin typeface="Consolas" panose="020B0609020204030204" pitchFamily="49" charset="0"/>
+                <a:ea typeface="Times New Roman" panose="02020603050405020304" pitchFamily="18" charset="0"/>
+                <a:cs typeface="Consolas" panose="020B0609020204030204" pitchFamily="49" charset="0"/>
+              </a:rPr>
+              <a:t>offl_a</a:t>
+            </a:r>
+            <a:r>
+              <a:rPr lang="en-US" sz="700" dirty="0">
+                <a:solidFill>
+                  <a:srgbClr val="000000"/>
+                </a:solidFill>
+                <a:latin typeface="Consolas" panose="020B0609020204030204" pitchFamily="49" charset="0"/>
+                <a:ea typeface="Times New Roman" panose="02020603050405020304" pitchFamily="18" charset="0"/>
+                <a:cs typeface="Consolas" panose="020B0609020204030204" pitchFamily="49" charset="0"/>
+              </a:rPr>
+              <a:t>, </a:t>
+            </a:r>
+            <a:r>
+              <a:rPr lang="en-US" sz="700" dirty="0" err="1" smtClean="0">
+                <a:solidFill>
+                  <a:srgbClr val="C00000"/>
+                </a:solidFill>
+                <a:latin typeface="Consolas" panose="020B0609020204030204" pitchFamily="49" charset="0"/>
+                <a:ea typeface="Times New Roman" panose="02020603050405020304" pitchFamily="18" charset="0"/>
+                <a:cs typeface="Consolas" panose="020B0609020204030204" pitchFamily="49" charset="0"/>
+              </a:rPr>
+              <a:t>offl</a:t>
+            </a:r>
+            <a:r>
+              <a:rPr lang="en-US" sz="700" dirty="0" err="1">
+                <a:solidFill>
+                  <a:srgbClr val="C00000"/>
+                </a:solidFill>
+                <a:latin typeface="Consolas" panose="020B0609020204030204" pitchFamily="49" charset="0"/>
+                <a:ea typeface="Times New Roman" panose="02020603050405020304" pitchFamily="18" charset="0"/>
+                <a:cs typeface="Consolas" panose="020B0609020204030204" pitchFamily="49" charset="0"/>
+              </a:rPr>
+              <a:t>_</a:t>
+            </a:r>
+            <a:r>
+              <a:rPr lang="en-US" sz="700" dirty="0" err="1" smtClean="0">
+                <a:solidFill>
+                  <a:srgbClr val="C00000"/>
+                </a:solidFill>
+                <a:latin typeface="Consolas" panose="020B0609020204030204" pitchFamily="49" charset="0"/>
+                <a:ea typeface="Times New Roman" panose="02020603050405020304" pitchFamily="18" charset="0"/>
+                <a:cs typeface="Consolas" panose="020B0609020204030204" pitchFamily="49" charset="0"/>
+              </a:rPr>
+              <a:t>b</a:t>
+            </a:r>
+            <a:r>
+              <a:rPr lang="en-US" sz="700" dirty="0">
+                <a:solidFill>
+                  <a:srgbClr val="000000"/>
+                </a:solidFill>
+                <a:latin typeface="Consolas" panose="020B0609020204030204" pitchFamily="49" charset="0"/>
+                <a:ea typeface="Times New Roman" panose="02020603050405020304" pitchFamily="18" charset="0"/>
+                <a:cs typeface="Consolas" panose="020B0609020204030204" pitchFamily="49" charset="0"/>
+              </a:rPr>
+              <a:t>, </a:t>
+            </a:r>
+            <a:r>
+              <a:rPr lang="en-US" sz="700" dirty="0" err="1" smtClean="0">
+                <a:solidFill>
+                  <a:srgbClr val="C00000"/>
+                </a:solidFill>
+                <a:latin typeface="Consolas" panose="020B0609020204030204" pitchFamily="49" charset="0"/>
+                <a:ea typeface="Times New Roman" panose="02020603050405020304" pitchFamily="18" charset="0"/>
+                <a:cs typeface="Consolas" panose="020B0609020204030204" pitchFamily="49" charset="0"/>
+              </a:rPr>
+              <a:t>offl_c</a:t>
+            </a:r>
+            <a:r>
+              <a:rPr lang="en-US" sz="700" dirty="0">
+                <a:solidFill>
+                  <a:srgbClr val="000000"/>
+                </a:solidFill>
+                <a:latin typeface="Consolas" panose="020B0609020204030204" pitchFamily="49" charset="0"/>
+                <a:ea typeface="Times New Roman" panose="02020603050405020304" pitchFamily="18" charset="0"/>
+                <a:cs typeface="Consolas" panose="020B0609020204030204" pitchFamily="49" charset="0"/>
+              </a:rPr>
+              <a:t>, </a:t>
+            </a:r>
+            <a:br>
+              <a:rPr lang="en-US" sz="700" dirty="0">
+                <a:solidFill>
+                  <a:srgbClr val="000000"/>
+                </a:solidFill>
+                <a:latin typeface="Consolas" panose="020B0609020204030204" pitchFamily="49" charset="0"/>
+                <a:ea typeface="Times New Roman" panose="02020603050405020304" pitchFamily="18" charset="0"/>
+                <a:cs typeface="Consolas" panose="020B0609020204030204" pitchFamily="49" charset="0"/>
+              </a:rPr>
+            </a:br>
+            <a:r>
+              <a:rPr lang="en-US" sz="700" dirty="0">
+                <a:solidFill>
+                  <a:srgbClr val="000000"/>
+                </a:solidFill>
+                <a:latin typeface="Consolas" panose="020B0609020204030204" pitchFamily="49" charset="0"/>
+                <a:ea typeface="Times New Roman" panose="02020603050405020304" pitchFamily="18" charset="0"/>
+                <a:cs typeface="Consolas" panose="020B0609020204030204" pitchFamily="49" charset="0"/>
+              </a:rPr>
+              <a:t>              m, n, k, alpha, beta</a:t>
+            </a:r>
+            <a:r>
+              <a:rPr lang="en-US" sz="700" dirty="0" smtClean="0">
+                <a:solidFill>
+                  <a:srgbClr val="000000"/>
+                </a:solidFill>
+                <a:latin typeface="Consolas" panose="020B0609020204030204" pitchFamily="49" charset="0"/>
+                <a:ea typeface="Times New Roman" panose="02020603050405020304" pitchFamily="18" charset="0"/>
+                <a:cs typeface="Consolas" panose="020B0609020204030204" pitchFamily="49" charset="0"/>
+              </a:rPr>
+              <a:t>)</a:t>
+            </a:r>
+          </a:p>
+          <a:p>
+            <a:pPr>
+              <a:spcAft>
+                <a:spcPts val="0"/>
+              </a:spcAft>
+            </a:pPr>
+            <a:endParaRPr lang="en-US" sz="700" dirty="0" smtClean="0">
+              <a:solidFill>
+                <a:srgbClr val="000000"/>
+              </a:solidFill>
+              <a:latin typeface="Consolas" panose="020B0609020204030204" pitchFamily="49" charset="0"/>
+              <a:ea typeface="Times New Roman" panose="02020603050405020304" pitchFamily="18" charset="0"/>
+              <a:cs typeface="Consolas" panose="020B0609020204030204" pitchFamily="49" charset="0"/>
+            </a:endParaRPr>
+          </a:p>
+          <a:p>
+            <a:pPr>
+              <a:spcAft>
+                <a:spcPts val="0"/>
+              </a:spcAft>
+            </a:pPr>
+            <a:r>
+              <a:rPr lang="en-US" sz="700" dirty="0" err="1" smtClean="0">
+                <a:solidFill>
+                  <a:srgbClr val="C00000"/>
+                </a:solidFill>
+                <a:latin typeface="Consolas" panose="020B0609020204030204" pitchFamily="49" charset="0"/>
+                <a:ea typeface="Times New Roman" panose="02020603050405020304" pitchFamily="18" charset="0"/>
+                <a:cs typeface="Consolas" panose="020B0609020204030204" pitchFamily="49" charset="0"/>
+              </a:rPr>
+              <a:t>offl_c.update_host</a:t>
+            </a:r>
+            <a:r>
+              <a:rPr lang="en-US" sz="700" dirty="0" smtClean="0">
+                <a:solidFill>
+                  <a:srgbClr val="C00000"/>
+                </a:solidFill>
+                <a:latin typeface="Consolas" panose="020B0609020204030204" pitchFamily="49" charset="0"/>
+                <a:ea typeface="Times New Roman" panose="02020603050405020304" pitchFamily="18" charset="0"/>
+                <a:cs typeface="Consolas" panose="020B0609020204030204" pitchFamily="49" charset="0"/>
+              </a:rPr>
+              <a:t>()</a:t>
+            </a:r>
+            <a:endParaRPr lang="en-US" sz="700" dirty="0">
+              <a:solidFill>
+                <a:srgbClr val="C00000"/>
+              </a:solidFill>
+              <a:latin typeface="Consolas" panose="020B0609020204030204" pitchFamily="49" charset="0"/>
+              <a:ea typeface="Times New Roman" panose="02020603050405020304" pitchFamily="18" charset="0"/>
+              <a:cs typeface="Consolas" panose="020B0609020204030204" pitchFamily="49" charset="0"/>
+            </a:endParaRPr>
+          </a:p>
+          <a:p>
+            <a:pPr>
+              <a:spcAft>
+                <a:spcPts val="0"/>
+              </a:spcAft>
+            </a:pPr>
+            <a:r>
+              <a:rPr lang="en-US" sz="700" dirty="0" err="1">
+                <a:solidFill>
+                  <a:srgbClr val="000000"/>
+                </a:solidFill>
+                <a:latin typeface="Consolas" panose="020B0609020204030204" pitchFamily="49" charset="0"/>
+                <a:ea typeface="Times New Roman" panose="02020603050405020304" pitchFamily="18" charset="0"/>
+                <a:cs typeface="Consolas" panose="020B0609020204030204" pitchFamily="49" charset="0"/>
+              </a:rPr>
+              <a:t>stream.sync</a:t>
+            </a:r>
+            <a:r>
+              <a:rPr lang="en-US" sz="700" dirty="0">
+                <a:solidFill>
+                  <a:srgbClr val="000000"/>
+                </a:solidFill>
+                <a:latin typeface="Consolas" panose="020B0609020204030204" pitchFamily="49" charset="0"/>
+                <a:ea typeface="Times New Roman" panose="02020603050405020304" pitchFamily="18" charset="0"/>
+                <a:cs typeface="Consolas" panose="020B0609020204030204" pitchFamily="49" charset="0"/>
+              </a:rPr>
+              <a:t>()</a:t>
+            </a:r>
+            <a:endParaRPr lang="en-US" sz="1200" dirty="0">
+              <a:latin typeface="Consolas" panose="020B0609020204030204" pitchFamily="49" charset="0"/>
+              <a:ea typeface="Times New Roman" panose="02020603050405020304" pitchFamily="18" charset="0"/>
+              <a:cs typeface="Consolas" panose="020B0609020204030204" pitchFamily="49" charset="0"/>
+            </a:endParaRPr>
+          </a:p>
+        </p:txBody>
+      </p:sp>
+      <p:grpSp>
+        <p:nvGrpSpPr>
+          <p:cNvPr id="4" name="Group 3"/>
+          <p:cNvGrpSpPr/>
+          <p:nvPr/>
+        </p:nvGrpSpPr>
+        <p:grpSpPr>
+          <a:xfrm>
+            <a:off x="311065" y="1818916"/>
+            <a:ext cx="3172320" cy="829191"/>
+            <a:chOff x="311065" y="1818916"/>
+            <a:chExt cx="3172320" cy="829191"/>
+          </a:xfrm>
+          <a:effectLst/>
+        </p:grpSpPr>
+        <p:sp>
+          <p:nvSpPr>
+            <p:cNvPr id="8" name="Left Brace 7"/>
+            <p:cNvSpPr/>
+            <p:nvPr/>
+          </p:nvSpPr>
+          <p:spPr>
+            <a:xfrm>
+              <a:off x="3386346" y="2325994"/>
+              <a:ext cx="97039" cy="322113"/>
+            </a:xfrm>
+            <a:prstGeom prst="leftBrace">
+              <a:avLst>
+                <a:gd name="adj1" fmla="val 123717"/>
+                <a:gd name="adj2" fmla="val 50000"/>
+              </a:avLst>
+            </a:prstGeom>
+          </p:spPr>
+          <p:style>
+            <a:lnRef idx="2">
+              <a:schemeClr val="accent1"/>
+            </a:lnRef>
+            <a:fillRef idx="0">
+              <a:schemeClr val="accent1"/>
+            </a:fillRef>
+            <a:effectRef idx="1">
+              <a:schemeClr val="accent1"/>
+            </a:effectRef>
+            <a:fontRef idx="minor">
+              <a:schemeClr val="tx1"/>
+            </a:fontRef>
+          </p:style>
+          <p:txBody>
+            <a:bodyPr rtlCol="0" anchor="ctr"/>
+            <a:lstStyle/>
+            <a:p>
+              <a:pPr algn="ctr"/>
+              <a:endParaRPr lang="en-US" sz="1300"/>
+            </a:p>
+          </p:txBody>
+        </p:sp>
+        <p:sp>
+          <p:nvSpPr>
+            <p:cNvPr id="12" name="Line Callout 1 (Accent Bar) 11"/>
+            <p:cNvSpPr/>
+            <p:nvPr/>
+          </p:nvSpPr>
+          <p:spPr>
+            <a:xfrm flipH="1">
+              <a:off x="311065" y="1818916"/>
+              <a:ext cx="2511481" cy="507079"/>
+            </a:xfrm>
+            <a:prstGeom prst="accentCallout1">
+              <a:avLst>
+                <a:gd name="adj1" fmla="val 18750"/>
+                <a:gd name="adj2" fmla="val -8333"/>
+                <a:gd name="adj3" fmla="val 132732"/>
+                <a:gd name="adj4" fmla="val -22795"/>
+              </a:avLst>
+            </a:prstGeom>
+            <a:ln>
+              <a:bevel/>
+            </a:ln>
+            <a:effectLst/>
+          </p:spPr>
+          <p:style>
+            <a:lnRef idx="2">
+              <a:schemeClr val="accent1"/>
+            </a:lnRef>
+            <a:fillRef idx="0">
+              <a:schemeClr val="accent1"/>
+            </a:fillRef>
+            <a:effectRef idx="1">
+              <a:schemeClr val="accent1"/>
+            </a:effectRef>
+            <a:fontRef idx="minor">
+              <a:schemeClr val="tx1"/>
+            </a:fontRef>
+          </p:style>
+          <p:txBody>
+            <a:bodyPr rtlCol="0" anchor="t" anchorCtr="0"/>
+            <a:lstStyle/>
+            <a:p>
+              <a:pPr marL="177800" indent="-177800">
+                <a:buFont typeface="Arial" panose="020B0604020202020204" pitchFamily="34" charset="0"/>
+                <a:buChar char="•"/>
+              </a:pPr>
+              <a:r>
+                <a:rPr lang="en-US" sz="1300" dirty="0" smtClean="0">
+                  <a:solidFill>
+                    <a:schemeClr val="tx1"/>
+                  </a:solidFill>
+                </a:rPr>
+                <a:t>Use bind to create an offload buffer for host data</a:t>
+              </a:r>
+              <a:endParaRPr lang="en-US" sz="1300" dirty="0">
+                <a:solidFill>
+                  <a:schemeClr val="tx1"/>
+                </a:solidFill>
+              </a:endParaRPr>
+            </a:p>
+          </p:txBody>
+        </p:sp>
+      </p:grpSp>
+      <p:grpSp>
+        <p:nvGrpSpPr>
+          <p:cNvPr id="11" name="Group 10"/>
+          <p:cNvGrpSpPr/>
+          <p:nvPr/>
+        </p:nvGrpSpPr>
+        <p:grpSpPr>
+          <a:xfrm>
+            <a:off x="311064" y="2403550"/>
+            <a:ext cx="3172320" cy="689998"/>
+            <a:chOff x="311064" y="2403550"/>
+            <a:chExt cx="3172320" cy="689998"/>
+          </a:xfrm>
+          <a:effectLst/>
+        </p:grpSpPr>
+        <p:sp>
+          <p:nvSpPr>
+            <p:cNvPr id="9" name="Left Brace 8"/>
+            <p:cNvSpPr/>
+            <p:nvPr/>
+          </p:nvSpPr>
+          <p:spPr>
+            <a:xfrm>
+              <a:off x="3386345" y="2713362"/>
+              <a:ext cx="97039" cy="380186"/>
+            </a:xfrm>
+            <a:prstGeom prst="leftBrace">
+              <a:avLst>
+                <a:gd name="adj1" fmla="val 123717"/>
+                <a:gd name="adj2" fmla="val 50000"/>
+              </a:avLst>
+            </a:prstGeom>
+          </p:spPr>
+          <p:style>
+            <a:lnRef idx="2">
+              <a:schemeClr val="accent1"/>
+            </a:lnRef>
+            <a:fillRef idx="0">
+              <a:schemeClr val="accent1"/>
+            </a:fillRef>
+            <a:effectRef idx="1">
+              <a:schemeClr val="accent1"/>
+            </a:effectRef>
+            <a:fontRef idx="minor">
+              <a:schemeClr val="tx1"/>
+            </a:fontRef>
+          </p:style>
+          <p:txBody>
+            <a:bodyPr rtlCol="0" anchor="ctr"/>
+            <a:lstStyle/>
+            <a:p>
+              <a:pPr algn="ctr"/>
+              <a:endParaRPr lang="en-US" sz="1300"/>
+            </a:p>
+          </p:txBody>
+        </p:sp>
+        <p:sp>
+          <p:nvSpPr>
+            <p:cNvPr id="14" name="Line Callout 1 (Accent Bar) 13"/>
+            <p:cNvSpPr/>
+            <p:nvPr/>
+          </p:nvSpPr>
+          <p:spPr>
+            <a:xfrm flipH="1">
+              <a:off x="311064" y="2403550"/>
+              <a:ext cx="2511481" cy="507079"/>
+            </a:xfrm>
+            <a:prstGeom prst="accentCallout1">
+              <a:avLst>
+                <a:gd name="adj1" fmla="val 18750"/>
+                <a:gd name="adj2" fmla="val -8333"/>
+                <a:gd name="adj3" fmla="val 98818"/>
+                <a:gd name="adj4" fmla="val -22909"/>
+              </a:avLst>
+            </a:prstGeom>
+            <a:ln>
+              <a:bevel/>
+            </a:ln>
+            <a:effectLst/>
+          </p:spPr>
+          <p:style>
+            <a:lnRef idx="2">
+              <a:schemeClr val="accent1"/>
+            </a:lnRef>
+            <a:fillRef idx="0">
+              <a:schemeClr val="accent1"/>
+            </a:fillRef>
+            <a:effectRef idx="1">
+              <a:schemeClr val="accent1"/>
+            </a:effectRef>
+            <a:fontRef idx="minor">
+              <a:schemeClr val="tx1"/>
+            </a:fontRef>
+          </p:style>
+          <p:txBody>
+            <a:bodyPr rtlCol="0" anchor="t" anchorCtr="0"/>
+            <a:lstStyle/>
+            <a:p>
+              <a:pPr marL="177800" indent="-177800">
+                <a:buFont typeface="Arial" panose="020B0604020202020204" pitchFamily="34" charset="0"/>
+                <a:buChar char="•"/>
+              </a:pPr>
+              <a:r>
+                <a:rPr lang="en-US" sz="1300" dirty="0" smtClean="0">
+                  <a:solidFill>
+                    <a:schemeClr val="tx1"/>
+                  </a:solidFill>
+                </a:rPr>
+                <a:t>Invoke kernel function and pass actual arguments</a:t>
+              </a:r>
+              <a:endParaRPr lang="en-US" sz="1300" dirty="0">
+                <a:solidFill>
+                  <a:schemeClr val="tx1"/>
+                </a:solidFill>
+              </a:endParaRPr>
+            </a:p>
+          </p:txBody>
+        </p:sp>
+      </p:grpSp>
+      <p:grpSp>
+        <p:nvGrpSpPr>
+          <p:cNvPr id="16" name="Group 15"/>
+          <p:cNvGrpSpPr/>
+          <p:nvPr/>
+        </p:nvGrpSpPr>
+        <p:grpSpPr>
+          <a:xfrm>
+            <a:off x="311063" y="2988185"/>
+            <a:ext cx="3172320" cy="507079"/>
+            <a:chOff x="311063" y="2988185"/>
+            <a:chExt cx="3172320" cy="507079"/>
+          </a:xfrm>
+          <a:effectLst/>
+        </p:grpSpPr>
+        <p:sp>
+          <p:nvSpPr>
+            <p:cNvPr id="10" name="Left Brace 9"/>
+            <p:cNvSpPr/>
+            <p:nvPr/>
+          </p:nvSpPr>
+          <p:spPr>
+            <a:xfrm>
+              <a:off x="3386344" y="3147108"/>
+              <a:ext cx="97039" cy="160254"/>
+            </a:xfrm>
+            <a:prstGeom prst="leftBrace">
+              <a:avLst>
+                <a:gd name="adj1" fmla="val 123717"/>
+                <a:gd name="adj2" fmla="val 50000"/>
+              </a:avLst>
+            </a:prstGeom>
+          </p:spPr>
+          <p:style>
+            <a:lnRef idx="2">
+              <a:schemeClr val="accent1"/>
+            </a:lnRef>
+            <a:fillRef idx="0">
+              <a:schemeClr val="accent1"/>
+            </a:fillRef>
+            <a:effectRef idx="1">
+              <a:schemeClr val="accent1"/>
+            </a:effectRef>
+            <a:fontRef idx="minor">
+              <a:schemeClr val="tx1"/>
+            </a:fontRef>
+          </p:style>
+          <p:txBody>
+            <a:bodyPr rtlCol="0" anchor="ctr"/>
+            <a:lstStyle/>
+            <a:p>
+              <a:pPr algn="ctr"/>
+              <a:endParaRPr lang="en-US" sz="1300"/>
+            </a:p>
+          </p:txBody>
+        </p:sp>
+        <p:sp>
+          <p:nvSpPr>
+            <p:cNvPr id="15" name="Line Callout 1 (Accent Bar) 14"/>
+            <p:cNvSpPr/>
+            <p:nvPr/>
+          </p:nvSpPr>
+          <p:spPr>
+            <a:xfrm flipH="1">
+              <a:off x="311063" y="2988185"/>
+              <a:ext cx="2511481" cy="507079"/>
+            </a:xfrm>
+            <a:prstGeom prst="accentCallout1">
+              <a:avLst>
+                <a:gd name="adj1" fmla="val 18750"/>
+                <a:gd name="adj2" fmla="val -8333"/>
+                <a:gd name="adj3" fmla="val 46657"/>
+                <a:gd name="adj4" fmla="val -22631"/>
+              </a:avLst>
+            </a:prstGeom>
+            <a:ln>
+              <a:bevel/>
+            </a:ln>
+            <a:effectLst/>
+          </p:spPr>
+          <p:style>
+            <a:lnRef idx="2">
+              <a:schemeClr val="accent1"/>
+            </a:lnRef>
+            <a:fillRef idx="0">
+              <a:schemeClr val="accent1"/>
+            </a:fillRef>
+            <a:effectRef idx="1">
+              <a:schemeClr val="accent1"/>
+            </a:effectRef>
+            <a:fontRef idx="minor">
+              <a:schemeClr val="tx1"/>
+            </a:fontRef>
+          </p:style>
+          <p:txBody>
+            <a:bodyPr rtlCol="0" anchor="t" anchorCtr="0"/>
+            <a:lstStyle/>
+            <a:p>
+              <a:pPr marL="177800" indent="-177800">
+                <a:buFont typeface="Arial" panose="020B0604020202020204" pitchFamily="34" charset="0"/>
+                <a:buChar char="•"/>
+              </a:pPr>
+              <a:r>
+                <a:rPr lang="en-US" sz="1300" dirty="0" smtClean="0">
+                  <a:solidFill>
+                    <a:schemeClr val="tx1"/>
+                  </a:solidFill>
+                </a:rPr>
+                <a:t>Update host data from the device buffer</a:t>
+              </a:r>
+              <a:endParaRPr lang="en-US" sz="1300" dirty="0">
+                <a:solidFill>
+                  <a:schemeClr val="tx1"/>
+                </a:solidFill>
+              </a:endParaRPr>
+            </a:p>
+          </p:txBody>
+        </p:sp>
+      </p:grpSp>
+      <p:grpSp>
+        <p:nvGrpSpPr>
+          <p:cNvPr id="17" name="Group 16"/>
+          <p:cNvGrpSpPr/>
+          <p:nvPr/>
+        </p:nvGrpSpPr>
+        <p:grpSpPr>
+          <a:xfrm>
+            <a:off x="311066" y="813874"/>
+            <a:ext cx="3172319" cy="927487"/>
+            <a:chOff x="311066" y="813874"/>
+            <a:chExt cx="3172319" cy="927487"/>
+          </a:xfrm>
+          <a:effectLst/>
+        </p:grpSpPr>
+        <p:sp>
+          <p:nvSpPr>
+            <p:cNvPr id="18" name="Left Brace 17"/>
+            <p:cNvSpPr/>
+            <p:nvPr/>
+          </p:nvSpPr>
+          <p:spPr>
+            <a:xfrm>
+              <a:off x="3386346" y="1085102"/>
+              <a:ext cx="97039" cy="238364"/>
+            </a:xfrm>
+            <a:prstGeom prst="leftBrace">
+              <a:avLst>
+                <a:gd name="adj1" fmla="val 123717"/>
+                <a:gd name="adj2" fmla="val 50000"/>
+              </a:avLst>
+            </a:prstGeom>
+          </p:spPr>
+          <p:style>
+            <a:lnRef idx="2">
+              <a:schemeClr val="accent1"/>
+            </a:lnRef>
+            <a:fillRef idx="0">
+              <a:schemeClr val="accent1"/>
+            </a:fillRef>
+            <a:effectRef idx="1">
+              <a:schemeClr val="accent1"/>
+            </a:effectRef>
+            <a:fontRef idx="minor">
+              <a:schemeClr val="tx1"/>
+            </a:fontRef>
+          </p:style>
+          <p:txBody>
+            <a:bodyPr rtlCol="0" anchor="ctr"/>
+            <a:lstStyle/>
+            <a:p>
+              <a:pPr algn="ctr"/>
+              <a:endParaRPr lang="en-US" sz="1300"/>
+            </a:p>
+          </p:txBody>
+        </p:sp>
+        <p:sp>
+          <p:nvSpPr>
+            <p:cNvPr id="19" name="Line Callout 1 (Accent Bar) 18"/>
+            <p:cNvSpPr/>
+            <p:nvPr/>
+          </p:nvSpPr>
+          <p:spPr>
+            <a:xfrm flipH="1">
+              <a:off x="311066" y="813874"/>
+              <a:ext cx="2511481" cy="927487"/>
+            </a:xfrm>
+            <a:prstGeom prst="accentCallout1">
+              <a:avLst>
+                <a:gd name="adj1" fmla="val 18750"/>
+                <a:gd name="adj2" fmla="val -8333"/>
+                <a:gd name="adj3" fmla="val 42093"/>
+                <a:gd name="adj4" fmla="val -22736"/>
+              </a:avLst>
+            </a:prstGeom>
+            <a:ln>
+              <a:bevel/>
+            </a:ln>
+            <a:effectLst/>
+          </p:spPr>
+          <p:style>
+            <a:lnRef idx="2">
+              <a:schemeClr val="accent1"/>
+            </a:lnRef>
+            <a:fillRef idx="0">
+              <a:schemeClr val="accent1"/>
+            </a:fillRef>
+            <a:effectRef idx="1">
+              <a:schemeClr val="accent1"/>
+            </a:effectRef>
+            <a:fontRef idx="minor">
+              <a:schemeClr val="tx1"/>
+            </a:fontRef>
+          </p:style>
+          <p:txBody>
+            <a:bodyPr rtlCol="0" anchor="t" anchorCtr="0"/>
+            <a:lstStyle/>
+            <a:p>
+              <a:pPr marL="177800" indent="-177800">
+                <a:buFont typeface="Arial" panose="020B0604020202020204" pitchFamily="34" charset="0"/>
+                <a:buChar char="•"/>
+              </a:pPr>
+              <a:r>
+                <a:rPr lang="en-US" sz="1300" dirty="0" smtClean="0">
+                  <a:solidFill>
+                    <a:schemeClr val="tx1"/>
+                  </a:solidFill>
+                </a:rPr>
+                <a:t>Get a device handle</a:t>
+              </a:r>
+            </a:p>
+            <a:p>
+              <a:pPr marL="177800" lvl="1"/>
+              <a:r>
+                <a:rPr lang="en-US" sz="1300" dirty="0" smtClean="0"/>
+                <a:t>(numbered from 0 to n-1)</a:t>
+              </a:r>
+            </a:p>
+            <a:p>
+              <a:pPr marL="177800" indent="-177800">
+                <a:buFont typeface="Arial" panose="020B0604020202020204" pitchFamily="34" charset="0"/>
+                <a:buChar char="•"/>
+              </a:pPr>
+              <a:r>
+                <a:rPr lang="en-US" sz="1300" dirty="0" smtClean="0">
+                  <a:solidFill>
+                    <a:schemeClr val="tx1"/>
+                  </a:solidFill>
+                </a:rPr>
+                <a:t>Load native code as a shared-object library</a:t>
+              </a:r>
+              <a:endParaRPr lang="en-US" sz="1300" dirty="0">
+                <a:solidFill>
+                  <a:schemeClr val="tx1"/>
+                </a:solidFill>
+              </a:endParaRPr>
+            </a:p>
+          </p:txBody>
+        </p:sp>
+      </p:grpSp>
+    </p:spTree>
+    <p:extLst>
+      <p:ext uri="{BB962C8B-B14F-4D97-AF65-F5344CB8AC3E}">
+        <p14:creationId xmlns:p14="http://schemas.microsoft.com/office/powerpoint/2010/main" val="277088199"/>
+      </p:ext>
+    </p:extLst>
+  </p:cSld>
+  <p:clrMapOvr>
+    <a:masterClrMapping/>
+  </p:clrMapOvr>
+  <p:timing>
+    <p:tnLst>
+      <p:par>
+        <p:cTn id="1" dur="indefinite" restart="never" nodeType="tmRoot">
+          <p:childTnLst>
+            <p:seq concurrent="1" nextAc="seek">
+              <p:cTn id="2" dur="indefinite" nodeType="mainSeq">
+                <p:childTnLst>
+                  <p:par>
+                    <p:cTn id="3" fill="hold">
+                      <p:stCondLst>
+                        <p:cond delay="indefinite"/>
+                      </p:stCondLst>
+                      <p:childTnLst>
+                        <p:par>
+                          <p:cTn id="4" fill="hold">
+                            <p:stCondLst>
+                              <p:cond delay="0"/>
+                            </p:stCondLst>
+                            <p:childTnLst>
+                              <p:par>
+                                <p:cTn id="5" presetID="10" presetClass="entr" presetSubtype="0" fill="hold" nodeType="clickEffect">
+                                  <p:stCondLst>
+                                    <p:cond delay="0"/>
+                                  </p:stCondLst>
+                                  <p:childTnLst>
+                                    <p:set>
+                                      <p:cBhvr>
+                                        <p:cTn id="6" dur="1" fill="hold">
+                                          <p:stCondLst>
+                                            <p:cond delay="0"/>
+                                          </p:stCondLst>
+                                        </p:cTn>
+                                        <p:tgtEl>
+                                          <p:spTgt spid="17"/>
+                                        </p:tgtEl>
+                                        <p:attrNameLst>
+                                          <p:attrName>style.visibility</p:attrName>
+                                        </p:attrNameLst>
+                                      </p:cBhvr>
+                                      <p:to>
+                                        <p:strVal val="visible"/>
+                                      </p:to>
+                                    </p:set>
+                                    <p:animEffect transition="in" filter="fade">
+                                      <p:cBhvr>
+                                        <p:cTn id="7" dur="500"/>
+                                        <p:tgtEl>
+                                          <p:spTgt spid="17"/>
+                                        </p:tgtEl>
+                                      </p:cBhvr>
+                                    </p:animEffect>
+                                  </p:childTnLst>
+                                </p:cTn>
+                              </p:par>
+                            </p:childTnLst>
+                          </p:cTn>
+                        </p:par>
+                      </p:childTnLst>
+                    </p:cTn>
+                  </p:par>
+                  <p:par>
+                    <p:cTn id="8" fill="hold">
+                      <p:stCondLst>
+                        <p:cond delay="indefinite"/>
+                      </p:stCondLst>
+                      <p:childTnLst>
+                        <p:par>
+                          <p:cTn id="9" fill="hold">
+                            <p:stCondLst>
+                              <p:cond delay="0"/>
+                            </p:stCondLst>
+                            <p:childTnLst>
+                              <p:par>
+                                <p:cTn id="10" presetID="10" presetClass="entr" presetSubtype="0" fill="hold" nodeType="clickEffect">
+                                  <p:stCondLst>
+                                    <p:cond delay="0"/>
+                                  </p:stCondLst>
+                                  <p:childTnLst>
+                                    <p:set>
+                                      <p:cBhvr>
+                                        <p:cTn id="11" dur="1" fill="hold">
+                                          <p:stCondLst>
+                                            <p:cond delay="0"/>
+                                          </p:stCondLst>
+                                        </p:cTn>
+                                        <p:tgtEl>
+                                          <p:spTgt spid="4"/>
+                                        </p:tgtEl>
+                                        <p:attrNameLst>
+                                          <p:attrName>style.visibility</p:attrName>
+                                        </p:attrNameLst>
+                                      </p:cBhvr>
+                                      <p:to>
+                                        <p:strVal val="visible"/>
+                                      </p:to>
+                                    </p:set>
+                                    <p:animEffect transition="in" filter="fade">
+                                      <p:cBhvr>
+                                        <p:cTn id="12" dur="500"/>
+                                        <p:tgtEl>
+                                          <p:spTgt spid="4"/>
+                                        </p:tgtEl>
+                                      </p:cBhvr>
+                                    </p:animEffect>
+                                  </p:childTnLst>
+                                </p:cTn>
+                              </p:par>
+                            </p:childTnLst>
+                          </p:cTn>
+                        </p:par>
+                      </p:childTnLst>
+                    </p:cTn>
+                  </p:par>
+                  <p:par>
+                    <p:cTn id="13" fill="hold">
+                      <p:stCondLst>
+                        <p:cond delay="indefinite"/>
+                      </p:stCondLst>
+                      <p:childTnLst>
+                        <p:par>
+                          <p:cTn id="14" fill="hold">
+                            <p:stCondLst>
+                              <p:cond delay="0"/>
+                            </p:stCondLst>
+                            <p:childTnLst>
+                              <p:par>
+                                <p:cTn id="15" presetID="10" presetClass="entr" presetSubtype="0" fill="hold" nodeType="clickEffect">
+                                  <p:stCondLst>
+                                    <p:cond delay="0"/>
+                                  </p:stCondLst>
+                                  <p:childTnLst>
+                                    <p:set>
+                                      <p:cBhvr>
+                                        <p:cTn id="16" dur="1" fill="hold">
+                                          <p:stCondLst>
+                                            <p:cond delay="0"/>
+                                          </p:stCondLst>
+                                        </p:cTn>
+                                        <p:tgtEl>
+                                          <p:spTgt spid="11"/>
+                                        </p:tgtEl>
+                                        <p:attrNameLst>
+                                          <p:attrName>style.visibility</p:attrName>
+                                        </p:attrNameLst>
+                                      </p:cBhvr>
+                                      <p:to>
+                                        <p:strVal val="visible"/>
+                                      </p:to>
+                                    </p:set>
+                                    <p:animEffect transition="in" filter="fade">
+                                      <p:cBhvr>
+                                        <p:cTn id="17" dur="500"/>
+                                        <p:tgtEl>
+                                          <p:spTgt spid="11"/>
+                                        </p:tgtEl>
+                                      </p:cBhvr>
+                                    </p:animEffect>
+                                  </p:childTnLst>
+                                </p:cTn>
+                              </p:par>
+                            </p:childTnLst>
+                          </p:cTn>
+                        </p:par>
+                      </p:childTnLst>
+                    </p:cTn>
+                  </p:par>
+                  <p:par>
+                    <p:cTn id="18" fill="hold">
+                      <p:stCondLst>
+                        <p:cond delay="indefinite"/>
+                      </p:stCondLst>
+                      <p:childTnLst>
+                        <p:par>
+                          <p:cTn id="19" fill="hold">
+                            <p:stCondLst>
+                              <p:cond delay="0"/>
+                            </p:stCondLst>
+                            <p:childTnLst>
+                              <p:par>
+                                <p:cTn id="20" presetID="10" presetClass="entr" presetSubtype="0" fill="hold" nodeType="clickEffect">
+                                  <p:stCondLst>
+                                    <p:cond delay="0"/>
+                                  </p:stCondLst>
+                                  <p:childTnLst>
+                                    <p:set>
+                                      <p:cBhvr>
+                                        <p:cTn id="21" dur="1" fill="hold">
+                                          <p:stCondLst>
+                                            <p:cond delay="0"/>
+                                          </p:stCondLst>
+                                        </p:cTn>
+                                        <p:tgtEl>
+                                          <p:spTgt spid="16"/>
+                                        </p:tgtEl>
+                                        <p:attrNameLst>
+                                          <p:attrName>style.visibility</p:attrName>
+                                        </p:attrNameLst>
+                                      </p:cBhvr>
+                                      <p:to>
+                                        <p:strVal val="visible"/>
+                                      </p:to>
+                                    </p:set>
+                                    <p:animEffect transition="in" filter="fade">
+                                      <p:cBhvr>
+                                        <p:cTn id="22" dur="500"/>
+                                        <p:tgtEl>
+                                          <p:spTgt spid="16"/>
+                                        </p:tgtEl>
+                                      </p:cBhvr>
+                                    </p:animEffect>
+                                  </p:childTnLst>
+                                </p:cTn>
+                              </p:par>
+                            </p:childTnLst>
+                          </p:cTn>
+                        </p:par>
+                      </p:childTnLst>
+                    </p:cTn>
+                  </p:par>
+                </p:childTnLst>
+              </p:cTn>
+              <p:prevCondLst>
+                <p:cond evt="onPrev" delay="0">
+                  <p:tgtEl>
+                    <p:sldTgt/>
+                  </p:tgtEl>
+                </p:cond>
+              </p:prevCondLst>
+              <p:nextCondLst>
+                <p:cond evt="onNext" delay="0">
+                  <p:tgtEl>
+                    <p:sldTgt/>
+                  </p:tgtEl>
+                </p:cond>
+              </p:nextCondLst>
+            </p:seq>
+          </p:childTnLst>
+        </p:cTn>
+      </p:par>
+    </p:tnLst>
   </p:timing>
 </p:sld>
 </file>
@@ -44922,15 +47185,6 @@
 </file>
 
 <file path=customXml/item1.xml><?xml version="1.0" encoding="utf-8"?>
-<?mso-contentType ?>
-<FormTemplates xmlns="http://schemas.microsoft.com/sharepoint/v3/contenttype/forms">
-  <Display>DocumentLibraryForm</Display>
-  <Edit>DocumentLibraryForm</Edit>
-  <New>DocumentLibraryForm</New>
-</FormTemplates>
-</file>
-
-<file path=customXml/item2.xml><?xml version="1.0" encoding="utf-8"?>
 <ct:contentTypeSchema xmlns:ct="http://schemas.microsoft.com/office/2006/metadata/contentType" xmlns:ma="http://schemas.microsoft.com/office/2006/metadata/properties/metaAttributes" ct:_="" ma:_="" ma:contentTypeName="Document" ma:contentTypeID="0x01010046E78BE5C2619942B5B5C747CBC8D1EC" ma:contentTypeVersion="1" ma:contentTypeDescription="Create a new document." ma:contentTypeScope="" ma:versionID="b6282a56353f29feb94efc51fd8fd07c">
   <xsd:schema xmlns:xsd="http://www.w3.org/2001/XMLSchema" xmlns:xs="http://www.w3.org/2001/XMLSchema" xmlns:p="http://schemas.microsoft.com/office/2006/metadata/properties" targetNamespace="http://schemas.microsoft.com/office/2006/metadata/properties" ma:root="true" ma:fieldsID="3c6d6999b258fe523918ae99dde67321">
     <xsd:element name="properties">
@@ -45044,6 +47298,15 @@
 </ct:contentTypeSchema>
 </file>
 
+<file path=customXml/item2.xml><?xml version="1.0" encoding="utf-8"?>
+<?mso-contentType ?>
+<FormTemplates xmlns="http://schemas.microsoft.com/sharepoint/v3/contenttype/forms">
+  <Display>DocumentLibraryForm</Display>
+  <Edit>DocumentLibraryForm</Edit>
+  <New>DocumentLibraryForm</New>
+</FormTemplates>
+</file>
+
 <file path=customXml/item3.xml><?xml version="1.0" encoding="utf-8"?>
 <p:properties xmlns:p="http://schemas.microsoft.com/office/2006/metadata/properties" xmlns:xsi="http://www.w3.org/2001/XMLSchema-instance" xmlns:pc="http://schemas.microsoft.com/office/infopath/2007/PartnerControls">
   <documentManagement/>
@@ -45051,14 +47314,6 @@
 </file>
 
 <file path=customXml/itemProps1.xml><?xml version="1.0" encoding="utf-8"?>
-<ds:datastoreItem xmlns:ds="http://schemas.openxmlformats.org/officeDocument/2006/customXml" ds:itemID="{443BF900-CAD1-4300-896F-9C85F907FC3C}">
-  <ds:schemaRefs>
-    <ds:schemaRef ds:uri="http://schemas.microsoft.com/sharepoint/v3/contenttype/forms"/>
-  </ds:schemaRefs>
-</ds:datastoreItem>
-</file>
-
-<file path=customXml/itemProps2.xml><?xml version="1.0" encoding="utf-8"?>
 <ds:datastoreItem xmlns:ds="http://schemas.openxmlformats.org/officeDocument/2006/customXml" ds:itemID="{09767654-8F14-4200-BA6B-0E83A38B8D26}">
   <ds:schemaRefs>
     <ds:schemaRef ds:uri="http://schemas.microsoft.com/office/2006/metadata/contentType"/>
@@ -45070,6 +47325,14 @@
     <ds:schemaRef ds:uri="http://purl.org/dc/terms/"/>
     <ds:schemaRef ds:uri="http://schemas.microsoft.com/internal/obd"/>
     <ds:schemaRef ds:uri="http://schemas.microsoft.com/office/infopath/2007/PartnerControls"/>
+  </ds:schemaRefs>
+</ds:datastoreItem>
+</file>
+
+<file path=customXml/itemProps2.xml><?xml version="1.0" encoding="utf-8"?>
+<ds:datastoreItem xmlns:ds="http://schemas.openxmlformats.org/officeDocument/2006/customXml" ds:itemID="{443BF900-CAD1-4300-896F-9C85F907FC3C}">
+  <ds:schemaRefs>
+    <ds:schemaRef ds:uri="http://schemas.microsoft.com/sharepoint/v3/contenttype/forms"/>
   </ds:schemaRefs>
 </ds:datastoreItem>
 </file>
